--- a/Presentation_Tweet.pptx
+++ b/Presentation_Tweet.pptx
@@ -116,6 +116,11 @@
       </a:defRPr>
     </a:lvl9pPr>
   </p:defaultTextStyle>
+  <p:extLst>
+    <p:ext uri="{EFAFB233-063F-42B5-8137-9DF3F51BA10A}">
+      <p15:sldGuideLst xmlns:p15="http://schemas.microsoft.com/office/powerpoint/2012/main"/>
+    </p:ext>
+  </p:extLst>
 </p:presentation>
 </file>
 
@@ -9863,7 +9868,7 @@
           <a:noFill/>
           <a:extLst>
             <a:ext uri="{909E8E84-426E-40dd-AFC4-6F175D3DCCD1}">
-              <a14:hiddenFill xmlns:a14="http://schemas.microsoft.com/office/drawing/2010/main" xmlns="">
+              <a14:hiddenFill xmlns="" xmlns:a14="http://schemas.microsoft.com/office/drawing/2010/main">
                 <a:solidFill>
                   <a:srgbClr val="FFFFFF"/>
                 </a:solidFill>
@@ -9923,7 +9928,7 @@
             </a:ln>
             <a:extLst>
               <a:ext uri="{91240B29-F687-4f45-9708-019B960494DF}">
-                <a14:hiddenLine xmlns:a14="http://schemas.microsoft.com/office/drawing/2010/main" xmlns="" w="9525">
+                <a14:hiddenLine xmlns="" xmlns:a14="http://schemas.microsoft.com/office/drawing/2010/main" w="9525">
                   <a:solidFill>
                     <a:srgbClr val="000000"/>
                   </a:solidFill>
@@ -10013,7 +10018,7 @@
             </a:ln>
             <a:extLst>
               <a:ext uri="{91240B29-F687-4f45-9708-019B960494DF}">
-                <a14:hiddenLine xmlns:a14="http://schemas.microsoft.com/office/drawing/2010/main" xmlns="" w="9525">
+                <a14:hiddenLine xmlns="" xmlns:a14="http://schemas.microsoft.com/office/drawing/2010/main" w="9525">
                   <a:solidFill>
                     <a:srgbClr val="000000"/>
                   </a:solidFill>
@@ -10103,7 +10108,7 @@
             </a:ln>
             <a:extLst>
               <a:ext uri="{91240B29-F687-4f45-9708-019B960494DF}">
-                <a14:hiddenLine xmlns:a14="http://schemas.microsoft.com/office/drawing/2010/main" xmlns="" w="9525">
+                <a14:hiddenLine xmlns="" xmlns:a14="http://schemas.microsoft.com/office/drawing/2010/main" w="9525">
                   <a:solidFill>
                     <a:srgbClr val="000000"/>
                   </a:solidFill>
@@ -10137,7 +10142,7 @@
             </a:ln>
             <a:extLst>
               <a:ext uri="{91240B29-F687-4f45-9708-019B960494DF}">
-                <a14:hiddenLine xmlns:a14="http://schemas.microsoft.com/office/drawing/2010/main" xmlns="" w="9525">
+                <a14:hiddenLine xmlns="" xmlns:a14="http://schemas.microsoft.com/office/drawing/2010/main" w="9525">
                   <a:solidFill>
                     <a:srgbClr val="000000"/>
                   </a:solidFill>
@@ -10227,7 +10232,7 @@
             </a:ln>
             <a:extLst>
               <a:ext uri="{91240B29-F687-4f45-9708-019B960494DF}">
-                <a14:hiddenLine xmlns:a14="http://schemas.microsoft.com/office/drawing/2010/main" xmlns="" w="9525">
+                <a14:hiddenLine xmlns="" xmlns:a14="http://schemas.microsoft.com/office/drawing/2010/main" w="9525">
                   <a:solidFill>
                     <a:srgbClr val="000000"/>
                   </a:solidFill>
@@ -10289,7 +10294,7 @@
             </a:ln>
             <a:extLst>
               <a:ext uri="{91240B29-F687-4f45-9708-019B960494DF}">
-                <a14:hiddenLine xmlns:a14="http://schemas.microsoft.com/office/drawing/2010/main" xmlns="" w="9525">
+                <a14:hiddenLine xmlns="" xmlns:a14="http://schemas.microsoft.com/office/drawing/2010/main" w="9525">
                   <a:solidFill>
                     <a:srgbClr val="000000"/>
                   </a:solidFill>
@@ -10351,7 +10356,7 @@
             </a:ln>
             <a:extLst>
               <a:ext uri="{91240B29-F687-4f45-9708-019B960494DF}">
-                <a14:hiddenLine xmlns:a14="http://schemas.microsoft.com/office/drawing/2010/main" xmlns="" w="9525">
+                <a14:hiddenLine xmlns="" xmlns:a14="http://schemas.microsoft.com/office/drawing/2010/main" w="9525">
                   <a:solidFill>
                     <a:srgbClr val="000000"/>
                   </a:solidFill>
@@ -10441,7 +10446,7 @@
             </a:ln>
             <a:extLst>
               <a:ext uri="{91240B29-F687-4f45-9708-019B960494DF}">
-                <a14:hiddenLine xmlns:a14="http://schemas.microsoft.com/office/drawing/2010/main" xmlns="" w="9525">
+                <a14:hiddenLine xmlns="" xmlns:a14="http://schemas.microsoft.com/office/drawing/2010/main" w="9525">
                   <a:solidFill>
                     <a:srgbClr val="000000"/>
                   </a:solidFill>
@@ -10503,7 +10508,7 @@
             </a:ln>
             <a:extLst>
               <a:ext uri="{91240B29-F687-4f45-9708-019B960494DF}">
-                <a14:hiddenLine xmlns:a14="http://schemas.microsoft.com/office/drawing/2010/main" xmlns="" w="9525">
+                <a14:hiddenLine xmlns="" xmlns:a14="http://schemas.microsoft.com/office/drawing/2010/main" w="9525">
                   <a:solidFill>
                     <a:srgbClr val="000000"/>
                   </a:solidFill>
@@ -10565,7 +10570,7 @@
             </a:ln>
             <a:extLst>
               <a:ext uri="{91240B29-F687-4f45-9708-019B960494DF}">
-                <a14:hiddenLine xmlns:a14="http://schemas.microsoft.com/office/drawing/2010/main" xmlns="" w="9525">
+                <a14:hiddenLine xmlns="" xmlns:a14="http://schemas.microsoft.com/office/drawing/2010/main" w="9525">
                   <a:solidFill>
                     <a:srgbClr val="000000"/>
                   </a:solidFill>
@@ -10655,7 +10660,7 @@
             </a:ln>
             <a:extLst>
               <a:ext uri="{91240B29-F687-4f45-9708-019B960494DF}">
-                <a14:hiddenLine xmlns:a14="http://schemas.microsoft.com/office/drawing/2010/main" xmlns="" w="9525">
+                <a14:hiddenLine xmlns="" xmlns:a14="http://schemas.microsoft.com/office/drawing/2010/main" w="9525">
                   <a:solidFill>
                     <a:srgbClr val="000000"/>
                   </a:solidFill>
@@ -10745,7 +10750,7 @@
             </a:ln>
             <a:extLst>
               <a:ext uri="{91240B29-F687-4f45-9708-019B960494DF}">
-                <a14:hiddenLine xmlns:a14="http://schemas.microsoft.com/office/drawing/2010/main" xmlns="" w="9525">
+                <a14:hiddenLine xmlns="" xmlns:a14="http://schemas.microsoft.com/office/drawing/2010/main" w="9525">
                   <a:solidFill>
                     <a:srgbClr val="000000"/>
                   </a:solidFill>
@@ -10807,7 +10812,7 @@
             </a:ln>
             <a:extLst>
               <a:ext uri="{91240B29-F687-4f45-9708-019B960494DF}">
-                <a14:hiddenLine xmlns:a14="http://schemas.microsoft.com/office/drawing/2010/main" xmlns="" w="9525">
+                <a14:hiddenLine xmlns="" xmlns:a14="http://schemas.microsoft.com/office/drawing/2010/main" w="9525">
                   <a:solidFill>
                     <a:srgbClr val="000000"/>
                   </a:solidFill>
@@ -10917,7 +10922,7 @@
             </a:ln>
             <a:extLst>
               <a:ext uri="{91240B29-F687-4f45-9708-019B960494DF}">
-                <a14:hiddenLine xmlns:a14="http://schemas.microsoft.com/office/drawing/2010/main" xmlns="" w="9525">
+                <a14:hiddenLine xmlns="" xmlns:a14="http://schemas.microsoft.com/office/drawing/2010/main" w="9525">
                   <a:solidFill>
                     <a:srgbClr val="000000"/>
                   </a:solidFill>
@@ -10979,7 +10984,7 @@
             </a:ln>
             <a:extLst>
               <a:ext uri="{91240B29-F687-4f45-9708-019B960494DF}">
-                <a14:hiddenLine xmlns:a14="http://schemas.microsoft.com/office/drawing/2010/main" xmlns="" w="9525">
+                <a14:hiddenLine xmlns="" xmlns:a14="http://schemas.microsoft.com/office/drawing/2010/main" w="9525">
                   <a:solidFill>
                     <a:srgbClr val="000000"/>
                   </a:solidFill>
@@ -11069,7 +11074,7 @@
             </a:ln>
             <a:extLst>
               <a:ext uri="{91240B29-F687-4f45-9708-019B960494DF}">
-                <a14:hiddenLine xmlns:a14="http://schemas.microsoft.com/office/drawing/2010/main" xmlns="" w="9525">
+                <a14:hiddenLine xmlns="" xmlns:a14="http://schemas.microsoft.com/office/drawing/2010/main" w="9525">
                   <a:solidFill>
                     <a:srgbClr val="000000"/>
                   </a:solidFill>
@@ -11159,7 +11164,7 @@
             </a:ln>
             <a:extLst>
               <a:ext uri="{91240B29-F687-4f45-9708-019B960494DF}">
-                <a14:hiddenLine xmlns:a14="http://schemas.microsoft.com/office/drawing/2010/main" xmlns="" w="9525">
+                <a14:hiddenLine xmlns="" xmlns:a14="http://schemas.microsoft.com/office/drawing/2010/main" w="9525">
                   <a:solidFill>
                     <a:srgbClr val="000000"/>
                   </a:solidFill>
@@ -11221,7 +11226,7 @@
             </a:ln>
             <a:extLst>
               <a:ext uri="{91240B29-F687-4f45-9708-019B960494DF}">
-                <a14:hiddenLine xmlns:a14="http://schemas.microsoft.com/office/drawing/2010/main" xmlns="" w="9525">
+                <a14:hiddenLine xmlns="" xmlns:a14="http://schemas.microsoft.com/office/drawing/2010/main" w="9525">
                   <a:solidFill>
                     <a:srgbClr val="000000"/>
                   </a:solidFill>
@@ -11311,7 +11316,7 @@
             </a:ln>
             <a:extLst>
               <a:ext uri="{91240B29-F687-4f45-9708-019B960494DF}">
-                <a14:hiddenLine xmlns:a14="http://schemas.microsoft.com/office/drawing/2010/main" xmlns="" w="9525">
+                <a14:hiddenLine xmlns="" xmlns:a14="http://schemas.microsoft.com/office/drawing/2010/main" w="9525">
                   <a:solidFill>
                     <a:srgbClr val="000000"/>
                   </a:solidFill>
@@ -11401,7 +11406,7 @@
             </a:ln>
             <a:extLst>
               <a:ext uri="{91240B29-F687-4f45-9708-019B960494DF}">
-                <a14:hiddenLine xmlns:a14="http://schemas.microsoft.com/office/drawing/2010/main" xmlns="" w="9525">
+                <a14:hiddenLine xmlns="" xmlns:a14="http://schemas.microsoft.com/office/drawing/2010/main" w="9525">
                   <a:solidFill>
                     <a:srgbClr val="000000"/>
                   </a:solidFill>
@@ -11457,7 +11462,7 @@
             </a:ln>
             <a:extLst>
               <a:ext uri="{91240B29-F687-4f45-9708-019B960494DF}">
-                <a14:hiddenLine xmlns:a14="http://schemas.microsoft.com/office/drawing/2010/main" xmlns="" w="9525">
+                <a14:hiddenLine xmlns="" xmlns:a14="http://schemas.microsoft.com/office/drawing/2010/main" w="9525">
                   <a:solidFill>
                     <a:srgbClr val="000000"/>
                   </a:solidFill>
@@ -11547,7 +11552,7 @@
             </a:ln>
             <a:extLst>
               <a:ext uri="{91240B29-F687-4f45-9708-019B960494DF}">
-                <a14:hiddenLine xmlns:a14="http://schemas.microsoft.com/office/drawing/2010/main" xmlns="" w="9525">
+                <a14:hiddenLine xmlns="" xmlns:a14="http://schemas.microsoft.com/office/drawing/2010/main" w="9525">
                   <a:solidFill>
                     <a:srgbClr val="000000"/>
                   </a:solidFill>
@@ -11603,7 +11608,7 @@
             </a:ln>
             <a:extLst>
               <a:ext uri="{91240B29-F687-4f45-9708-019B960494DF}">
-                <a14:hiddenLine xmlns:a14="http://schemas.microsoft.com/office/drawing/2010/main" xmlns="" w="9525">
+                <a14:hiddenLine xmlns="" xmlns:a14="http://schemas.microsoft.com/office/drawing/2010/main" w="9525">
                   <a:solidFill>
                     <a:srgbClr val="000000"/>
                   </a:solidFill>
@@ -11693,7 +11698,7 @@
             </a:ln>
             <a:extLst>
               <a:ext uri="{91240B29-F687-4f45-9708-019B960494DF}">
-                <a14:hiddenLine xmlns:a14="http://schemas.microsoft.com/office/drawing/2010/main" xmlns="" w="9525">
+                <a14:hiddenLine xmlns="" xmlns:a14="http://schemas.microsoft.com/office/drawing/2010/main" w="9525">
                   <a:solidFill>
                     <a:srgbClr val="000000"/>
                   </a:solidFill>
@@ -11761,7 +11766,7 @@
             </a:ln>
             <a:extLst>
               <a:ext uri="{91240B29-F687-4f45-9708-019B960494DF}">
-                <a14:hiddenLine xmlns:a14="http://schemas.microsoft.com/office/drawing/2010/main" xmlns="" w="9525">
+                <a14:hiddenLine xmlns="" xmlns:a14="http://schemas.microsoft.com/office/drawing/2010/main" w="9525">
                   <a:solidFill>
                     <a:srgbClr val="000000"/>
                   </a:solidFill>
@@ -11851,7 +11856,7 @@
             </a:ln>
             <a:extLst>
               <a:ext uri="{91240B29-F687-4f45-9708-019B960494DF}">
-                <a14:hiddenLine xmlns:a14="http://schemas.microsoft.com/office/drawing/2010/main" xmlns="" w="9525">
+                <a14:hiddenLine xmlns="" xmlns:a14="http://schemas.microsoft.com/office/drawing/2010/main" w="9525">
                   <a:solidFill>
                     <a:srgbClr val="000000"/>
                   </a:solidFill>
@@ -11919,7 +11924,7 @@
             </a:ln>
             <a:extLst>
               <a:ext uri="{91240B29-F687-4f45-9708-019B960494DF}">
-                <a14:hiddenLine xmlns:a14="http://schemas.microsoft.com/office/drawing/2010/main" xmlns="" w="9525">
+                <a14:hiddenLine xmlns="" xmlns:a14="http://schemas.microsoft.com/office/drawing/2010/main" w="9525">
                   <a:solidFill>
                     <a:srgbClr val="000000"/>
                   </a:solidFill>
@@ -12009,7 +12014,7 @@
             </a:ln>
             <a:extLst>
               <a:ext uri="{91240B29-F687-4f45-9708-019B960494DF}">
-                <a14:hiddenLine xmlns:a14="http://schemas.microsoft.com/office/drawing/2010/main" xmlns="" w="9525">
+                <a14:hiddenLine xmlns="" xmlns:a14="http://schemas.microsoft.com/office/drawing/2010/main" w="9525">
                   <a:solidFill>
                     <a:srgbClr val="000000"/>
                   </a:solidFill>
@@ -12043,7 +12048,7 @@
             </a:ln>
             <a:extLst>
               <a:ext uri="{91240B29-F687-4f45-9708-019B960494DF}">
-                <a14:hiddenLine xmlns:a14="http://schemas.microsoft.com/office/drawing/2010/main" xmlns="" w="9525">
+                <a14:hiddenLine xmlns="" xmlns:a14="http://schemas.microsoft.com/office/drawing/2010/main" w="9525">
                   <a:solidFill>
                     <a:srgbClr val="000000"/>
                   </a:solidFill>
@@ -12133,7 +12138,7 @@
             </a:ln>
             <a:extLst>
               <a:ext uri="{91240B29-F687-4f45-9708-019B960494DF}">
-                <a14:hiddenLine xmlns:a14="http://schemas.microsoft.com/office/drawing/2010/main" xmlns="" w="9525">
+                <a14:hiddenLine xmlns="" xmlns:a14="http://schemas.microsoft.com/office/drawing/2010/main" w="9525">
                   <a:solidFill>
                     <a:srgbClr val="000000"/>
                   </a:solidFill>
@@ -12195,7 +12200,7 @@
             </a:ln>
             <a:extLst>
               <a:ext uri="{91240B29-F687-4f45-9708-019B960494DF}">
-                <a14:hiddenLine xmlns:a14="http://schemas.microsoft.com/office/drawing/2010/main" xmlns="" w="9525">
+                <a14:hiddenLine xmlns="" xmlns:a14="http://schemas.microsoft.com/office/drawing/2010/main" w="9525">
                   <a:solidFill>
                     <a:srgbClr val="000000"/>
                   </a:solidFill>
@@ -12257,7 +12262,7 @@
             </a:ln>
             <a:extLst>
               <a:ext uri="{91240B29-F687-4f45-9708-019B960494DF}">
-                <a14:hiddenLine xmlns:a14="http://schemas.microsoft.com/office/drawing/2010/main" xmlns="" w="9525">
+                <a14:hiddenLine xmlns="" xmlns:a14="http://schemas.microsoft.com/office/drawing/2010/main" w="9525">
                   <a:solidFill>
                     <a:srgbClr val="000000"/>
                   </a:solidFill>
@@ -12347,7 +12352,7 @@
             </a:ln>
             <a:extLst>
               <a:ext uri="{91240B29-F687-4f45-9708-019B960494DF}">
-                <a14:hiddenLine xmlns:a14="http://schemas.microsoft.com/office/drawing/2010/main" xmlns="" w="9525">
+                <a14:hiddenLine xmlns="" xmlns:a14="http://schemas.microsoft.com/office/drawing/2010/main" w="9525">
                   <a:solidFill>
                     <a:srgbClr val="000000"/>
                   </a:solidFill>
@@ -12415,7 +12420,7 @@
             </a:ln>
             <a:extLst>
               <a:ext uri="{91240B29-F687-4f45-9708-019B960494DF}">
-                <a14:hiddenLine xmlns:a14="http://schemas.microsoft.com/office/drawing/2010/main" xmlns="" w="9525">
+                <a14:hiddenLine xmlns="" xmlns:a14="http://schemas.microsoft.com/office/drawing/2010/main" w="9525">
                   <a:solidFill>
                     <a:srgbClr val="000000"/>
                   </a:solidFill>
@@ -12477,7 +12482,7 @@
             </a:ln>
             <a:extLst>
               <a:ext uri="{91240B29-F687-4f45-9708-019B960494DF}">
-                <a14:hiddenLine xmlns:a14="http://schemas.microsoft.com/office/drawing/2010/main" xmlns="" w="9525">
+                <a14:hiddenLine xmlns="" xmlns:a14="http://schemas.microsoft.com/office/drawing/2010/main" w="9525">
                   <a:solidFill>
                     <a:srgbClr val="000000"/>
                   </a:solidFill>
@@ -12567,7 +12572,7 @@
             </a:ln>
             <a:extLst>
               <a:ext uri="{91240B29-F687-4f45-9708-019B960494DF}">
-                <a14:hiddenLine xmlns:a14="http://schemas.microsoft.com/office/drawing/2010/main" xmlns="" w="9525">
+                <a14:hiddenLine xmlns="" xmlns:a14="http://schemas.microsoft.com/office/drawing/2010/main" w="9525">
                   <a:solidFill>
                     <a:srgbClr val="000000"/>
                   </a:solidFill>
@@ -12629,7 +12634,7 @@
             </a:ln>
             <a:extLst>
               <a:ext uri="{91240B29-F687-4f45-9708-019B960494DF}">
-                <a14:hiddenLine xmlns:a14="http://schemas.microsoft.com/office/drawing/2010/main" xmlns="" w="9525">
+                <a14:hiddenLine xmlns="" xmlns:a14="http://schemas.microsoft.com/office/drawing/2010/main" w="9525">
                   <a:solidFill>
                     <a:srgbClr val="000000"/>
                   </a:solidFill>
@@ -12719,7 +12724,7 @@
             </a:ln>
             <a:extLst>
               <a:ext uri="{91240B29-F687-4f45-9708-019B960494DF}">
-                <a14:hiddenLine xmlns:a14="http://schemas.microsoft.com/office/drawing/2010/main" xmlns="" w="9525">
+                <a14:hiddenLine xmlns="" xmlns:a14="http://schemas.microsoft.com/office/drawing/2010/main" w="9525">
                   <a:solidFill>
                     <a:srgbClr val="000000"/>
                   </a:solidFill>
@@ -12781,7 +12786,7 @@
             </a:ln>
             <a:extLst>
               <a:ext uri="{91240B29-F687-4f45-9708-019B960494DF}">
-                <a14:hiddenLine xmlns:a14="http://schemas.microsoft.com/office/drawing/2010/main" xmlns="" w="9525">
+                <a14:hiddenLine xmlns="" xmlns:a14="http://schemas.microsoft.com/office/drawing/2010/main" w="9525">
                   <a:solidFill>
                     <a:srgbClr val="000000"/>
                   </a:solidFill>
@@ -12871,7 +12876,7 @@
             </a:ln>
             <a:extLst>
               <a:ext uri="{91240B29-F687-4f45-9708-019B960494DF}">
-                <a14:hiddenLine xmlns:a14="http://schemas.microsoft.com/office/drawing/2010/main" xmlns="" w="9525">
+                <a14:hiddenLine xmlns="" xmlns:a14="http://schemas.microsoft.com/office/drawing/2010/main" w="9525">
                   <a:solidFill>
                     <a:srgbClr val="000000"/>
                   </a:solidFill>
@@ -12905,7 +12910,7 @@
             </a:ln>
             <a:extLst>
               <a:ext uri="{91240B29-F687-4f45-9708-019B960494DF}">
-                <a14:hiddenLine xmlns:a14="http://schemas.microsoft.com/office/drawing/2010/main" xmlns="" w="9525">
+                <a14:hiddenLine xmlns="" xmlns:a14="http://schemas.microsoft.com/office/drawing/2010/main" w="9525">
                   <a:solidFill>
                     <a:srgbClr val="000000"/>
                   </a:solidFill>
@@ -12970,7 +12975,7 @@
             </a:ln>
             <a:extLst>
               <a:ext uri="{91240B29-F687-4f45-9708-019B960494DF}">
-                <a14:hiddenLine xmlns:a14="http://schemas.microsoft.com/office/drawing/2010/main" xmlns="" w="9525">
+                <a14:hiddenLine xmlns="" xmlns:a14="http://schemas.microsoft.com/office/drawing/2010/main" w="9525">
                   <a:solidFill>
                     <a:srgbClr val="000000"/>
                   </a:solidFill>
@@ -13060,7 +13065,7 @@
             </a:ln>
             <a:extLst>
               <a:ext uri="{91240B29-F687-4f45-9708-019B960494DF}">
-                <a14:hiddenLine xmlns:a14="http://schemas.microsoft.com/office/drawing/2010/main" xmlns="" w="9525">
+                <a14:hiddenLine xmlns="" xmlns:a14="http://schemas.microsoft.com/office/drawing/2010/main" w="9525">
                   <a:solidFill>
                     <a:srgbClr val="000000"/>
                   </a:solidFill>
@@ -13122,7 +13127,7 @@
             </a:ln>
             <a:extLst>
               <a:ext uri="{91240B29-F687-4f45-9708-019B960494DF}">
-                <a14:hiddenLine xmlns:a14="http://schemas.microsoft.com/office/drawing/2010/main" xmlns="" w="9525">
+                <a14:hiddenLine xmlns="" xmlns:a14="http://schemas.microsoft.com/office/drawing/2010/main" w="9525">
                   <a:solidFill>
                     <a:srgbClr val="000000"/>
                   </a:solidFill>
@@ -13212,7 +13217,7 @@
             </a:ln>
             <a:extLst>
               <a:ext uri="{91240B29-F687-4f45-9708-019B960494DF}">
-                <a14:hiddenLine xmlns:a14="http://schemas.microsoft.com/office/drawing/2010/main" xmlns="" w="9525">
+                <a14:hiddenLine xmlns="" xmlns:a14="http://schemas.microsoft.com/office/drawing/2010/main" w="9525">
                   <a:solidFill>
                     <a:srgbClr val="000000"/>
                   </a:solidFill>
@@ -13302,7 +13307,7 @@
             </a:ln>
             <a:extLst>
               <a:ext uri="{91240B29-F687-4f45-9708-019B960494DF}">
-                <a14:hiddenLine xmlns:a14="http://schemas.microsoft.com/office/drawing/2010/main" xmlns="" w="9525">
+                <a14:hiddenLine xmlns="" xmlns:a14="http://schemas.microsoft.com/office/drawing/2010/main" w="9525">
                   <a:solidFill>
                     <a:srgbClr val="000000"/>
                   </a:solidFill>
@@ -13367,7 +13372,7 @@
             </a:ln>
             <a:extLst>
               <a:ext uri="{91240B29-F687-4f45-9708-019B960494DF}">
-                <a14:hiddenLine xmlns:a14="http://schemas.microsoft.com/office/drawing/2010/main" xmlns="" w="9525">
+                <a14:hiddenLine xmlns="" xmlns:a14="http://schemas.microsoft.com/office/drawing/2010/main" w="9525">
                   <a:solidFill>
                     <a:srgbClr val="000000"/>
                   </a:solidFill>
@@ -13429,7 +13434,7 @@
             </a:ln>
             <a:extLst>
               <a:ext uri="{91240B29-F687-4f45-9708-019B960494DF}">
-                <a14:hiddenLine xmlns:a14="http://schemas.microsoft.com/office/drawing/2010/main" xmlns="" w="9525">
+                <a14:hiddenLine xmlns="" xmlns:a14="http://schemas.microsoft.com/office/drawing/2010/main" w="9525">
                   <a:solidFill>
                     <a:srgbClr val="000000"/>
                   </a:solidFill>
@@ -13519,7 +13524,7 @@
             </a:ln>
             <a:extLst>
               <a:ext uri="{91240B29-F687-4f45-9708-019B960494DF}">
-                <a14:hiddenLine xmlns:a14="http://schemas.microsoft.com/office/drawing/2010/main" xmlns="" w="9525">
+                <a14:hiddenLine xmlns="" xmlns:a14="http://schemas.microsoft.com/office/drawing/2010/main" w="9525">
                   <a:solidFill>
                     <a:srgbClr val="000000"/>
                   </a:solidFill>
@@ -13609,7 +13614,7 @@
             </a:ln>
             <a:extLst>
               <a:ext uri="{91240B29-F687-4f45-9708-019B960494DF}">
-                <a14:hiddenLine xmlns:a14="http://schemas.microsoft.com/office/drawing/2010/main" xmlns="" w="9525">
+                <a14:hiddenLine xmlns="" xmlns:a14="http://schemas.microsoft.com/office/drawing/2010/main" w="9525">
                   <a:solidFill>
                     <a:srgbClr val="000000"/>
                   </a:solidFill>
@@ -13671,7 +13676,7 @@
             </a:ln>
             <a:extLst>
               <a:ext uri="{91240B29-F687-4f45-9708-019B960494DF}">
-                <a14:hiddenLine xmlns:a14="http://schemas.microsoft.com/office/drawing/2010/main" xmlns="" w="9525">
+                <a14:hiddenLine xmlns="" xmlns:a14="http://schemas.microsoft.com/office/drawing/2010/main" w="9525">
                   <a:solidFill>
                     <a:srgbClr val="000000"/>
                   </a:solidFill>
@@ -13791,7 +13796,7 @@
             </a:ln>
             <a:extLst>
               <a:ext uri="{91240B29-F687-4f45-9708-019B960494DF}">
-                <a14:hiddenLine xmlns:a14="http://schemas.microsoft.com/office/drawing/2010/main" xmlns="" w="9525">
+                <a14:hiddenLine xmlns="" xmlns:a14="http://schemas.microsoft.com/office/drawing/2010/main" w="9525">
                   <a:solidFill>
                     <a:srgbClr val="000000"/>
                   </a:solidFill>
@@ -13859,7 +13864,7 @@
             </a:ln>
             <a:extLst>
               <a:ext uri="{91240B29-F687-4f45-9708-019B960494DF}">
-                <a14:hiddenLine xmlns:a14="http://schemas.microsoft.com/office/drawing/2010/main" xmlns="" w="9525">
+                <a14:hiddenLine xmlns="" xmlns:a14="http://schemas.microsoft.com/office/drawing/2010/main" w="9525">
                   <a:solidFill>
                     <a:srgbClr val="000000"/>
                   </a:solidFill>
@@ -13949,7 +13954,7 @@
             </a:ln>
             <a:extLst>
               <a:ext uri="{91240B29-F687-4f45-9708-019B960494DF}">
-                <a14:hiddenLine xmlns:a14="http://schemas.microsoft.com/office/drawing/2010/main" xmlns="" w="9525">
+                <a14:hiddenLine xmlns="" xmlns:a14="http://schemas.microsoft.com/office/drawing/2010/main" w="9525">
                   <a:solidFill>
                     <a:srgbClr val="000000"/>
                   </a:solidFill>
@@ -18671,7 +18676,7 @@
           <a:noFill/>
           <a:extLst>
             <a:ext uri="{909E8E84-426E-40dd-AFC4-6F175D3DCCD1}">
-              <a14:hiddenFill xmlns:a14="http://schemas.microsoft.com/office/drawing/2010/main" xmlns="">
+              <a14:hiddenFill xmlns="" xmlns:a14="http://schemas.microsoft.com/office/drawing/2010/main">
                 <a:solidFill>
                   <a:srgbClr val="FFFFFF"/>
                 </a:solidFill>
@@ -18745,7 +18750,7 @@
               </a:ln>
               <a:extLst>
                 <a:ext uri="{91240B29-F687-4f45-9708-019B960494DF}">
-                  <a14:hiddenLine xmlns:a14="http://schemas.microsoft.com/office/drawing/2010/main" xmlns="" w="9525">
+                  <a14:hiddenLine xmlns="" xmlns:a14="http://schemas.microsoft.com/office/drawing/2010/main" w="9525">
                     <a:solidFill>
                       <a:srgbClr val="000000"/>
                     </a:solidFill>
@@ -18835,7 +18840,7 @@
               </a:ln>
               <a:extLst>
                 <a:ext uri="{91240B29-F687-4f45-9708-019B960494DF}">
-                  <a14:hiddenLine xmlns:a14="http://schemas.microsoft.com/office/drawing/2010/main" xmlns="" w="9525">
+                  <a14:hiddenLine xmlns="" xmlns:a14="http://schemas.microsoft.com/office/drawing/2010/main" w="9525">
                     <a:solidFill>
                       <a:srgbClr val="000000"/>
                     </a:solidFill>
@@ -18925,7 +18930,7 @@
               </a:ln>
               <a:extLst>
                 <a:ext uri="{91240B29-F687-4f45-9708-019B960494DF}">
-                  <a14:hiddenLine xmlns:a14="http://schemas.microsoft.com/office/drawing/2010/main" xmlns="" w="9525">
+                  <a14:hiddenLine xmlns="" xmlns:a14="http://schemas.microsoft.com/office/drawing/2010/main" w="9525">
                     <a:solidFill>
                       <a:srgbClr val="000000"/>
                     </a:solidFill>
@@ -18987,7 +18992,7 @@
               </a:ln>
               <a:extLst>
                 <a:ext uri="{91240B29-F687-4f45-9708-019B960494DF}">
-                  <a14:hiddenLine xmlns:a14="http://schemas.microsoft.com/office/drawing/2010/main" xmlns="" w="9525">
+                  <a14:hiddenLine xmlns="" xmlns:a14="http://schemas.microsoft.com/office/drawing/2010/main" w="9525">
                     <a:solidFill>
                       <a:srgbClr val="000000"/>
                     </a:solidFill>
@@ -19077,7 +19082,7 @@
               </a:ln>
               <a:extLst>
                 <a:ext uri="{91240B29-F687-4f45-9708-019B960494DF}">
-                  <a14:hiddenLine xmlns:a14="http://schemas.microsoft.com/office/drawing/2010/main" xmlns="" w="9525">
+                  <a14:hiddenLine xmlns="" xmlns:a14="http://schemas.microsoft.com/office/drawing/2010/main" w="9525">
                     <a:solidFill>
                       <a:srgbClr val="000000"/>
                     </a:solidFill>
@@ -19139,7 +19144,7 @@
               </a:ln>
               <a:extLst>
                 <a:ext uri="{91240B29-F687-4f45-9708-019B960494DF}">
-                  <a14:hiddenLine xmlns:a14="http://schemas.microsoft.com/office/drawing/2010/main" xmlns="" w="9525">
+                  <a14:hiddenLine xmlns="" xmlns:a14="http://schemas.microsoft.com/office/drawing/2010/main" w="9525">
                     <a:solidFill>
                       <a:srgbClr val="000000"/>
                     </a:solidFill>
@@ -19201,7 +19206,7 @@
               </a:ln>
               <a:extLst>
                 <a:ext uri="{91240B29-F687-4f45-9708-019B960494DF}">
-                  <a14:hiddenLine xmlns:a14="http://schemas.microsoft.com/office/drawing/2010/main" xmlns="" w="9525">
+                  <a14:hiddenLine xmlns="" xmlns:a14="http://schemas.microsoft.com/office/drawing/2010/main" w="9525">
                     <a:solidFill>
                       <a:srgbClr val="000000"/>
                     </a:solidFill>
@@ -19291,7 +19296,7 @@
               </a:ln>
               <a:extLst>
                 <a:ext uri="{91240B29-F687-4f45-9708-019B960494DF}">
-                  <a14:hiddenLine xmlns:a14="http://schemas.microsoft.com/office/drawing/2010/main" xmlns="" w="9525">
+                  <a14:hiddenLine xmlns="" xmlns:a14="http://schemas.microsoft.com/office/drawing/2010/main" w="9525">
                     <a:solidFill>
                       <a:srgbClr val="000000"/>
                     </a:solidFill>
@@ -19381,7 +19386,7 @@
               </a:ln>
               <a:extLst>
                 <a:ext uri="{91240B29-F687-4f45-9708-019B960494DF}">
-                  <a14:hiddenLine xmlns:a14="http://schemas.microsoft.com/office/drawing/2010/main" xmlns="" w="9525">
+                  <a14:hiddenLine xmlns="" xmlns:a14="http://schemas.microsoft.com/office/drawing/2010/main" w="9525">
                     <a:solidFill>
                       <a:srgbClr val="000000"/>
                     </a:solidFill>
@@ -19443,7 +19448,7 @@
               </a:ln>
               <a:extLst>
                 <a:ext uri="{91240B29-F687-4f45-9708-019B960494DF}">
-                  <a14:hiddenLine xmlns:a14="http://schemas.microsoft.com/office/drawing/2010/main" xmlns="" w="9525">
+                  <a14:hiddenLine xmlns="" xmlns:a14="http://schemas.microsoft.com/office/drawing/2010/main" w="9525">
                     <a:solidFill>
                       <a:srgbClr val="000000"/>
                     </a:solidFill>
@@ -19553,7 +19558,7 @@
               </a:ln>
               <a:extLst>
                 <a:ext uri="{91240B29-F687-4f45-9708-019B960494DF}">
-                  <a14:hiddenLine xmlns:a14="http://schemas.microsoft.com/office/drawing/2010/main" xmlns="" w="9525">
+                  <a14:hiddenLine xmlns="" xmlns:a14="http://schemas.microsoft.com/office/drawing/2010/main" w="9525">
                     <a:solidFill>
                       <a:srgbClr val="000000"/>
                     </a:solidFill>
@@ -19637,7 +19642,7 @@
               </a:ln>
               <a:extLst>
                 <a:ext uri="{91240B29-F687-4f45-9708-019B960494DF}">
-                  <a14:hiddenLine xmlns:a14="http://schemas.microsoft.com/office/drawing/2010/main" xmlns="" w="9525">
+                  <a14:hiddenLine xmlns="" xmlns:a14="http://schemas.microsoft.com/office/drawing/2010/main" w="9525">
                     <a:solidFill>
                       <a:srgbClr val="000000"/>
                     </a:solidFill>
@@ -19699,7 +19704,7 @@
               </a:ln>
               <a:extLst>
                 <a:ext uri="{91240B29-F687-4f45-9708-019B960494DF}">
-                  <a14:hiddenLine xmlns:a14="http://schemas.microsoft.com/office/drawing/2010/main" xmlns="" w="9525">
+                  <a14:hiddenLine xmlns="" xmlns:a14="http://schemas.microsoft.com/office/drawing/2010/main" w="9525">
                     <a:solidFill>
                       <a:srgbClr val="000000"/>
                     </a:solidFill>
@@ -19761,7 +19766,7 @@
               </a:ln>
               <a:extLst>
                 <a:ext uri="{91240B29-F687-4f45-9708-019B960494DF}">
-                  <a14:hiddenLine xmlns:a14="http://schemas.microsoft.com/office/drawing/2010/main" xmlns="" w="9525">
+                  <a14:hiddenLine xmlns="" xmlns:a14="http://schemas.microsoft.com/office/drawing/2010/main" w="9525">
                     <a:solidFill>
                       <a:srgbClr val="000000"/>
                     </a:solidFill>
@@ -19851,7 +19856,7 @@
               </a:ln>
               <a:extLst>
                 <a:ext uri="{91240B29-F687-4f45-9708-019B960494DF}">
-                  <a14:hiddenLine xmlns:a14="http://schemas.microsoft.com/office/drawing/2010/main" xmlns="" w="9525">
+                  <a14:hiddenLine xmlns="" xmlns:a14="http://schemas.microsoft.com/office/drawing/2010/main" w="9525">
                     <a:solidFill>
                       <a:srgbClr val="000000"/>
                     </a:solidFill>
@@ -19885,7 +19890,7 @@
               </a:ln>
               <a:extLst>
                 <a:ext uri="{91240B29-F687-4f45-9708-019B960494DF}">
-                  <a14:hiddenLine xmlns:a14="http://schemas.microsoft.com/office/drawing/2010/main" xmlns="" w="9525">
+                  <a14:hiddenLine xmlns="" xmlns:a14="http://schemas.microsoft.com/office/drawing/2010/main" w="9525">
                     <a:solidFill>
                       <a:srgbClr val="000000"/>
                     </a:solidFill>
@@ -19950,7 +19955,7 @@
               </a:ln>
               <a:extLst>
                 <a:ext uri="{91240B29-F687-4f45-9708-019B960494DF}">
-                  <a14:hiddenLine xmlns:a14="http://schemas.microsoft.com/office/drawing/2010/main" xmlns="" w="9525">
+                  <a14:hiddenLine xmlns="" xmlns:a14="http://schemas.microsoft.com/office/drawing/2010/main" w="9525">
                     <a:solidFill>
                       <a:srgbClr val="000000"/>
                     </a:solidFill>
@@ -20040,7 +20045,7 @@
               </a:ln>
               <a:extLst>
                 <a:ext uri="{91240B29-F687-4f45-9708-019B960494DF}">
-                  <a14:hiddenLine xmlns:a14="http://schemas.microsoft.com/office/drawing/2010/main" xmlns="" w="9525">
+                  <a14:hiddenLine xmlns="" xmlns:a14="http://schemas.microsoft.com/office/drawing/2010/main" w="9525">
                     <a:solidFill>
                       <a:srgbClr val="000000"/>
                     </a:solidFill>
@@ -20102,7 +20107,7 @@
               </a:ln>
               <a:extLst>
                 <a:ext uri="{91240B29-F687-4f45-9708-019B960494DF}">
-                  <a14:hiddenLine xmlns:a14="http://schemas.microsoft.com/office/drawing/2010/main" xmlns="" w="9525">
+                  <a14:hiddenLine xmlns="" xmlns:a14="http://schemas.microsoft.com/office/drawing/2010/main" w="9525">
                     <a:solidFill>
                       <a:srgbClr val="000000"/>
                     </a:solidFill>
@@ -20192,7 +20197,7 @@
               </a:ln>
               <a:extLst>
                 <a:ext uri="{91240B29-F687-4f45-9708-019B960494DF}">
-                  <a14:hiddenLine xmlns:a14="http://schemas.microsoft.com/office/drawing/2010/main" xmlns="" w="9525">
+                  <a14:hiddenLine xmlns="" xmlns:a14="http://schemas.microsoft.com/office/drawing/2010/main" w="9525">
                     <a:solidFill>
                       <a:srgbClr val="000000"/>
                     </a:solidFill>
@@ -20257,7 +20262,7 @@
               </a:ln>
               <a:extLst>
                 <a:ext uri="{91240B29-F687-4f45-9708-019B960494DF}">
-                  <a14:hiddenLine xmlns:a14="http://schemas.microsoft.com/office/drawing/2010/main" xmlns="" w="9525">
+                  <a14:hiddenLine xmlns="" xmlns:a14="http://schemas.microsoft.com/office/drawing/2010/main" w="9525">
                     <a:solidFill>
                       <a:srgbClr val="000000"/>
                     </a:solidFill>
@@ -20319,7 +20324,7 @@
               </a:ln>
               <a:extLst>
                 <a:ext uri="{91240B29-F687-4f45-9708-019B960494DF}">
-                  <a14:hiddenLine xmlns:a14="http://schemas.microsoft.com/office/drawing/2010/main" xmlns="" w="9525">
+                  <a14:hiddenLine xmlns="" xmlns:a14="http://schemas.microsoft.com/office/drawing/2010/main" w="9525">
                     <a:solidFill>
                       <a:srgbClr val="000000"/>
                     </a:solidFill>
@@ -20409,7 +20414,7 @@
               </a:ln>
               <a:extLst>
                 <a:ext uri="{91240B29-F687-4f45-9708-019B960494DF}">
-                  <a14:hiddenLine xmlns:a14="http://schemas.microsoft.com/office/drawing/2010/main" xmlns="" w="9525">
+                  <a14:hiddenLine xmlns="" xmlns:a14="http://schemas.microsoft.com/office/drawing/2010/main" w="9525">
                     <a:solidFill>
                       <a:srgbClr val="000000"/>
                     </a:solidFill>
@@ -20499,7 +20504,7 @@
               </a:ln>
               <a:extLst>
                 <a:ext uri="{91240B29-F687-4f45-9708-019B960494DF}">
-                  <a14:hiddenLine xmlns:a14="http://schemas.microsoft.com/office/drawing/2010/main" xmlns="" w="9525">
+                  <a14:hiddenLine xmlns="" xmlns:a14="http://schemas.microsoft.com/office/drawing/2010/main" w="9525">
                     <a:solidFill>
                       <a:srgbClr val="000000"/>
                     </a:solidFill>
@@ -20564,7 +20569,7 @@
               </a:ln>
               <a:extLst>
                 <a:ext uri="{91240B29-F687-4f45-9708-019B960494DF}">
-                  <a14:hiddenLine xmlns:a14="http://schemas.microsoft.com/office/drawing/2010/main" xmlns="" w="9525">
+                  <a14:hiddenLine xmlns="" xmlns:a14="http://schemas.microsoft.com/office/drawing/2010/main" w="9525">
                     <a:solidFill>
                       <a:srgbClr val="000000"/>
                     </a:solidFill>
@@ -20684,7 +20689,7 @@
               </a:ln>
               <a:extLst>
                 <a:ext uri="{91240B29-F687-4f45-9708-019B960494DF}">
-                  <a14:hiddenLine xmlns:a14="http://schemas.microsoft.com/office/drawing/2010/main" xmlns="" w="9525">
+                  <a14:hiddenLine xmlns="" xmlns:a14="http://schemas.microsoft.com/office/drawing/2010/main" w="9525">
                     <a:solidFill>
                       <a:srgbClr val="000000"/>
                     </a:solidFill>
@@ -20782,7 +20787,7 @@
               </a:ln>
               <a:extLst>
                 <a:ext uri="{91240B29-F687-4f45-9708-019B960494DF}">
-                  <a14:hiddenLine xmlns:a14="http://schemas.microsoft.com/office/drawing/2010/main" xmlns="" w="9525">
+                  <a14:hiddenLine xmlns="" xmlns:a14="http://schemas.microsoft.com/office/drawing/2010/main" w="9525">
                     <a:solidFill>
                       <a:srgbClr val="000000"/>
                     </a:solidFill>
@@ -20897,7 +20902,7 @@
               </a:ln>
               <a:extLst>
                 <a:ext uri="{91240B29-F687-4f45-9708-019B960494DF}">
-                  <a14:hiddenLine xmlns:a14="http://schemas.microsoft.com/office/drawing/2010/main" xmlns="" w="9525">
+                  <a14:hiddenLine xmlns="" xmlns:a14="http://schemas.microsoft.com/office/drawing/2010/main" w="9525">
                     <a:solidFill>
                       <a:srgbClr val="000000"/>
                     </a:solidFill>
@@ -20987,7 +20992,7 @@
               </a:ln>
               <a:extLst>
                 <a:ext uri="{91240B29-F687-4f45-9708-019B960494DF}">
-                  <a14:hiddenLine xmlns:a14="http://schemas.microsoft.com/office/drawing/2010/main" xmlns="" w="9525">
+                  <a14:hiddenLine xmlns="" xmlns:a14="http://schemas.microsoft.com/office/drawing/2010/main" w="9525">
                     <a:solidFill>
                       <a:srgbClr val="000000"/>
                     </a:solidFill>
@@ -21052,7 +21057,7 @@
               </a:ln>
               <a:extLst>
                 <a:ext uri="{91240B29-F687-4f45-9708-019B960494DF}">
-                  <a14:hiddenLine xmlns:a14="http://schemas.microsoft.com/office/drawing/2010/main" xmlns="" w="9525">
+                  <a14:hiddenLine xmlns="" xmlns:a14="http://schemas.microsoft.com/office/drawing/2010/main" w="9525">
                     <a:solidFill>
                       <a:srgbClr val="000000"/>
                     </a:solidFill>
@@ -21142,7 +21147,7 @@
               </a:ln>
               <a:extLst>
                 <a:ext uri="{91240B29-F687-4f45-9708-019B960494DF}">
-                  <a14:hiddenLine xmlns:a14="http://schemas.microsoft.com/office/drawing/2010/main" xmlns="" w="9525">
+                  <a14:hiddenLine xmlns="" xmlns:a14="http://schemas.microsoft.com/office/drawing/2010/main" w="9525">
                     <a:solidFill>
                       <a:srgbClr val="000000"/>
                     </a:solidFill>
@@ -21210,7 +21215,7 @@
               </a:ln>
               <a:extLst>
                 <a:ext uri="{91240B29-F687-4f45-9708-019B960494DF}">
-                  <a14:hiddenLine xmlns:a14="http://schemas.microsoft.com/office/drawing/2010/main" xmlns="" w="9525">
+                  <a14:hiddenLine xmlns="" xmlns:a14="http://schemas.microsoft.com/office/drawing/2010/main" w="9525">
                     <a:solidFill>
                       <a:srgbClr val="000000"/>
                     </a:solidFill>
@@ -21300,7 +21305,7 @@
               </a:ln>
               <a:extLst>
                 <a:ext uri="{91240B29-F687-4f45-9708-019B960494DF}">
-                  <a14:hiddenLine xmlns:a14="http://schemas.microsoft.com/office/drawing/2010/main" xmlns="" w="9525">
+                  <a14:hiddenLine xmlns="" xmlns:a14="http://schemas.microsoft.com/office/drawing/2010/main" w="9525">
                     <a:solidFill>
                       <a:srgbClr val="000000"/>
                     </a:solidFill>
@@ -21368,7 +21373,7 @@
               </a:ln>
               <a:extLst>
                 <a:ext uri="{91240B29-F687-4f45-9708-019B960494DF}">
-                  <a14:hiddenLine xmlns:a14="http://schemas.microsoft.com/office/drawing/2010/main" xmlns="" w="9525">
+                  <a14:hiddenLine xmlns="" xmlns:a14="http://schemas.microsoft.com/office/drawing/2010/main" w="9525">
                     <a:solidFill>
                       <a:srgbClr val="000000"/>
                     </a:solidFill>
@@ -21458,7 +21463,7 @@
               </a:ln>
               <a:extLst>
                 <a:ext uri="{91240B29-F687-4f45-9708-019B960494DF}">
-                  <a14:hiddenLine xmlns:a14="http://schemas.microsoft.com/office/drawing/2010/main" xmlns="" w="9525">
+                  <a14:hiddenLine xmlns="" xmlns:a14="http://schemas.microsoft.com/office/drawing/2010/main" w="9525">
                     <a:solidFill>
                       <a:srgbClr val="000000"/>
                     </a:solidFill>
@@ -21492,7 +21497,7 @@
               </a:ln>
               <a:extLst>
                 <a:ext uri="{91240B29-F687-4f45-9708-019B960494DF}">
-                  <a14:hiddenLine xmlns:a14="http://schemas.microsoft.com/office/drawing/2010/main" xmlns="" w="9525">
+                  <a14:hiddenLine xmlns="" xmlns:a14="http://schemas.microsoft.com/office/drawing/2010/main" w="9525">
                     <a:solidFill>
                       <a:srgbClr val="000000"/>
                     </a:solidFill>
@@ -23994,7 +23999,7 @@
           <a:noFill/>
           <a:extLst>
             <a:ext uri="{909E8E84-426E-40dd-AFC4-6F175D3DCCD1}">
-              <a14:hiddenFill xmlns="" xmlns:a16="http://schemas.microsoft.com/office/drawing/2014/main" xmlns:p14="http://schemas.microsoft.com/office/powerpoint/2010/main" xmlns:a14="http://schemas.microsoft.com/office/drawing/2010/main">
+              <a14:hiddenFill xmlns:a14="http://schemas.microsoft.com/office/drawing/2010/main" xmlns:p14="http://schemas.microsoft.com/office/powerpoint/2010/main" xmlns:a16="http://schemas.microsoft.com/office/drawing/2014/main" xmlns="">
                 <a:solidFill>
                   <a:srgbClr val="FFFFFF"/>
                 </a:solidFill>
@@ -24086,7 +24091,7 @@
             </a:ln>
             <a:extLst>
               <a:ext uri="{91240B29-F687-4f45-9708-019B960494DF}">
-                <a14:hiddenLine xmlns="" xmlns:a16="http://schemas.microsoft.com/office/drawing/2014/main" xmlns:p14="http://schemas.microsoft.com/office/powerpoint/2010/main" xmlns:a14="http://schemas.microsoft.com/office/drawing/2010/main" w="9525">
+                <a14:hiddenLine xmlns:a14="http://schemas.microsoft.com/office/drawing/2010/main" xmlns:p14="http://schemas.microsoft.com/office/powerpoint/2010/main" xmlns:a16="http://schemas.microsoft.com/office/drawing/2014/main" xmlns="" w="9525">
                   <a:solidFill>
                     <a:srgbClr val="000000"/>
                   </a:solidFill>
@@ -24191,7 +24196,7 @@
             </a:ln>
             <a:extLst>
               <a:ext uri="{91240B29-F687-4f45-9708-019B960494DF}">
-                <a14:hiddenLine xmlns="" xmlns:a16="http://schemas.microsoft.com/office/drawing/2014/main" xmlns:p14="http://schemas.microsoft.com/office/powerpoint/2010/main" xmlns:a14="http://schemas.microsoft.com/office/drawing/2010/main" w="9525">
+                <a14:hiddenLine xmlns:a14="http://schemas.microsoft.com/office/drawing/2010/main" xmlns:p14="http://schemas.microsoft.com/office/powerpoint/2010/main" xmlns:a16="http://schemas.microsoft.com/office/drawing/2014/main" xmlns="" w="9525">
                   <a:solidFill>
                     <a:srgbClr val="000000"/>
                   </a:solidFill>
@@ -24296,7 +24301,7 @@
             </a:ln>
             <a:extLst>
               <a:ext uri="{91240B29-F687-4f45-9708-019B960494DF}">
-                <a14:hiddenLine xmlns="" xmlns:a16="http://schemas.microsoft.com/office/drawing/2014/main" xmlns:p14="http://schemas.microsoft.com/office/powerpoint/2010/main" xmlns:a14="http://schemas.microsoft.com/office/drawing/2010/main" w="9525">
+                <a14:hiddenLine xmlns:a14="http://schemas.microsoft.com/office/drawing/2010/main" xmlns:p14="http://schemas.microsoft.com/office/powerpoint/2010/main" xmlns:a16="http://schemas.microsoft.com/office/drawing/2014/main" xmlns="" w="9525">
                   <a:solidFill>
                     <a:srgbClr val="000000"/>
                   </a:solidFill>
@@ -24345,7 +24350,7 @@
             </a:ln>
             <a:extLst>
               <a:ext uri="{91240B29-F687-4f45-9708-019B960494DF}">
-                <a14:hiddenLine xmlns="" xmlns:a16="http://schemas.microsoft.com/office/drawing/2014/main" xmlns:p14="http://schemas.microsoft.com/office/powerpoint/2010/main" xmlns:a14="http://schemas.microsoft.com/office/drawing/2010/main" w="9525">
+                <a14:hiddenLine xmlns:a14="http://schemas.microsoft.com/office/drawing/2010/main" xmlns:p14="http://schemas.microsoft.com/office/powerpoint/2010/main" xmlns:a16="http://schemas.microsoft.com/office/drawing/2014/main" xmlns="" w="9525">
                   <a:solidFill>
                     <a:srgbClr val="000000"/>
                   </a:solidFill>
@@ -24450,7 +24455,7 @@
             </a:ln>
             <a:extLst>
               <a:ext uri="{91240B29-F687-4f45-9708-019B960494DF}">
-                <a14:hiddenLine xmlns="" xmlns:a16="http://schemas.microsoft.com/office/drawing/2014/main" xmlns:p14="http://schemas.microsoft.com/office/powerpoint/2010/main" xmlns:a14="http://schemas.microsoft.com/office/drawing/2010/main" w="9525">
+                <a14:hiddenLine xmlns:a14="http://schemas.microsoft.com/office/drawing/2010/main" xmlns:p14="http://schemas.microsoft.com/office/powerpoint/2010/main" xmlns:a16="http://schemas.microsoft.com/office/drawing/2014/main" xmlns="" w="9525">
                   <a:solidFill>
                     <a:srgbClr val="000000"/>
                   </a:solidFill>
@@ -24527,7 +24532,7 @@
             </a:ln>
             <a:extLst>
               <a:ext uri="{91240B29-F687-4f45-9708-019B960494DF}">
-                <a14:hiddenLine xmlns="" xmlns:a16="http://schemas.microsoft.com/office/drawing/2014/main" xmlns:p14="http://schemas.microsoft.com/office/powerpoint/2010/main" xmlns:a14="http://schemas.microsoft.com/office/drawing/2010/main" w="9525">
+                <a14:hiddenLine xmlns:a14="http://schemas.microsoft.com/office/drawing/2010/main" xmlns:p14="http://schemas.microsoft.com/office/powerpoint/2010/main" xmlns:a16="http://schemas.microsoft.com/office/drawing/2014/main" xmlns="" w="9525">
                   <a:solidFill>
                     <a:srgbClr val="000000"/>
                   </a:solidFill>
@@ -24604,7 +24609,7 @@
             </a:ln>
             <a:extLst>
               <a:ext uri="{91240B29-F687-4f45-9708-019B960494DF}">
-                <a14:hiddenLine xmlns="" xmlns:a16="http://schemas.microsoft.com/office/drawing/2014/main" xmlns:p14="http://schemas.microsoft.com/office/powerpoint/2010/main" xmlns:a14="http://schemas.microsoft.com/office/drawing/2010/main" w="9525">
+                <a14:hiddenLine xmlns:a14="http://schemas.microsoft.com/office/drawing/2010/main" xmlns:p14="http://schemas.microsoft.com/office/powerpoint/2010/main" xmlns:a16="http://schemas.microsoft.com/office/drawing/2014/main" xmlns="" w="9525">
                   <a:solidFill>
                     <a:srgbClr val="000000"/>
                   </a:solidFill>
@@ -24709,7 +24714,7 @@
             </a:ln>
             <a:extLst>
               <a:ext uri="{91240B29-F687-4f45-9708-019B960494DF}">
-                <a14:hiddenLine xmlns="" xmlns:a16="http://schemas.microsoft.com/office/drawing/2014/main" xmlns:p14="http://schemas.microsoft.com/office/powerpoint/2010/main" xmlns:a14="http://schemas.microsoft.com/office/drawing/2010/main" w="9525">
+                <a14:hiddenLine xmlns:a14="http://schemas.microsoft.com/office/drawing/2010/main" xmlns:p14="http://schemas.microsoft.com/office/powerpoint/2010/main" xmlns:a16="http://schemas.microsoft.com/office/drawing/2014/main" xmlns="" w="9525">
                   <a:solidFill>
                     <a:srgbClr val="000000"/>
                   </a:solidFill>
@@ -24786,7 +24791,7 @@
             </a:ln>
             <a:extLst>
               <a:ext uri="{91240B29-F687-4f45-9708-019B960494DF}">
-                <a14:hiddenLine xmlns="" xmlns:a16="http://schemas.microsoft.com/office/drawing/2014/main" xmlns:p14="http://schemas.microsoft.com/office/powerpoint/2010/main" xmlns:a14="http://schemas.microsoft.com/office/drawing/2010/main" w="9525">
+                <a14:hiddenLine xmlns:a14="http://schemas.microsoft.com/office/drawing/2010/main" xmlns:p14="http://schemas.microsoft.com/office/powerpoint/2010/main" xmlns:a16="http://schemas.microsoft.com/office/drawing/2014/main" xmlns="" w="9525">
                   <a:solidFill>
                     <a:srgbClr val="000000"/>
                   </a:solidFill>
@@ -24863,7 +24868,7 @@
             </a:ln>
             <a:extLst>
               <a:ext uri="{91240B29-F687-4f45-9708-019B960494DF}">
-                <a14:hiddenLine xmlns="" xmlns:a16="http://schemas.microsoft.com/office/drawing/2014/main" xmlns:p14="http://schemas.microsoft.com/office/powerpoint/2010/main" xmlns:a14="http://schemas.microsoft.com/office/drawing/2010/main" w="9525">
+                <a14:hiddenLine xmlns:a14="http://schemas.microsoft.com/office/drawing/2010/main" xmlns:p14="http://schemas.microsoft.com/office/powerpoint/2010/main" xmlns:a16="http://schemas.microsoft.com/office/drawing/2014/main" xmlns="" w="9525">
                   <a:solidFill>
                     <a:srgbClr val="000000"/>
                   </a:solidFill>
@@ -24968,7 +24973,7 @@
             </a:ln>
             <a:extLst>
               <a:ext uri="{91240B29-F687-4f45-9708-019B960494DF}">
-                <a14:hiddenLine xmlns="" xmlns:a16="http://schemas.microsoft.com/office/drawing/2014/main" xmlns:p14="http://schemas.microsoft.com/office/powerpoint/2010/main" xmlns:a14="http://schemas.microsoft.com/office/drawing/2010/main" w="9525">
+                <a14:hiddenLine xmlns:a14="http://schemas.microsoft.com/office/drawing/2010/main" xmlns:p14="http://schemas.microsoft.com/office/powerpoint/2010/main" xmlns:a16="http://schemas.microsoft.com/office/drawing/2014/main" xmlns="" w="9525">
                   <a:solidFill>
                     <a:srgbClr val="000000"/>
                   </a:solidFill>
@@ -25073,7 +25078,7 @@
             </a:ln>
             <a:extLst>
               <a:ext uri="{91240B29-F687-4f45-9708-019B960494DF}">
-                <a14:hiddenLine xmlns="" xmlns:a16="http://schemas.microsoft.com/office/drawing/2014/main" xmlns:p14="http://schemas.microsoft.com/office/powerpoint/2010/main" xmlns:a14="http://schemas.microsoft.com/office/drawing/2010/main" w="9525">
+                <a14:hiddenLine xmlns:a14="http://schemas.microsoft.com/office/drawing/2010/main" xmlns:p14="http://schemas.microsoft.com/office/powerpoint/2010/main" xmlns:a16="http://schemas.microsoft.com/office/drawing/2014/main" xmlns="" w="9525">
                   <a:solidFill>
                     <a:srgbClr val="000000"/>
                   </a:solidFill>
@@ -25150,7 +25155,7 @@
             </a:ln>
             <a:extLst>
               <a:ext uri="{91240B29-F687-4f45-9708-019B960494DF}">
-                <a14:hiddenLine xmlns="" xmlns:a16="http://schemas.microsoft.com/office/drawing/2014/main" xmlns:p14="http://schemas.microsoft.com/office/powerpoint/2010/main" xmlns:a14="http://schemas.microsoft.com/office/drawing/2010/main" w="9525">
+                <a14:hiddenLine xmlns:a14="http://schemas.microsoft.com/office/drawing/2010/main" xmlns:p14="http://schemas.microsoft.com/office/powerpoint/2010/main" xmlns:a16="http://schemas.microsoft.com/office/drawing/2014/main" xmlns="" w="9525">
                   <a:solidFill>
                     <a:srgbClr val="000000"/>
                   </a:solidFill>
@@ -25275,7 +25280,7 @@
             </a:ln>
             <a:extLst>
               <a:ext uri="{91240B29-F687-4f45-9708-019B960494DF}">
-                <a14:hiddenLine xmlns="" xmlns:a16="http://schemas.microsoft.com/office/drawing/2014/main" xmlns:p14="http://schemas.microsoft.com/office/powerpoint/2010/main" xmlns:a14="http://schemas.microsoft.com/office/drawing/2010/main" w="9525">
+                <a14:hiddenLine xmlns:a14="http://schemas.microsoft.com/office/drawing/2010/main" xmlns:p14="http://schemas.microsoft.com/office/powerpoint/2010/main" xmlns:a16="http://schemas.microsoft.com/office/drawing/2014/main" xmlns="" w="9525">
                   <a:solidFill>
                     <a:srgbClr val="000000"/>
                   </a:solidFill>
@@ -25352,7 +25357,7 @@
             </a:ln>
             <a:extLst>
               <a:ext uri="{91240B29-F687-4f45-9708-019B960494DF}">
-                <a14:hiddenLine xmlns="" xmlns:a16="http://schemas.microsoft.com/office/drawing/2014/main" xmlns:p14="http://schemas.microsoft.com/office/powerpoint/2010/main" xmlns:a14="http://schemas.microsoft.com/office/drawing/2010/main" w="9525">
+                <a14:hiddenLine xmlns:a14="http://schemas.microsoft.com/office/drawing/2010/main" xmlns:p14="http://schemas.microsoft.com/office/powerpoint/2010/main" xmlns:a16="http://schemas.microsoft.com/office/drawing/2014/main" xmlns="" w="9525">
                   <a:solidFill>
                     <a:srgbClr val="000000"/>
                   </a:solidFill>
@@ -25457,7 +25462,7 @@
             </a:ln>
             <a:extLst>
               <a:ext uri="{91240B29-F687-4f45-9708-019B960494DF}">
-                <a14:hiddenLine xmlns="" xmlns:a16="http://schemas.microsoft.com/office/drawing/2014/main" xmlns:p14="http://schemas.microsoft.com/office/powerpoint/2010/main" xmlns:a14="http://schemas.microsoft.com/office/drawing/2010/main" w="9525">
+                <a14:hiddenLine xmlns:a14="http://schemas.microsoft.com/office/drawing/2010/main" xmlns:p14="http://schemas.microsoft.com/office/powerpoint/2010/main" xmlns:a16="http://schemas.microsoft.com/office/drawing/2014/main" xmlns="" w="9525">
                   <a:solidFill>
                     <a:srgbClr val="000000"/>
                   </a:solidFill>
@@ -25562,7 +25567,7 @@
             </a:ln>
             <a:extLst>
               <a:ext uri="{91240B29-F687-4f45-9708-019B960494DF}">
-                <a14:hiddenLine xmlns="" xmlns:a16="http://schemas.microsoft.com/office/drawing/2014/main" xmlns:p14="http://schemas.microsoft.com/office/powerpoint/2010/main" xmlns:a14="http://schemas.microsoft.com/office/drawing/2010/main" w="9525">
+                <a14:hiddenLine xmlns:a14="http://schemas.microsoft.com/office/drawing/2010/main" xmlns:p14="http://schemas.microsoft.com/office/powerpoint/2010/main" xmlns:a16="http://schemas.microsoft.com/office/drawing/2014/main" xmlns="" w="9525">
                   <a:solidFill>
                     <a:srgbClr val="000000"/>
                   </a:solidFill>
@@ -25639,7 +25644,7 @@
             </a:ln>
             <a:extLst>
               <a:ext uri="{91240B29-F687-4f45-9708-019B960494DF}">
-                <a14:hiddenLine xmlns="" xmlns:a16="http://schemas.microsoft.com/office/drawing/2014/main" xmlns:p14="http://schemas.microsoft.com/office/powerpoint/2010/main" xmlns:a14="http://schemas.microsoft.com/office/drawing/2010/main" w="9525">
+                <a14:hiddenLine xmlns:a14="http://schemas.microsoft.com/office/drawing/2010/main" xmlns:p14="http://schemas.microsoft.com/office/powerpoint/2010/main" xmlns:a16="http://schemas.microsoft.com/office/drawing/2014/main" xmlns="" w="9525">
                   <a:solidFill>
                     <a:srgbClr val="000000"/>
                   </a:solidFill>
@@ -25744,7 +25749,7 @@
             </a:ln>
             <a:extLst>
               <a:ext uri="{91240B29-F687-4f45-9708-019B960494DF}">
-                <a14:hiddenLine xmlns="" xmlns:a16="http://schemas.microsoft.com/office/drawing/2014/main" xmlns:p14="http://schemas.microsoft.com/office/powerpoint/2010/main" xmlns:a14="http://schemas.microsoft.com/office/drawing/2010/main" w="9525">
+                <a14:hiddenLine xmlns:a14="http://schemas.microsoft.com/office/drawing/2010/main" xmlns:p14="http://schemas.microsoft.com/office/powerpoint/2010/main" xmlns:a16="http://schemas.microsoft.com/office/drawing/2014/main" xmlns="" w="9525">
                   <a:solidFill>
                     <a:srgbClr val="000000"/>
                   </a:solidFill>
@@ -25849,7 +25854,7 @@
             </a:ln>
             <a:extLst>
               <a:ext uri="{91240B29-F687-4f45-9708-019B960494DF}">
-                <a14:hiddenLine xmlns="" xmlns:a16="http://schemas.microsoft.com/office/drawing/2014/main" xmlns:p14="http://schemas.microsoft.com/office/powerpoint/2010/main" xmlns:a14="http://schemas.microsoft.com/office/drawing/2010/main" w="9525">
+                <a14:hiddenLine xmlns:a14="http://schemas.microsoft.com/office/drawing/2010/main" xmlns:p14="http://schemas.microsoft.com/office/powerpoint/2010/main" xmlns:a16="http://schemas.microsoft.com/office/drawing/2014/main" xmlns="" w="9525">
                   <a:solidFill>
                     <a:srgbClr val="000000"/>
                   </a:solidFill>
@@ -25920,7 +25925,7 @@
             </a:ln>
             <a:extLst>
               <a:ext uri="{91240B29-F687-4f45-9708-019B960494DF}">
-                <a14:hiddenLine xmlns="" xmlns:a16="http://schemas.microsoft.com/office/drawing/2014/main" xmlns:p14="http://schemas.microsoft.com/office/powerpoint/2010/main" xmlns:a14="http://schemas.microsoft.com/office/drawing/2010/main" w="9525">
+                <a14:hiddenLine xmlns:a14="http://schemas.microsoft.com/office/drawing/2010/main" xmlns:p14="http://schemas.microsoft.com/office/powerpoint/2010/main" xmlns:a16="http://schemas.microsoft.com/office/drawing/2014/main" xmlns="" w="9525">
                   <a:solidFill>
                     <a:srgbClr val="000000"/>
                   </a:solidFill>
@@ -26025,7 +26030,7 @@
             </a:ln>
             <a:extLst>
               <a:ext uri="{91240B29-F687-4f45-9708-019B960494DF}">
-                <a14:hiddenLine xmlns="" xmlns:a16="http://schemas.microsoft.com/office/drawing/2014/main" xmlns:p14="http://schemas.microsoft.com/office/powerpoint/2010/main" xmlns:a14="http://schemas.microsoft.com/office/drawing/2010/main" w="9525">
+                <a14:hiddenLine xmlns:a14="http://schemas.microsoft.com/office/drawing/2010/main" xmlns:p14="http://schemas.microsoft.com/office/powerpoint/2010/main" xmlns:a16="http://schemas.microsoft.com/office/drawing/2014/main" xmlns="" w="9525">
                   <a:solidFill>
                     <a:srgbClr val="000000"/>
                   </a:solidFill>
@@ -26096,7 +26101,7 @@
             </a:ln>
             <a:extLst>
               <a:ext uri="{91240B29-F687-4f45-9708-019B960494DF}">
-                <a14:hiddenLine xmlns="" xmlns:a16="http://schemas.microsoft.com/office/drawing/2014/main" xmlns:p14="http://schemas.microsoft.com/office/powerpoint/2010/main" xmlns:a14="http://schemas.microsoft.com/office/drawing/2010/main" w="9525">
+                <a14:hiddenLine xmlns:a14="http://schemas.microsoft.com/office/drawing/2010/main" xmlns:p14="http://schemas.microsoft.com/office/powerpoint/2010/main" xmlns:a16="http://schemas.microsoft.com/office/drawing/2014/main" xmlns="" w="9525">
                   <a:solidFill>
                     <a:srgbClr val="000000"/>
                   </a:solidFill>
@@ -26201,7 +26206,7 @@
             </a:ln>
             <a:extLst>
               <a:ext uri="{91240B29-F687-4f45-9708-019B960494DF}">
-                <a14:hiddenLine xmlns="" xmlns:a16="http://schemas.microsoft.com/office/drawing/2014/main" xmlns:p14="http://schemas.microsoft.com/office/powerpoint/2010/main" xmlns:a14="http://schemas.microsoft.com/office/drawing/2010/main" w="9525">
+                <a14:hiddenLine xmlns:a14="http://schemas.microsoft.com/office/drawing/2010/main" xmlns:p14="http://schemas.microsoft.com/office/powerpoint/2010/main" xmlns:a16="http://schemas.microsoft.com/office/drawing/2014/main" xmlns="" w="9525">
                   <a:solidFill>
                     <a:srgbClr val="000000"/>
                   </a:solidFill>
@@ -26284,7 +26289,7 @@
             </a:ln>
             <a:extLst>
               <a:ext uri="{91240B29-F687-4f45-9708-019B960494DF}">
-                <a14:hiddenLine xmlns="" xmlns:a16="http://schemas.microsoft.com/office/drawing/2014/main" xmlns:p14="http://schemas.microsoft.com/office/powerpoint/2010/main" xmlns:a14="http://schemas.microsoft.com/office/drawing/2010/main" w="9525">
+                <a14:hiddenLine xmlns:a14="http://schemas.microsoft.com/office/drawing/2010/main" xmlns:p14="http://schemas.microsoft.com/office/powerpoint/2010/main" xmlns:a16="http://schemas.microsoft.com/office/drawing/2014/main" xmlns="" w="9525">
                   <a:solidFill>
                     <a:srgbClr val="000000"/>
                   </a:solidFill>
@@ -26389,7 +26394,7 @@
             </a:ln>
             <a:extLst>
               <a:ext uri="{91240B29-F687-4f45-9708-019B960494DF}">
-                <a14:hiddenLine xmlns="" xmlns:a16="http://schemas.microsoft.com/office/drawing/2014/main" xmlns:p14="http://schemas.microsoft.com/office/powerpoint/2010/main" xmlns:a14="http://schemas.microsoft.com/office/drawing/2010/main" w="9525">
+                <a14:hiddenLine xmlns:a14="http://schemas.microsoft.com/office/drawing/2010/main" xmlns:p14="http://schemas.microsoft.com/office/powerpoint/2010/main" xmlns:a16="http://schemas.microsoft.com/office/drawing/2014/main" xmlns="" w="9525">
                   <a:solidFill>
                     <a:srgbClr val="000000"/>
                   </a:solidFill>
@@ -26472,7 +26477,7 @@
             </a:ln>
             <a:extLst>
               <a:ext uri="{91240B29-F687-4f45-9708-019B960494DF}">
-                <a14:hiddenLine xmlns="" xmlns:a16="http://schemas.microsoft.com/office/drawing/2014/main" xmlns:p14="http://schemas.microsoft.com/office/powerpoint/2010/main" xmlns:a14="http://schemas.microsoft.com/office/drawing/2010/main" w="9525">
+                <a14:hiddenLine xmlns:a14="http://schemas.microsoft.com/office/drawing/2010/main" xmlns:p14="http://schemas.microsoft.com/office/powerpoint/2010/main" xmlns:a16="http://schemas.microsoft.com/office/drawing/2014/main" xmlns="" w="9525">
                   <a:solidFill>
                     <a:srgbClr val="000000"/>
                   </a:solidFill>
@@ -26577,7 +26582,7 @@
             </a:ln>
             <a:extLst>
               <a:ext uri="{91240B29-F687-4f45-9708-019B960494DF}">
-                <a14:hiddenLine xmlns="" xmlns:a16="http://schemas.microsoft.com/office/drawing/2014/main" xmlns:p14="http://schemas.microsoft.com/office/powerpoint/2010/main" xmlns:a14="http://schemas.microsoft.com/office/drawing/2010/main" w="9525">
+                <a14:hiddenLine xmlns:a14="http://schemas.microsoft.com/office/drawing/2010/main" xmlns:p14="http://schemas.microsoft.com/office/powerpoint/2010/main" xmlns:a16="http://schemas.microsoft.com/office/drawing/2014/main" xmlns="" w="9525">
                   <a:solidFill>
                     <a:srgbClr val="000000"/>
                   </a:solidFill>
@@ -26626,7 +26631,7 @@
             </a:ln>
             <a:extLst>
               <a:ext uri="{91240B29-F687-4f45-9708-019B960494DF}">
-                <a14:hiddenLine xmlns="" xmlns:a16="http://schemas.microsoft.com/office/drawing/2014/main" xmlns:p14="http://schemas.microsoft.com/office/powerpoint/2010/main" xmlns:a14="http://schemas.microsoft.com/office/drawing/2010/main" w="9525">
+                <a14:hiddenLine xmlns:a14="http://schemas.microsoft.com/office/drawing/2010/main" xmlns:p14="http://schemas.microsoft.com/office/powerpoint/2010/main" xmlns:a16="http://schemas.microsoft.com/office/drawing/2014/main" xmlns="" w="9525">
                   <a:solidFill>
                     <a:srgbClr val="000000"/>
                   </a:solidFill>
@@ -26731,7 +26736,7 @@
             </a:ln>
             <a:extLst>
               <a:ext uri="{91240B29-F687-4f45-9708-019B960494DF}">
-                <a14:hiddenLine xmlns="" xmlns:a16="http://schemas.microsoft.com/office/drawing/2014/main" xmlns:p14="http://schemas.microsoft.com/office/powerpoint/2010/main" xmlns:a14="http://schemas.microsoft.com/office/drawing/2010/main" w="9525">
+                <a14:hiddenLine xmlns:a14="http://schemas.microsoft.com/office/drawing/2010/main" xmlns:p14="http://schemas.microsoft.com/office/powerpoint/2010/main" xmlns:a16="http://schemas.microsoft.com/office/drawing/2014/main" xmlns="" w="9525">
                   <a:solidFill>
                     <a:srgbClr val="000000"/>
                   </a:solidFill>
@@ -26808,7 +26813,7 @@
             </a:ln>
             <a:extLst>
               <a:ext uri="{91240B29-F687-4f45-9708-019B960494DF}">
-                <a14:hiddenLine xmlns="" xmlns:a16="http://schemas.microsoft.com/office/drawing/2014/main" xmlns:p14="http://schemas.microsoft.com/office/powerpoint/2010/main" xmlns:a14="http://schemas.microsoft.com/office/drawing/2010/main" w="9525">
+                <a14:hiddenLine xmlns:a14="http://schemas.microsoft.com/office/drawing/2010/main" xmlns:p14="http://schemas.microsoft.com/office/powerpoint/2010/main" xmlns:a16="http://schemas.microsoft.com/office/drawing/2014/main" xmlns="" w="9525">
                   <a:solidFill>
                     <a:srgbClr val="000000"/>
                   </a:solidFill>
@@ -26885,7 +26890,7 @@
             </a:ln>
             <a:extLst>
               <a:ext uri="{91240B29-F687-4f45-9708-019B960494DF}">
-                <a14:hiddenLine xmlns="" xmlns:a16="http://schemas.microsoft.com/office/drawing/2014/main" xmlns:p14="http://schemas.microsoft.com/office/powerpoint/2010/main" xmlns:a14="http://schemas.microsoft.com/office/drawing/2010/main" w="9525">
+                <a14:hiddenLine xmlns:a14="http://schemas.microsoft.com/office/drawing/2010/main" xmlns:p14="http://schemas.microsoft.com/office/powerpoint/2010/main" xmlns:a16="http://schemas.microsoft.com/office/drawing/2014/main" xmlns="" w="9525">
                   <a:solidFill>
                     <a:srgbClr val="000000"/>
                   </a:solidFill>
@@ -26990,7 +26995,7 @@
             </a:ln>
             <a:extLst>
               <a:ext uri="{91240B29-F687-4f45-9708-019B960494DF}">
-                <a14:hiddenLine xmlns="" xmlns:a16="http://schemas.microsoft.com/office/drawing/2014/main" xmlns:p14="http://schemas.microsoft.com/office/powerpoint/2010/main" xmlns:a14="http://schemas.microsoft.com/office/drawing/2010/main" w="9525">
+                <a14:hiddenLine xmlns:a14="http://schemas.microsoft.com/office/drawing/2010/main" xmlns:p14="http://schemas.microsoft.com/office/powerpoint/2010/main" xmlns:a16="http://schemas.microsoft.com/office/drawing/2014/main" xmlns="" w="9525">
                   <a:solidFill>
                     <a:srgbClr val="000000"/>
                   </a:solidFill>
@@ -27073,7 +27078,7 @@
             </a:ln>
             <a:extLst>
               <a:ext uri="{91240B29-F687-4f45-9708-019B960494DF}">
-                <a14:hiddenLine xmlns="" xmlns:a16="http://schemas.microsoft.com/office/drawing/2014/main" xmlns:p14="http://schemas.microsoft.com/office/powerpoint/2010/main" xmlns:a14="http://schemas.microsoft.com/office/drawing/2010/main" w="9525">
+                <a14:hiddenLine xmlns:a14="http://schemas.microsoft.com/office/drawing/2010/main" xmlns:p14="http://schemas.microsoft.com/office/powerpoint/2010/main" xmlns:a16="http://schemas.microsoft.com/office/drawing/2014/main" xmlns="" w="9525">
                   <a:solidFill>
                     <a:srgbClr val="000000"/>
                   </a:solidFill>
@@ -27150,7 +27155,7 @@
             </a:ln>
             <a:extLst>
               <a:ext uri="{91240B29-F687-4f45-9708-019B960494DF}">
-                <a14:hiddenLine xmlns="" xmlns:a16="http://schemas.microsoft.com/office/drawing/2014/main" xmlns:p14="http://schemas.microsoft.com/office/powerpoint/2010/main" xmlns:a14="http://schemas.microsoft.com/office/drawing/2010/main" w="9525">
+                <a14:hiddenLine xmlns:a14="http://schemas.microsoft.com/office/drawing/2010/main" xmlns:p14="http://schemas.microsoft.com/office/powerpoint/2010/main" xmlns:a16="http://schemas.microsoft.com/office/drawing/2014/main" xmlns="" w="9525">
                   <a:solidFill>
                     <a:srgbClr val="000000"/>
                   </a:solidFill>
@@ -27255,7 +27260,7 @@
             </a:ln>
             <a:extLst>
               <a:ext uri="{91240B29-F687-4f45-9708-019B960494DF}">
-                <a14:hiddenLine xmlns="" xmlns:a16="http://schemas.microsoft.com/office/drawing/2014/main" xmlns:p14="http://schemas.microsoft.com/office/powerpoint/2010/main" xmlns:a14="http://schemas.microsoft.com/office/drawing/2010/main" w="9525">
+                <a14:hiddenLine xmlns:a14="http://schemas.microsoft.com/office/drawing/2010/main" xmlns:p14="http://schemas.microsoft.com/office/powerpoint/2010/main" xmlns:a16="http://schemas.microsoft.com/office/drawing/2014/main" xmlns="" w="9525">
                   <a:solidFill>
                     <a:srgbClr val="000000"/>
                   </a:solidFill>
@@ -27332,7 +27337,7 @@
             </a:ln>
             <a:extLst>
               <a:ext uri="{91240B29-F687-4f45-9708-019B960494DF}">
-                <a14:hiddenLine xmlns="" xmlns:a16="http://schemas.microsoft.com/office/drawing/2014/main" xmlns:p14="http://schemas.microsoft.com/office/powerpoint/2010/main" xmlns:a14="http://schemas.microsoft.com/office/drawing/2010/main" w="9525">
+                <a14:hiddenLine xmlns:a14="http://schemas.microsoft.com/office/drawing/2010/main" xmlns:p14="http://schemas.microsoft.com/office/powerpoint/2010/main" xmlns:a16="http://schemas.microsoft.com/office/drawing/2014/main" xmlns="" w="9525">
                   <a:solidFill>
                     <a:srgbClr val="000000"/>
                   </a:solidFill>
@@ -27437,7 +27442,7 @@
             </a:ln>
             <a:extLst>
               <a:ext uri="{91240B29-F687-4f45-9708-019B960494DF}">
-                <a14:hiddenLine xmlns="" xmlns:a16="http://schemas.microsoft.com/office/drawing/2014/main" xmlns:p14="http://schemas.microsoft.com/office/powerpoint/2010/main" xmlns:a14="http://schemas.microsoft.com/office/drawing/2010/main" w="9525">
+                <a14:hiddenLine xmlns:a14="http://schemas.microsoft.com/office/drawing/2010/main" xmlns:p14="http://schemas.microsoft.com/office/powerpoint/2010/main" xmlns:a16="http://schemas.microsoft.com/office/drawing/2014/main" xmlns="" w="9525">
                   <a:solidFill>
                     <a:srgbClr val="000000"/>
                   </a:solidFill>
@@ -27514,7 +27519,7 @@
             </a:ln>
             <a:extLst>
               <a:ext uri="{91240B29-F687-4f45-9708-019B960494DF}">
-                <a14:hiddenLine xmlns="" xmlns:a16="http://schemas.microsoft.com/office/drawing/2014/main" xmlns:p14="http://schemas.microsoft.com/office/powerpoint/2010/main" xmlns:a14="http://schemas.microsoft.com/office/drawing/2010/main" w="9525">
+                <a14:hiddenLine xmlns:a14="http://schemas.microsoft.com/office/drawing/2010/main" xmlns:p14="http://schemas.microsoft.com/office/powerpoint/2010/main" xmlns:a16="http://schemas.microsoft.com/office/drawing/2014/main" xmlns="" w="9525">
                   <a:solidFill>
                     <a:srgbClr val="000000"/>
                   </a:solidFill>
@@ -27619,7 +27624,7 @@
             </a:ln>
             <a:extLst>
               <a:ext uri="{91240B29-F687-4f45-9708-019B960494DF}">
-                <a14:hiddenLine xmlns="" xmlns:a16="http://schemas.microsoft.com/office/drawing/2014/main" xmlns:p14="http://schemas.microsoft.com/office/powerpoint/2010/main" xmlns:a14="http://schemas.microsoft.com/office/drawing/2010/main" w="9525">
+                <a14:hiddenLine xmlns:a14="http://schemas.microsoft.com/office/drawing/2010/main" xmlns:p14="http://schemas.microsoft.com/office/powerpoint/2010/main" xmlns:a16="http://schemas.microsoft.com/office/drawing/2014/main" xmlns="" w="9525">
                   <a:solidFill>
                     <a:srgbClr val="000000"/>
                   </a:solidFill>
@@ -27668,7 +27673,7 @@
             </a:ln>
             <a:extLst>
               <a:ext uri="{91240B29-F687-4f45-9708-019B960494DF}">
-                <a14:hiddenLine xmlns="" xmlns:a16="http://schemas.microsoft.com/office/drawing/2014/main" xmlns:p14="http://schemas.microsoft.com/office/powerpoint/2010/main" xmlns:a14="http://schemas.microsoft.com/office/drawing/2010/main" w="9525">
+                <a14:hiddenLine xmlns:a14="http://schemas.microsoft.com/office/drawing/2010/main" xmlns:p14="http://schemas.microsoft.com/office/powerpoint/2010/main" xmlns:a16="http://schemas.microsoft.com/office/drawing/2014/main" xmlns="" w="9525">
                   <a:solidFill>
                     <a:srgbClr val="000000"/>
                   </a:solidFill>
@@ -27748,7 +27753,7 @@
             </a:ln>
             <a:extLst>
               <a:ext uri="{91240B29-F687-4f45-9708-019B960494DF}">
-                <a14:hiddenLine xmlns="" xmlns:a16="http://schemas.microsoft.com/office/drawing/2014/main" xmlns:p14="http://schemas.microsoft.com/office/powerpoint/2010/main" xmlns:a14="http://schemas.microsoft.com/office/drawing/2010/main" w="9525">
+                <a14:hiddenLine xmlns:a14="http://schemas.microsoft.com/office/drawing/2010/main" xmlns:p14="http://schemas.microsoft.com/office/powerpoint/2010/main" xmlns:a16="http://schemas.microsoft.com/office/drawing/2014/main" xmlns="" w="9525">
                   <a:solidFill>
                     <a:srgbClr val="000000"/>
                   </a:solidFill>
@@ -27853,7 +27858,7 @@
             </a:ln>
             <a:extLst>
               <a:ext uri="{91240B29-F687-4f45-9708-019B960494DF}">
-                <a14:hiddenLine xmlns="" xmlns:a16="http://schemas.microsoft.com/office/drawing/2014/main" xmlns:p14="http://schemas.microsoft.com/office/powerpoint/2010/main" xmlns:a14="http://schemas.microsoft.com/office/drawing/2010/main" w="9525">
+                <a14:hiddenLine xmlns:a14="http://schemas.microsoft.com/office/drawing/2010/main" xmlns:p14="http://schemas.microsoft.com/office/powerpoint/2010/main" xmlns:a16="http://schemas.microsoft.com/office/drawing/2014/main" xmlns="" w="9525">
                   <a:solidFill>
                     <a:srgbClr val="000000"/>
                   </a:solidFill>
@@ -27930,7 +27935,7 @@
             </a:ln>
             <a:extLst>
               <a:ext uri="{91240B29-F687-4f45-9708-019B960494DF}">
-                <a14:hiddenLine xmlns="" xmlns:a16="http://schemas.microsoft.com/office/drawing/2014/main" xmlns:p14="http://schemas.microsoft.com/office/powerpoint/2010/main" xmlns:a14="http://schemas.microsoft.com/office/drawing/2010/main" w="9525">
+                <a14:hiddenLine xmlns:a14="http://schemas.microsoft.com/office/drawing/2010/main" xmlns:p14="http://schemas.microsoft.com/office/powerpoint/2010/main" xmlns:a16="http://schemas.microsoft.com/office/drawing/2014/main" xmlns="" w="9525">
                   <a:solidFill>
                     <a:srgbClr val="000000"/>
                   </a:solidFill>
@@ -28035,7 +28040,7 @@
             </a:ln>
             <a:extLst>
               <a:ext uri="{91240B29-F687-4f45-9708-019B960494DF}">
-                <a14:hiddenLine xmlns="" xmlns:a16="http://schemas.microsoft.com/office/drawing/2014/main" xmlns:p14="http://schemas.microsoft.com/office/powerpoint/2010/main" xmlns:a14="http://schemas.microsoft.com/office/drawing/2010/main" w="9525">
+                <a14:hiddenLine xmlns:a14="http://schemas.microsoft.com/office/drawing/2010/main" xmlns:p14="http://schemas.microsoft.com/office/powerpoint/2010/main" xmlns:a16="http://schemas.microsoft.com/office/drawing/2014/main" xmlns="" w="9525">
                   <a:solidFill>
                     <a:srgbClr val="000000"/>
                   </a:solidFill>
@@ -28140,7 +28145,7 @@
             </a:ln>
             <a:extLst>
               <a:ext uri="{91240B29-F687-4f45-9708-019B960494DF}">
-                <a14:hiddenLine xmlns="" xmlns:a16="http://schemas.microsoft.com/office/drawing/2014/main" xmlns:p14="http://schemas.microsoft.com/office/powerpoint/2010/main" xmlns:a14="http://schemas.microsoft.com/office/drawing/2010/main" w="9525">
+                <a14:hiddenLine xmlns:a14="http://schemas.microsoft.com/office/drawing/2010/main" xmlns:p14="http://schemas.microsoft.com/office/powerpoint/2010/main" xmlns:a16="http://schemas.microsoft.com/office/drawing/2014/main" xmlns="" w="9525">
                   <a:solidFill>
                     <a:srgbClr val="000000"/>
                   </a:solidFill>
@@ -28220,7 +28225,7 @@
             </a:ln>
             <a:extLst>
               <a:ext uri="{91240B29-F687-4f45-9708-019B960494DF}">
-                <a14:hiddenLine xmlns="" xmlns:a16="http://schemas.microsoft.com/office/drawing/2014/main" xmlns:p14="http://schemas.microsoft.com/office/powerpoint/2010/main" xmlns:a14="http://schemas.microsoft.com/office/drawing/2010/main" w="9525">
+                <a14:hiddenLine xmlns:a14="http://schemas.microsoft.com/office/drawing/2010/main" xmlns:p14="http://schemas.microsoft.com/office/powerpoint/2010/main" xmlns:a16="http://schemas.microsoft.com/office/drawing/2014/main" xmlns="" w="9525">
                   <a:solidFill>
                     <a:srgbClr val="000000"/>
                   </a:solidFill>
@@ -28297,7 +28302,7 @@
             </a:ln>
             <a:extLst>
               <a:ext uri="{91240B29-F687-4f45-9708-019B960494DF}">
-                <a14:hiddenLine xmlns="" xmlns:a16="http://schemas.microsoft.com/office/drawing/2014/main" xmlns:p14="http://schemas.microsoft.com/office/powerpoint/2010/main" xmlns:a14="http://schemas.microsoft.com/office/drawing/2010/main" w="9525">
+                <a14:hiddenLine xmlns:a14="http://schemas.microsoft.com/office/drawing/2010/main" xmlns:p14="http://schemas.microsoft.com/office/powerpoint/2010/main" xmlns:a16="http://schemas.microsoft.com/office/drawing/2014/main" xmlns="" w="9525">
                   <a:solidFill>
                     <a:srgbClr val="000000"/>
                   </a:solidFill>
@@ -28402,7 +28407,7 @@
             </a:ln>
             <a:extLst>
               <a:ext uri="{91240B29-F687-4f45-9708-019B960494DF}">
-                <a14:hiddenLine xmlns="" xmlns:a16="http://schemas.microsoft.com/office/drawing/2014/main" xmlns:p14="http://schemas.microsoft.com/office/powerpoint/2010/main" xmlns:a14="http://schemas.microsoft.com/office/drawing/2010/main" w="9525">
+                <a14:hiddenLine xmlns:a14="http://schemas.microsoft.com/office/drawing/2010/main" xmlns:p14="http://schemas.microsoft.com/office/powerpoint/2010/main" xmlns:a16="http://schemas.microsoft.com/office/drawing/2014/main" xmlns="" w="9525">
                   <a:solidFill>
                     <a:srgbClr val="000000"/>
                   </a:solidFill>
@@ -28507,7 +28512,7 @@
             </a:ln>
             <a:extLst>
               <a:ext uri="{91240B29-F687-4f45-9708-019B960494DF}">
-                <a14:hiddenLine xmlns="" xmlns:a16="http://schemas.microsoft.com/office/drawing/2014/main" xmlns:p14="http://schemas.microsoft.com/office/powerpoint/2010/main" xmlns:a14="http://schemas.microsoft.com/office/drawing/2010/main" w="9525">
+                <a14:hiddenLine xmlns:a14="http://schemas.microsoft.com/office/drawing/2010/main" xmlns:p14="http://schemas.microsoft.com/office/powerpoint/2010/main" xmlns:a16="http://schemas.microsoft.com/office/drawing/2014/main" xmlns="" w="9525">
                   <a:solidFill>
                     <a:srgbClr val="000000"/>
                   </a:solidFill>
@@ -28584,7 +28589,7 @@
             </a:ln>
             <a:extLst>
               <a:ext uri="{91240B29-F687-4f45-9708-019B960494DF}">
-                <a14:hiddenLine xmlns="" xmlns:a16="http://schemas.microsoft.com/office/drawing/2014/main" xmlns:p14="http://schemas.microsoft.com/office/powerpoint/2010/main" xmlns:a14="http://schemas.microsoft.com/office/drawing/2010/main" w="9525">
+                <a14:hiddenLine xmlns:a14="http://schemas.microsoft.com/office/drawing/2010/main" xmlns:p14="http://schemas.microsoft.com/office/powerpoint/2010/main" xmlns:a16="http://schemas.microsoft.com/office/drawing/2014/main" xmlns="" w="9525">
                   <a:solidFill>
                     <a:srgbClr val="000000"/>
                   </a:solidFill>
@@ -28719,7 +28724,7 @@
             </a:ln>
             <a:extLst>
               <a:ext uri="{91240B29-F687-4f45-9708-019B960494DF}">
-                <a14:hiddenLine xmlns="" xmlns:a16="http://schemas.microsoft.com/office/drawing/2014/main" xmlns:p14="http://schemas.microsoft.com/office/powerpoint/2010/main" xmlns:a14="http://schemas.microsoft.com/office/drawing/2010/main" w="9525">
+                <a14:hiddenLine xmlns:a14="http://schemas.microsoft.com/office/drawing/2010/main" xmlns:p14="http://schemas.microsoft.com/office/powerpoint/2010/main" xmlns:a16="http://schemas.microsoft.com/office/drawing/2014/main" xmlns="" w="9525">
                   <a:solidFill>
                     <a:srgbClr val="000000"/>
                   </a:solidFill>
@@ -28802,7 +28807,7 @@
             </a:ln>
             <a:extLst>
               <a:ext uri="{91240B29-F687-4f45-9708-019B960494DF}">
-                <a14:hiddenLine xmlns="" xmlns:a16="http://schemas.microsoft.com/office/drawing/2014/main" xmlns:p14="http://schemas.microsoft.com/office/powerpoint/2010/main" xmlns:a14="http://schemas.microsoft.com/office/drawing/2010/main" w="9525">
+                <a14:hiddenLine xmlns:a14="http://schemas.microsoft.com/office/drawing/2010/main" xmlns:p14="http://schemas.microsoft.com/office/powerpoint/2010/main" xmlns:a16="http://schemas.microsoft.com/office/drawing/2014/main" xmlns="" w="9525">
                   <a:solidFill>
                     <a:srgbClr val="000000"/>
                   </a:solidFill>
@@ -28907,7 +28912,7 @@
             </a:ln>
             <a:extLst>
               <a:ext uri="{91240B29-F687-4f45-9708-019B960494DF}">
-                <a14:hiddenLine xmlns="" xmlns:a16="http://schemas.microsoft.com/office/drawing/2014/main" xmlns:p14="http://schemas.microsoft.com/office/powerpoint/2010/main" xmlns:a14="http://schemas.microsoft.com/office/drawing/2010/main" w="9525">
+                <a14:hiddenLine xmlns:a14="http://schemas.microsoft.com/office/drawing/2010/main" xmlns:p14="http://schemas.microsoft.com/office/powerpoint/2010/main" xmlns:a16="http://schemas.microsoft.com/office/drawing/2014/main" xmlns="" w="9525">
                   <a:solidFill>
                     <a:srgbClr val="000000"/>
                   </a:solidFill>
@@ -29757,13 +29762,26 @@
           <a:p>
             <a:r>
               <a:rPr lang="en-US" dirty="0"/>
-              <a:t>Multilayer Neural Network: what is the </a:t>
+              <a:t>In reality: would </a:t>
+            </a:r>
+            <a:r>
+              <a:rPr lang="en-US" dirty="0" err="1"/>
+              <a:t>LinearSVC</a:t>
+            </a:r>
+            <a:r>
+              <a:rPr lang="en-US" dirty="0"/>
+              <a:t> be the </a:t>
             </a:r>
             <a:r>
               <a:rPr lang="en-US"/>
-              <a:t>input??</a:t>
+              <a:t>best choice??</a:t>
             </a:r>
-            <a:endParaRPr lang="en-US" dirty="0"/>
+          </a:p>
+          <a:p>
+            <a:r>
+              <a:rPr lang="en-US" dirty="0"/>
+              <a:t>Multilayer Neural Network: what is the input??</a:t>
+            </a:r>
           </a:p>
           <a:p>
             <a:r>
@@ -30040,7 +30058,7 @@
           <a:noFill/>
           <a:extLst>
             <a:ext uri="{909E8E84-426E-40dd-AFC4-6F175D3DCCD1}">
-              <a14:hiddenFill xmlns="" xmlns:a16="http://schemas.microsoft.com/office/drawing/2014/main" xmlns:p14="http://schemas.microsoft.com/office/powerpoint/2010/main" xmlns:a14="http://schemas.microsoft.com/office/drawing/2010/main">
+              <a14:hiddenFill xmlns:a14="http://schemas.microsoft.com/office/drawing/2010/main" xmlns:p14="http://schemas.microsoft.com/office/powerpoint/2010/main" xmlns:a16="http://schemas.microsoft.com/office/drawing/2014/main" xmlns="">
                 <a:solidFill>
                   <a:srgbClr val="FFFFFF"/>
                 </a:solidFill>
@@ -30299,7 +30317,7 @@
             </a:ln>
             <a:extLst>
               <a:ext uri="{91240B29-F687-4f45-9708-019B960494DF}">
-                <a14:hiddenLine xmlns="" xmlns:a16="http://schemas.microsoft.com/office/drawing/2014/main" xmlns:p14="http://schemas.microsoft.com/office/powerpoint/2010/main" xmlns:a14="http://schemas.microsoft.com/office/drawing/2010/main" w="9525">
+                <a14:hiddenLine xmlns:a14="http://schemas.microsoft.com/office/drawing/2010/main" xmlns:p14="http://schemas.microsoft.com/office/powerpoint/2010/main" xmlns:a16="http://schemas.microsoft.com/office/drawing/2014/main" xmlns="" w="9525">
                   <a:solidFill>
                     <a:srgbClr val="000000"/>
                   </a:solidFill>
@@ -30404,7 +30422,7 @@
             </a:ln>
             <a:extLst>
               <a:ext uri="{91240B29-F687-4f45-9708-019B960494DF}">
-                <a14:hiddenLine xmlns="" xmlns:a16="http://schemas.microsoft.com/office/drawing/2014/main" xmlns:p14="http://schemas.microsoft.com/office/powerpoint/2010/main" xmlns:a14="http://schemas.microsoft.com/office/drawing/2010/main" w="9525">
+                <a14:hiddenLine xmlns:a14="http://schemas.microsoft.com/office/drawing/2010/main" xmlns:p14="http://schemas.microsoft.com/office/powerpoint/2010/main" xmlns:a16="http://schemas.microsoft.com/office/drawing/2014/main" xmlns="" w="9525">
                   <a:solidFill>
                     <a:srgbClr val="000000"/>
                   </a:solidFill>
@@ -30509,7 +30527,7 @@
             </a:ln>
             <a:extLst>
               <a:ext uri="{91240B29-F687-4f45-9708-019B960494DF}">
-                <a14:hiddenLine xmlns="" xmlns:a16="http://schemas.microsoft.com/office/drawing/2014/main" xmlns:p14="http://schemas.microsoft.com/office/powerpoint/2010/main" xmlns:a14="http://schemas.microsoft.com/office/drawing/2010/main" w="9525">
+                <a14:hiddenLine xmlns:a14="http://schemas.microsoft.com/office/drawing/2010/main" xmlns:p14="http://schemas.microsoft.com/office/powerpoint/2010/main" xmlns:a16="http://schemas.microsoft.com/office/drawing/2014/main" xmlns="" w="9525">
                   <a:solidFill>
                     <a:srgbClr val="000000"/>
                   </a:solidFill>
@@ -30586,7 +30604,7 @@
             </a:ln>
             <a:extLst>
               <a:ext uri="{91240B29-F687-4f45-9708-019B960494DF}">
-                <a14:hiddenLine xmlns="" xmlns:a16="http://schemas.microsoft.com/office/drawing/2014/main" xmlns:p14="http://schemas.microsoft.com/office/powerpoint/2010/main" xmlns:a14="http://schemas.microsoft.com/office/drawing/2010/main" w="9525">
+                <a14:hiddenLine xmlns:a14="http://schemas.microsoft.com/office/drawing/2010/main" xmlns:p14="http://schemas.microsoft.com/office/powerpoint/2010/main" xmlns:a16="http://schemas.microsoft.com/office/drawing/2014/main" xmlns="" w="9525">
                   <a:solidFill>
                     <a:srgbClr val="000000"/>
                   </a:solidFill>
@@ -30691,7 +30709,7 @@
             </a:ln>
             <a:extLst>
               <a:ext uri="{91240B29-F687-4f45-9708-019B960494DF}">
-                <a14:hiddenLine xmlns="" xmlns:a16="http://schemas.microsoft.com/office/drawing/2014/main" xmlns:p14="http://schemas.microsoft.com/office/powerpoint/2010/main" xmlns:a14="http://schemas.microsoft.com/office/drawing/2010/main" w="9525">
+                <a14:hiddenLine xmlns:a14="http://schemas.microsoft.com/office/drawing/2010/main" xmlns:p14="http://schemas.microsoft.com/office/powerpoint/2010/main" xmlns:a16="http://schemas.microsoft.com/office/drawing/2014/main" xmlns="" w="9525">
                   <a:solidFill>
                     <a:srgbClr val="000000"/>
                   </a:solidFill>
@@ -30768,7 +30786,7 @@
             </a:ln>
             <a:extLst>
               <a:ext uri="{91240B29-F687-4f45-9708-019B960494DF}">
-                <a14:hiddenLine xmlns="" xmlns:a16="http://schemas.microsoft.com/office/drawing/2014/main" xmlns:p14="http://schemas.microsoft.com/office/powerpoint/2010/main" xmlns:a14="http://schemas.microsoft.com/office/drawing/2010/main" w="9525">
+                <a14:hiddenLine xmlns:a14="http://schemas.microsoft.com/office/drawing/2010/main" xmlns:p14="http://schemas.microsoft.com/office/powerpoint/2010/main" xmlns:a16="http://schemas.microsoft.com/office/drawing/2014/main" xmlns="" w="9525">
                   <a:solidFill>
                     <a:srgbClr val="000000"/>
                   </a:solidFill>
@@ -30845,7 +30863,7 @@
             </a:ln>
             <a:extLst>
               <a:ext uri="{91240B29-F687-4f45-9708-019B960494DF}">
-                <a14:hiddenLine xmlns="" xmlns:a16="http://schemas.microsoft.com/office/drawing/2014/main" xmlns:p14="http://schemas.microsoft.com/office/powerpoint/2010/main" xmlns:a14="http://schemas.microsoft.com/office/drawing/2010/main" w="9525">
+                <a14:hiddenLine xmlns:a14="http://schemas.microsoft.com/office/drawing/2010/main" xmlns:p14="http://schemas.microsoft.com/office/powerpoint/2010/main" xmlns:a16="http://schemas.microsoft.com/office/drawing/2014/main" xmlns="" w="9525">
                   <a:solidFill>
                     <a:srgbClr val="000000"/>
                   </a:solidFill>
@@ -30950,7 +30968,7 @@
             </a:ln>
             <a:extLst>
               <a:ext uri="{91240B29-F687-4f45-9708-019B960494DF}">
-                <a14:hiddenLine xmlns="" xmlns:a16="http://schemas.microsoft.com/office/drawing/2014/main" xmlns:p14="http://schemas.microsoft.com/office/powerpoint/2010/main" xmlns:a14="http://schemas.microsoft.com/office/drawing/2010/main" w="9525">
+                <a14:hiddenLine xmlns:a14="http://schemas.microsoft.com/office/drawing/2010/main" xmlns:p14="http://schemas.microsoft.com/office/powerpoint/2010/main" xmlns:a16="http://schemas.microsoft.com/office/drawing/2014/main" xmlns="" w="9525">
                   <a:solidFill>
                     <a:srgbClr val="000000"/>
                   </a:solidFill>
@@ -31055,7 +31073,7 @@
             </a:ln>
             <a:extLst>
               <a:ext uri="{91240B29-F687-4f45-9708-019B960494DF}">
-                <a14:hiddenLine xmlns="" xmlns:a16="http://schemas.microsoft.com/office/drawing/2014/main" xmlns:p14="http://schemas.microsoft.com/office/powerpoint/2010/main" xmlns:a14="http://schemas.microsoft.com/office/drawing/2010/main" w="9525">
+                <a14:hiddenLine xmlns:a14="http://schemas.microsoft.com/office/drawing/2010/main" xmlns:p14="http://schemas.microsoft.com/office/powerpoint/2010/main" xmlns:a16="http://schemas.microsoft.com/office/drawing/2014/main" xmlns="" w="9525">
                   <a:solidFill>
                     <a:srgbClr val="000000"/>
                   </a:solidFill>
@@ -31132,7 +31150,7 @@
             </a:ln>
             <a:extLst>
               <a:ext uri="{91240B29-F687-4f45-9708-019B960494DF}">
-                <a14:hiddenLine xmlns="" xmlns:a16="http://schemas.microsoft.com/office/drawing/2014/main" xmlns:p14="http://schemas.microsoft.com/office/powerpoint/2010/main" xmlns:a14="http://schemas.microsoft.com/office/drawing/2010/main" w="9525">
+                <a14:hiddenLine xmlns:a14="http://schemas.microsoft.com/office/drawing/2010/main" xmlns:p14="http://schemas.microsoft.com/office/powerpoint/2010/main" xmlns:a16="http://schemas.microsoft.com/office/drawing/2014/main" xmlns="" w="9525">
                   <a:solidFill>
                     <a:srgbClr val="000000"/>
                   </a:solidFill>
@@ -31257,7 +31275,7 @@
             </a:ln>
             <a:extLst>
               <a:ext uri="{91240B29-F687-4f45-9708-019B960494DF}">
-                <a14:hiddenLine xmlns="" xmlns:a16="http://schemas.microsoft.com/office/drawing/2014/main" xmlns:p14="http://schemas.microsoft.com/office/powerpoint/2010/main" xmlns:a14="http://schemas.microsoft.com/office/drawing/2010/main" w="9525">
+                <a14:hiddenLine xmlns:a14="http://schemas.microsoft.com/office/drawing/2010/main" xmlns:p14="http://schemas.microsoft.com/office/powerpoint/2010/main" xmlns:a16="http://schemas.microsoft.com/office/drawing/2014/main" xmlns="" w="9525">
                   <a:solidFill>
                     <a:srgbClr val="000000"/>
                   </a:solidFill>
@@ -31371,7 +31389,7 @@
             </a:ln>
             <a:extLst>
               <a:ext uri="{91240B29-F687-4f45-9708-019B960494DF}">
-                <a14:hiddenLine xmlns="" xmlns:a16="http://schemas.microsoft.com/office/drawing/2014/main" xmlns:p14="http://schemas.microsoft.com/office/powerpoint/2010/main" xmlns:a14="http://schemas.microsoft.com/office/drawing/2010/main" w="9525">
+                <a14:hiddenLine xmlns:a14="http://schemas.microsoft.com/office/drawing/2010/main" xmlns:p14="http://schemas.microsoft.com/office/powerpoint/2010/main" xmlns:a16="http://schemas.microsoft.com/office/drawing/2014/main" xmlns="" w="9525">
                   <a:solidFill>
                     <a:srgbClr val="000000"/>
                   </a:solidFill>
@@ -31448,7 +31466,7 @@
             </a:ln>
             <a:extLst>
               <a:ext uri="{91240B29-F687-4f45-9708-019B960494DF}">
-                <a14:hiddenLine xmlns="" xmlns:a16="http://schemas.microsoft.com/office/drawing/2014/main" xmlns:p14="http://schemas.microsoft.com/office/powerpoint/2010/main" xmlns:a14="http://schemas.microsoft.com/office/drawing/2010/main" w="9525">
+                <a14:hiddenLine xmlns:a14="http://schemas.microsoft.com/office/drawing/2010/main" xmlns:p14="http://schemas.microsoft.com/office/powerpoint/2010/main" xmlns:a16="http://schemas.microsoft.com/office/drawing/2014/main" xmlns="" w="9525">
                   <a:solidFill>
                     <a:srgbClr val="000000"/>
                   </a:solidFill>
@@ -31525,7 +31543,7 @@
             </a:ln>
             <a:extLst>
               <a:ext uri="{91240B29-F687-4f45-9708-019B960494DF}">
-                <a14:hiddenLine xmlns="" xmlns:a16="http://schemas.microsoft.com/office/drawing/2014/main" xmlns:p14="http://schemas.microsoft.com/office/powerpoint/2010/main" xmlns:a14="http://schemas.microsoft.com/office/drawing/2010/main" w="9525">
+                <a14:hiddenLine xmlns:a14="http://schemas.microsoft.com/office/drawing/2010/main" xmlns:p14="http://schemas.microsoft.com/office/powerpoint/2010/main" xmlns:a16="http://schemas.microsoft.com/office/drawing/2014/main" xmlns="" w="9525">
                   <a:solidFill>
                     <a:srgbClr val="000000"/>
                   </a:solidFill>
@@ -31630,7 +31648,7 @@
             </a:ln>
             <a:extLst>
               <a:ext uri="{91240B29-F687-4f45-9708-019B960494DF}">
-                <a14:hiddenLine xmlns="" xmlns:a16="http://schemas.microsoft.com/office/drawing/2014/main" xmlns:p14="http://schemas.microsoft.com/office/powerpoint/2010/main" xmlns:a14="http://schemas.microsoft.com/office/drawing/2010/main" w="9525">
+                <a14:hiddenLine xmlns:a14="http://schemas.microsoft.com/office/drawing/2010/main" xmlns:p14="http://schemas.microsoft.com/office/powerpoint/2010/main" xmlns:a16="http://schemas.microsoft.com/office/drawing/2014/main" xmlns="" w="9525">
                   <a:solidFill>
                     <a:srgbClr val="000000"/>
                   </a:solidFill>
@@ -31679,7 +31697,7 @@
             </a:ln>
             <a:extLst>
               <a:ext uri="{91240B29-F687-4f45-9708-019B960494DF}">
-                <a14:hiddenLine xmlns="" xmlns:a16="http://schemas.microsoft.com/office/drawing/2014/main" xmlns:p14="http://schemas.microsoft.com/office/powerpoint/2010/main" xmlns:a14="http://schemas.microsoft.com/office/drawing/2010/main" w="9525">
+                <a14:hiddenLine xmlns:a14="http://schemas.microsoft.com/office/drawing/2010/main" xmlns:p14="http://schemas.microsoft.com/office/powerpoint/2010/main" xmlns:a16="http://schemas.microsoft.com/office/drawing/2014/main" xmlns="" w="9525">
                   <a:solidFill>
                     <a:srgbClr val="000000"/>
                   </a:solidFill>
@@ -31759,7 +31777,7 @@
             </a:ln>
             <a:extLst>
               <a:ext uri="{91240B29-F687-4f45-9708-019B960494DF}">
-                <a14:hiddenLine xmlns="" xmlns:a16="http://schemas.microsoft.com/office/drawing/2014/main" xmlns:p14="http://schemas.microsoft.com/office/powerpoint/2010/main" xmlns:a14="http://schemas.microsoft.com/office/drawing/2010/main" w="9525">
+                <a14:hiddenLine xmlns:a14="http://schemas.microsoft.com/office/drawing/2010/main" xmlns:p14="http://schemas.microsoft.com/office/powerpoint/2010/main" xmlns:a16="http://schemas.microsoft.com/office/drawing/2014/main" xmlns="" w="9525">
                   <a:solidFill>
                     <a:srgbClr val="000000"/>
                   </a:solidFill>
@@ -31864,7 +31882,7 @@
             </a:ln>
             <a:extLst>
               <a:ext uri="{91240B29-F687-4f45-9708-019B960494DF}">
-                <a14:hiddenLine xmlns="" xmlns:a16="http://schemas.microsoft.com/office/drawing/2014/main" xmlns:p14="http://schemas.microsoft.com/office/powerpoint/2010/main" xmlns:a14="http://schemas.microsoft.com/office/drawing/2010/main" w="9525">
+                <a14:hiddenLine xmlns:a14="http://schemas.microsoft.com/office/drawing/2010/main" xmlns:p14="http://schemas.microsoft.com/office/powerpoint/2010/main" xmlns:a16="http://schemas.microsoft.com/office/drawing/2014/main" xmlns="" w="9525">
                   <a:solidFill>
                     <a:srgbClr val="000000"/>
                   </a:solidFill>
@@ -31941,7 +31959,7 @@
             </a:ln>
             <a:extLst>
               <a:ext uri="{91240B29-F687-4f45-9708-019B960494DF}">
-                <a14:hiddenLine xmlns="" xmlns:a16="http://schemas.microsoft.com/office/drawing/2014/main" xmlns:p14="http://schemas.microsoft.com/office/powerpoint/2010/main" xmlns:a14="http://schemas.microsoft.com/office/drawing/2010/main" w="9525">
+                <a14:hiddenLine xmlns:a14="http://schemas.microsoft.com/office/drawing/2010/main" xmlns:p14="http://schemas.microsoft.com/office/powerpoint/2010/main" xmlns:a16="http://schemas.microsoft.com/office/drawing/2014/main" xmlns="" w="9525">
                   <a:solidFill>
                     <a:srgbClr val="000000"/>
                   </a:solidFill>
@@ -32046,7 +32064,7 @@
             </a:ln>
             <a:extLst>
               <a:ext uri="{91240B29-F687-4f45-9708-019B960494DF}">
-                <a14:hiddenLine xmlns="" xmlns:a16="http://schemas.microsoft.com/office/drawing/2014/main" xmlns:p14="http://schemas.microsoft.com/office/powerpoint/2010/main" xmlns:a14="http://schemas.microsoft.com/office/drawing/2010/main" w="9525">
+                <a14:hiddenLine xmlns:a14="http://schemas.microsoft.com/office/drawing/2010/main" xmlns:p14="http://schemas.microsoft.com/office/powerpoint/2010/main" xmlns:a16="http://schemas.microsoft.com/office/drawing/2014/main" xmlns="" w="9525">
                   <a:solidFill>
                     <a:srgbClr val="000000"/>
                   </a:solidFill>
@@ -32126,7 +32144,7 @@
             </a:ln>
             <a:extLst>
               <a:ext uri="{91240B29-F687-4f45-9708-019B960494DF}">
-                <a14:hiddenLine xmlns="" xmlns:a16="http://schemas.microsoft.com/office/drawing/2014/main" xmlns:p14="http://schemas.microsoft.com/office/powerpoint/2010/main" xmlns:a14="http://schemas.microsoft.com/office/drawing/2010/main" w="9525">
+                <a14:hiddenLine xmlns:a14="http://schemas.microsoft.com/office/drawing/2010/main" xmlns:p14="http://schemas.microsoft.com/office/powerpoint/2010/main" xmlns:a16="http://schemas.microsoft.com/office/drawing/2014/main" xmlns="" w="9525">
                   <a:solidFill>
                     <a:srgbClr val="000000"/>
                   </a:solidFill>
@@ -32203,7 +32221,7 @@
             </a:ln>
             <a:extLst>
               <a:ext uri="{91240B29-F687-4f45-9708-019B960494DF}">
-                <a14:hiddenLine xmlns="" xmlns:a16="http://schemas.microsoft.com/office/drawing/2014/main" xmlns:p14="http://schemas.microsoft.com/office/powerpoint/2010/main" xmlns:a14="http://schemas.microsoft.com/office/drawing/2010/main" w="9525">
+                <a14:hiddenLine xmlns:a14="http://schemas.microsoft.com/office/drawing/2010/main" xmlns:p14="http://schemas.microsoft.com/office/powerpoint/2010/main" xmlns:a16="http://schemas.microsoft.com/office/drawing/2014/main" xmlns="" w="9525">
                   <a:solidFill>
                     <a:srgbClr val="000000"/>
                   </a:solidFill>
@@ -32308,7 +32326,7 @@
             </a:ln>
             <a:extLst>
               <a:ext uri="{91240B29-F687-4f45-9708-019B960494DF}">
-                <a14:hiddenLine xmlns="" xmlns:a16="http://schemas.microsoft.com/office/drawing/2014/main" xmlns:p14="http://schemas.microsoft.com/office/powerpoint/2010/main" xmlns:a14="http://schemas.microsoft.com/office/drawing/2010/main" w="9525">
+                <a14:hiddenLine xmlns:a14="http://schemas.microsoft.com/office/drawing/2010/main" xmlns:p14="http://schemas.microsoft.com/office/powerpoint/2010/main" xmlns:a16="http://schemas.microsoft.com/office/drawing/2014/main" xmlns="" w="9525">
                   <a:solidFill>
                     <a:srgbClr val="000000"/>
                   </a:solidFill>
@@ -32413,7 +32431,7 @@
             </a:ln>
             <a:extLst>
               <a:ext uri="{91240B29-F687-4f45-9708-019B960494DF}">
-                <a14:hiddenLine xmlns="" xmlns:a16="http://schemas.microsoft.com/office/drawing/2014/main" xmlns:p14="http://schemas.microsoft.com/office/powerpoint/2010/main" xmlns:a14="http://schemas.microsoft.com/office/drawing/2010/main" w="9525">
+                <a14:hiddenLine xmlns:a14="http://schemas.microsoft.com/office/drawing/2010/main" xmlns:p14="http://schemas.microsoft.com/office/powerpoint/2010/main" xmlns:a16="http://schemas.microsoft.com/office/drawing/2014/main" xmlns="" w="9525">
                   <a:solidFill>
                     <a:srgbClr val="000000"/>
                   </a:solidFill>
@@ -32493,7 +32511,7 @@
             </a:ln>
             <a:extLst>
               <a:ext uri="{91240B29-F687-4f45-9708-019B960494DF}">
-                <a14:hiddenLine xmlns="" xmlns:a16="http://schemas.microsoft.com/office/drawing/2014/main" xmlns:p14="http://schemas.microsoft.com/office/powerpoint/2010/main" xmlns:a14="http://schemas.microsoft.com/office/drawing/2010/main" w="9525">
+                <a14:hiddenLine xmlns:a14="http://schemas.microsoft.com/office/drawing/2010/main" xmlns:p14="http://schemas.microsoft.com/office/powerpoint/2010/main" xmlns:a16="http://schemas.microsoft.com/office/drawing/2014/main" xmlns="" w="9525">
                   <a:solidFill>
                     <a:srgbClr val="000000"/>
                   </a:solidFill>
@@ -32628,7 +32646,7 @@
             </a:ln>
             <a:extLst>
               <a:ext uri="{91240B29-F687-4f45-9708-019B960494DF}">
-                <a14:hiddenLine xmlns="" xmlns:a16="http://schemas.microsoft.com/office/drawing/2014/main" xmlns:p14="http://schemas.microsoft.com/office/powerpoint/2010/main" xmlns:a14="http://schemas.microsoft.com/office/drawing/2010/main" w="9525">
+                <a14:hiddenLine xmlns:a14="http://schemas.microsoft.com/office/drawing/2010/main" xmlns:p14="http://schemas.microsoft.com/office/powerpoint/2010/main" xmlns:a16="http://schemas.microsoft.com/office/drawing/2014/main" xmlns="" w="9525">
                   <a:solidFill>
                     <a:srgbClr val="000000"/>
                   </a:solidFill>
@@ -32930,7 +32948,7 @@
           <a:noFill/>
           <a:extLst>
             <a:ext uri="{909E8E84-426E-40dd-AFC4-6F175D3DCCD1}">
-              <a14:hiddenFill xmlns="" xmlns:a16="http://schemas.microsoft.com/office/drawing/2014/main" xmlns:p14="http://schemas.microsoft.com/office/powerpoint/2010/main" xmlns:a14="http://schemas.microsoft.com/office/drawing/2010/main">
+              <a14:hiddenFill xmlns:a14="http://schemas.microsoft.com/office/drawing/2010/main" xmlns:p14="http://schemas.microsoft.com/office/powerpoint/2010/main" xmlns:a16="http://schemas.microsoft.com/office/drawing/2014/main" xmlns="">
                 <a:solidFill>
                   <a:srgbClr val="FFFFFF"/>
                 </a:solidFill>
@@ -33108,7 +33126,7 @@
             </a:ln>
             <a:extLst>
               <a:ext uri="{91240B29-F687-4f45-9708-019B960494DF}">
-                <a14:hiddenLine xmlns="" xmlns:a16="http://schemas.microsoft.com/office/drawing/2014/main" xmlns:p14="http://schemas.microsoft.com/office/powerpoint/2010/main" xmlns:a14="http://schemas.microsoft.com/office/drawing/2010/main" w="9525">
+                <a14:hiddenLine xmlns:a14="http://schemas.microsoft.com/office/drawing/2010/main" xmlns:p14="http://schemas.microsoft.com/office/powerpoint/2010/main" xmlns:a16="http://schemas.microsoft.com/office/drawing/2014/main" xmlns="" w="9525">
                   <a:solidFill>
                     <a:srgbClr val="000000"/>
                   </a:solidFill>
@@ -33213,7 +33231,7 @@
             </a:ln>
             <a:extLst>
               <a:ext uri="{91240B29-F687-4f45-9708-019B960494DF}">
-                <a14:hiddenLine xmlns="" xmlns:a16="http://schemas.microsoft.com/office/drawing/2014/main" xmlns:p14="http://schemas.microsoft.com/office/powerpoint/2010/main" xmlns:a14="http://schemas.microsoft.com/office/drawing/2010/main" w="9525">
+                <a14:hiddenLine xmlns:a14="http://schemas.microsoft.com/office/drawing/2010/main" xmlns:p14="http://schemas.microsoft.com/office/powerpoint/2010/main" xmlns:a16="http://schemas.microsoft.com/office/drawing/2014/main" xmlns="" w="9525">
                   <a:solidFill>
                     <a:srgbClr val="000000"/>
                   </a:solidFill>
@@ -33318,7 +33336,7 @@
             </a:ln>
             <a:extLst>
               <a:ext uri="{91240B29-F687-4f45-9708-019B960494DF}">
-                <a14:hiddenLine xmlns="" xmlns:a16="http://schemas.microsoft.com/office/drawing/2014/main" xmlns:p14="http://schemas.microsoft.com/office/powerpoint/2010/main" xmlns:a14="http://schemas.microsoft.com/office/drawing/2010/main" w="9525">
+                <a14:hiddenLine xmlns:a14="http://schemas.microsoft.com/office/drawing/2010/main" xmlns:p14="http://schemas.microsoft.com/office/powerpoint/2010/main" xmlns:a16="http://schemas.microsoft.com/office/drawing/2014/main" xmlns="" w="9525">
                   <a:solidFill>
                     <a:srgbClr val="000000"/>
                   </a:solidFill>
@@ -33395,7 +33413,7 @@
             </a:ln>
             <a:extLst>
               <a:ext uri="{91240B29-F687-4f45-9708-019B960494DF}">
-                <a14:hiddenLine xmlns="" xmlns:a16="http://schemas.microsoft.com/office/drawing/2014/main" xmlns:p14="http://schemas.microsoft.com/office/powerpoint/2010/main" xmlns:a14="http://schemas.microsoft.com/office/drawing/2010/main" w="9525">
+                <a14:hiddenLine xmlns:a14="http://schemas.microsoft.com/office/drawing/2010/main" xmlns:p14="http://schemas.microsoft.com/office/powerpoint/2010/main" xmlns:a16="http://schemas.microsoft.com/office/drawing/2014/main" xmlns="" w="9525">
                   <a:solidFill>
                     <a:srgbClr val="000000"/>
                   </a:solidFill>
@@ -33500,7 +33518,7 @@
             </a:ln>
             <a:extLst>
               <a:ext uri="{91240B29-F687-4f45-9708-019B960494DF}">
-                <a14:hiddenLine xmlns="" xmlns:a16="http://schemas.microsoft.com/office/drawing/2014/main" xmlns:p14="http://schemas.microsoft.com/office/powerpoint/2010/main" xmlns:a14="http://schemas.microsoft.com/office/drawing/2010/main" w="9525">
+                <a14:hiddenLine xmlns:a14="http://schemas.microsoft.com/office/drawing/2010/main" xmlns:p14="http://schemas.microsoft.com/office/powerpoint/2010/main" xmlns:a16="http://schemas.microsoft.com/office/drawing/2014/main" xmlns="" w="9525">
                   <a:solidFill>
                     <a:srgbClr val="000000"/>
                   </a:solidFill>
@@ -33577,7 +33595,7 @@
             </a:ln>
             <a:extLst>
               <a:ext uri="{91240B29-F687-4f45-9708-019B960494DF}">
-                <a14:hiddenLine xmlns="" xmlns:a16="http://schemas.microsoft.com/office/drawing/2014/main" xmlns:p14="http://schemas.microsoft.com/office/powerpoint/2010/main" xmlns:a14="http://schemas.microsoft.com/office/drawing/2010/main" w="9525">
+                <a14:hiddenLine xmlns:a14="http://schemas.microsoft.com/office/drawing/2010/main" xmlns:p14="http://schemas.microsoft.com/office/powerpoint/2010/main" xmlns:a16="http://schemas.microsoft.com/office/drawing/2014/main" xmlns="" w="9525">
                   <a:solidFill>
                     <a:srgbClr val="000000"/>
                   </a:solidFill>
@@ -33654,7 +33672,7 @@
             </a:ln>
             <a:extLst>
               <a:ext uri="{91240B29-F687-4f45-9708-019B960494DF}">
-                <a14:hiddenLine xmlns="" xmlns:a16="http://schemas.microsoft.com/office/drawing/2014/main" xmlns:p14="http://schemas.microsoft.com/office/powerpoint/2010/main" xmlns:a14="http://schemas.microsoft.com/office/drawing/2010/main" w="9525">
+                <a14:hiddenLine xmlns:a14="http://schemas.microsoft.com/office/drawing/2010/main" xmlns:p14="http://schemas.microsoft.com/office/powerpoint/2010/main" xmlns:a16="http://schemas.microsoft.com/office/drawing/2014/main" xmlns="" w="9525">
                   <a:solidFill>
                     <a:srgbClr val="000000"/>
                   </a:solidFill>
@@ -33759,7 +33777,7 @@
             </a:ln>
             <a:extLst>
               <a:ext uri="{91240B29-F687-4f45-9708-019B960494DF}">
-                <a14:hiddenLine xmlns="" xmlns:a16="http://schemas.microsoft.com/office/drawing/2014/main" xmlns:p14="http://schemas.microsoft.com/office/powerpoint/2010/main" xmlns:a14="http://schemas.microsoft.com/office/drawing/2010/main" w="9525">
+                <a14:hiddenLine xmlns:a14="http://schemas.microsoft.com/office/drawing/2010/main" xmlns:p14="http://schemas.microsoft.com/office/powerpoint/2010/main" xmlns:a16="http://schemas.microsoft.com/office/drawing/2014/main" xmlns="" w="9525">
                   <a:solidFill>
                     <a:srgbClr val="000000"/>
                   </a:solidFill>
@@ -33864,7 +33882,7 @@
             </a:ln>
             <a:extLst>
               <a:ext uri="{91240B29-F687-4f45-9708-019B960494DF}">
-                <a14:hiddenLine xmlns="" xmlns:a16="http://schemas.microsoft.com/office/drawing/2014/main" xmlns:p14="http://schemas.microsoft.com/office/powerpoint/2010/main" xmlns:a14="http://schemas.microsoft.com/office/drawing/2010/main" w="9525">
+                <a14:hiddenLine xmlns:a14="http://schemas.microsoft.com/office/drawing/2010/main" xmlns:p14="http://schemas.microsoft.com/office/powerpoint/2010/main" xmlns:a16="http://schemas.microsoft.com/office/drawing/2014/main" xmlns="" w="9525">
                   <a:solidFill>
                     <a:srgbClr val="000000"/>
                   </a:solidFill>
@@ -33941,7 +33959,7 @@
             </a:ln>
             <a:extLst>
               <a:ext uri="{91240B29-F687-4f45-9708-019B960494DF}">
-                <a14:hiddenLine xmlns="" xmlns:a16="http://schemas.microsoft.com/office/drawing/2014/main" xmlns:p14="http://schemas.microsoft.com/office/powerpoint/2010/main" xmlns:a14="http://schemas.microsoft.com/office/drawing/2010/main" w="9525">
+                <a14:hiddenLine xmlns:a14="http://schemas.microsoft.com/office/drawing/2010/main" xmlns:p14="http://schemas.microsoft.com/office/powerpoint/2010/main" xmlns:a16="http://schemas.microsoft.com/office/drawing/2014/main" xmlns="" w="9525">
                   <a:solidFill>
                     <a:srgbClr val="000000"/>
                   </a:solidFill>
@@ -34066,7 +34084,7 @@
             </a:ln>
             <a:extLst>
               <a:ext uri="{91240B29-F687-4f45-9708-019B960494DF}">
-                <a14:hiddenLine xmlns="" xmlns:a16="http://schemas.microsoft.com/office/drawing/2014/main" xmlns:p14="http://schemas.microsoft.com/office/powerpoint/2010/main" xmlns:a14="http://schemas.microsoft.com/office/drawing/2010/main" w="9525">
+                <a14:hiddenLine xmlns:a14="http://schemas.microsoft.com/office/drawing/2010/main" xmlns:p14="http://schemas.microsoft.com/office/powerpoint/2010/main" xmlns:a16="http://schemas.microsoft.com/office/drawing/2014/main" xmlns="" w="9525">
                   <a:solidFill>
                     <a:srgbClr val="000000"/>
                   </a:solidFill>
@@ -34180,7 +34198,7 @@
             </a:ln>
             <a:extLst>
               <a:ext uri="{91240B29-F687-4f45-9708-019B960494DF}">
-                <a14:hiddenLine xmlns="" xmlns:a16="http://schemas.microsoft.com/office/drawing/2014/main" xmlns:p14="http://schemas.microsoft.com/office/powerpoint/2010/main" xmlns:a14="http://schemas.microsoft.com/office/drawing/2010/main" w="9525">
+                <a14:hiddenLine xmlns:a14="http://schemas.microsoft.com/office/drawing/2010/main" xmlns:p14="http://schemas.microsoft.com/office/powerpoint/2010/main" xmlns:a16="http://schemas.microsoft.com/office/drawing/2014/main" xmlns="" w="9525">
                   <a:solidFill>
                     <a:srgbClr val="000000"/>
                   </a:solidFill>
@@ -34257,7 +34275,7 @@
             </a:ln>
             <a:extLst>
               <a:ext uri="{91240B29-F687-4f45-9708-019B960494DF}">
-                <a14:hiddenLine xmlns="" xmlns:a16="http://schemas.microsoft.com/office/drawing/2014/main" xmlns:p14="http://schemas.microsoft.com/office/powerpoint/2010/main" xmlns:a14="http://schemas.microsoft.com/office/drawing/2010/main" w="9525">
+                <a14:hiddenLine xmlns:a14="http://schemas.microsoft.com/office/drawing/2010/main" xmlns:p14="http://schemas.microsoft.com/office/powerpoint/2010/main" xmlns:a16="http://schemas.microsoft.com/office/drawing/2014/main" xmlns="" w="9525">
                   <a:solidFill>
                     <a:srgbClr val="000000"/>
                   </a:solidFill>
@@ -34334,7 +34352,7 @@
             </a:ln>
             <a:extLst>
               <a:ext uri="{91240B29-F687-4f45-9708-019B960494DF}">
-                <a14:hiddenLine xmlns="" xmlns:a16="http://schemas.microsoft.com/office/drawing/2014/main" xmlns:p14="http://schemas.microsoft.com/office/powerpoint/2010/main" xmlns:a14="http://schemas.microsoft.com/office/drawing/2010/main" w="9525">
+                <a14:hiddenLine xmlns:a14="http://schemas.microsoft.com/office/drawing/2010/main" xmlns:p14="http://schemas.microsoft.com/office/powerpoint/2010/main" xmlns:a16="http://schemas.microsoft.com/office/drawing/2014/main" xmlns="" w="9525">
                   <a:solidFill>
                     <a:srgbClr val="000000"/>
                   </a:solidFill>
@@ -34439,7 +34457,7 @@
             </a:ln>
             <a:extLst>
               <a:ext uri="{91240B29-F687-4f45-9708-019B960494DF}">
-                <a14:hiddenLine xmlns="" xmlns:a16="http://schemas.microsoft.com/office/drawing/2014/main" xmlns:p14="http://schemas.microsoft.com/office/powerpoint/2010/main" xmlns:a14="http://schemas.microsoft.com/office/drawing/2010/main" w="9525">
+                <a14:hiddenLine xmlns:a14="http://schemas.microsoft.com/office/drawing/2010/main" xmlns:p14="http://schemas.microsoft.com/office/powerpoint/2010/main" xmlns:a16="http://schemas.microsoft.com/office/drawing/2014/main" xmlns="" w="9525">
                   <a:solidFill>
                     <a:srgbClr val="000000"/>
                   </a:solidFill>
@@ -34488,7 +34506,7 @@
             </a:ln>
             <a:extLst>
               <a:ext uri="{91240B29-F687-4f45-9708-019B960494DF}">
-                <a14:hiddenLine xmlns="" xmlns:a16="http://schemas.microsoft.com/office/drawing/2014/main" xmlns:p14="http://schemas.microsoft.com/office/powerpoint/2010/main" xmlns:a14="http://schemas.microsoft.com/office/drawing/2010/main" w="9525">
+                <a14:hiddenLine xmlns:a14="http://schemas.microsoft.com/office/drawing/2010/main" xmlns:p14="http://schemas.microsoft.com/office/powerpoint/2010/main" xmlns:a16="http://schemas.microsoft.com/office/drawing/2014/main" xmlns="" w="9525">
                   <a:solidFill>
                     <a:srgbClr val="000000"/>
                   </a:solidFill>
@@ -34568,7 +34586,7 @@
             </a:ln>
             <a:extLst>
               <a:ext uri="{91240B29-F687-4f45-9708-019B960494DF}">
-                <a14:hiddenLine xmlns="" xmlns:a16="http://schemas.microsoft.com/office/drawing/2014/main" xmlns:p14="http://schemas.microsoft.com/office/powerpoint/2010/main" xmlns:a14="http://schemas.microsoft.com/office/drawing/2010/main" w="9525">
+                <a14:hiddenLine xmlns:a14="http://schemas.microsoft.com/office/drawing/2010/main" xmlns:p14="http://schemas.microsoft.com/office/powerpoint/2010/main" xmlns:a16="http://schemas.microsoft.com/office/drawing/2014/main" xmlns="" w="9525">
                   <a:solidFill>
                     <a:srgbClr val="000000"/>
                   </a:solidFill>
@@ -34673,7 +34691,7 @@
             </a:ln>
             <a:extLst>
               <a:ext uri="{91240B29-F687-4f45-9708-019B960494DF}">
-                <a14:hiddenLine xmlns="" xmlns:a16="http://schemas.microsoft.com/office/drawing/2014/main" xmlns:p14="http://schemas.microsoft.com/office/powerpoint/2010/main" xmlns:a14="http://schemas.microsoft.com/office/drawing/2010/main" w="9525">
+                <a14:hiddenLine xmlns:a14="http://schemas.microsoft.com/office/drawing/2010/main" xmlns:p14="http://schemas.microsoft.com/office/powerpoint/2010/main" xmlns:a16="http://schemas.microsoft.com/office/drawing/2014/main" xmlns="" w="9525">
                   <a:solidFill>
                     <a:srgbClr val="000000"/>
                   </a:solidFill>
@@ -34750,7 +34768,7 @@
             </a:ln>
             <a:extLst>
               <a:ext uri="{91240B29-F687-4f45-9708-019B960494DF}">
-                <a14:hiddenLine xmlns="" xmlns:a16="http://schemas.microsoft.com/office/drawing/2014/main" xmlns:p14="http://schemas.microsoft.com/office/powerpoint/2010/main" xmlns:a14="http://schemas.microsoft.com/office/drawing/2010/main" w="9525">
+                <a14:hiddenLine xmlns:a14="http://schemas.microsoft.com/office/drawing/2010/main" xmlns:p14="http://schemas.microsoft.com/office/powerpoint/2010/main" xmlns:a16="http://schemas.microsoft.com/office/drawing/2014/main" xmlns="" w="9525">
                   <a:solidFill>
                     <a:srgbClr val="000000"/>
                   </a:solidFill>
@@ -34855,7 +34873,7 @@
             </a:ln>
             <a:extLst>
               <a:ext uri="{91240B29-F687-4f45-9708-019B960494DF}">
-                <a14:hiddenLine xmlns="" xmlns:a16="http://schemas.microsoft.com/office/drawing/2014/main" xmlns:p14="http://schemas.microsoft.com/office/powerpoint/2010/main" xmlns:a14="http://schemas.microsoft.com/office/drawing/2010/main" w="9525">
+                <a14:hiddenLine xmlns:a14="http://schemas.microsoft.com/office/drawing/2010/main" xmlns:p14="http://schemas.microsoft.com/office/powerpoint/2010/main" xmlns:a16="http://schemas.microsoft.com/office/drawing/2014/main" xmlns="" w="9525">
                   <a:solidFill>
                     <a:srgbClr val="000000"/>
                   </a:solidFill>
@@ -34935,7 +34953,7 @@
             </a:ln>
             <a:extLst>
               <a:ext uri="{91240B29-F687-4f45-9708-019B960494DF}">
-                <a14:hiddenLine xmlns="" xmlns:a16="http://schemas.microsoft.com/office/drawing/2014/main" xmlns:p14="http://schemas.microsoft.com/office/powerpoint/2010/main" xmlns:a14="http://schemas.microsoft.com/office/drawing/2010/main" w="9525">
+                <a14:hiddenLine xmlns:a14="http://schemas.microsoft.com/office/drawing/2010/main" xmlns:p14="http://schemas.microsoft.com/office/powerpoint/2010/main" xmlns:a16="http://schemas.microsoft.com/office/drawing/2014/main" xmlns="" w="9525">
                   <a:solidFill>
                     <a:srgbClr val="000000"/>
                   </a:solidFill>
@@ -35012,7 +35030,7 @@
             </a:ln>
             <a:extLst>
               <a:ext uri="{91240B29-F687-4f45-9708-019B960494DF}">
-                <a14:hiddenLine xmlns="" xmlns:a16="http://schemas.microsoft.com/office/drawing/2014/main" xmlns:p14="http://schemas.microsoft.com/office/powerpoint/2010/main" xmlns:a14="http://schemas.microsoft.com/office/drawing/2010/main" w="9525">
+                <a14:hiddenLine xmlns:a14="http://schemas.microsoft.com/office/drawing/2010/main" xmlns:p14="http://schemas.microsoft.com/office/powerpoint/2010/main" xmlns:a16="http://schemas.microsoft.com/office/drawing/2014/main" xmlns="" w="9525">
                   <a:solidFill>
                     <a:srgbClr val="000000"/>
                   </a:solidFill>
@@ -35117,7 +35135,7 @@
             </a:ln>
             <a:extLst>
               <a:ext uri="{91240B29-F687-4f45-9708-019B960494DF}">
-                <a14:hiddenLine xmlns="" xmlns:a16="http://schemas.microsoft.com/office/drawing/2014/main" xmlns:p14="http://schemas.microsoft.com/office/powerpoint/2010/main" xmlns:a14="http://schemas.microsoft.com/office/drawing/2010/main" w="9525">
+                <a14:hiddenLine xmlns:a14="http://schemas.microsoft.com/office/drawing/2010/main" xmlns:p14="http://schemas.microsoft.com/office/powerpoint/2010/main" xmlns:a16="http://schemas.microsoft.com/office/drawing/2014/main" xmlns="" w="9525">
                   <a:solidFill>
                     <a:srgbClr val="000000"/>
                   </a:solidFill>
@@ -35222,7 +35240,7 @@
             </a:ln>
             <a:extLst>
               <a:ext uri="{91240B29-F687-4f45-9708-019B960494DF}">
-                <a14:hiddenLine xmlns="" xmlns:a16="http://schemas.microsoft.com/office/drawing/2014/main" xmlns:p14="http://schemas.microsoft.com/office/powerpoint/2010/main" xmlns:a14="http://schemas.microsoft.com/office/drawing/2010/main" w="9525">
+                <a14:hiddenLine xmlns:a14="http://schemas.microsoft.com/office/drawing/2010/main" xmlns:p14="http://schemas.microsoft.com/office/powerpoint/2010/main" xmlns:a16="http://schemas.microsoft.com/office/drawing/2014/main" xmlns="" w="9525">
                   <a:solidFill>
                     <a:srgbClr val="000000"/>
                   </a:solidFill>
@@ -35302,7 +35320,7 @@
             </a:ln>
             <a:extLst>
               <a:ext uri="{91240B29-F687-4f45-9708-019B960494DF}">
-                <a14:hiddenLine xmlns="" xmlns:a16="http://schemas.microsoft.com/office/drawing/2014/main" xmlns:p14="http://schemas.microsoft.com/office/powerpoint/2010/main" xmlns:a14="http://schemas.microsoft.com/office/drawing/2010/main" w="9525">
+                <a14:hiddenLine xmlns:a14="http://schemas.microsoft.com/office/drawing/2010/main" xmlns:p14="http://schemas.microsoft.com/office/powerpoint/2010/main" xmlns:a16="http://schemas.microsoft.com/office/drawing/2014/main" xmlns="" w="9525">
                   <a:solidFill>
                     <a:srgbClr val="000000"/>
                   </a:solidFill>
@@ -35437,7 +35455,7 @@
             </a:ln>
             <a:extLst>
               <a:ext uri="{91240B29-F687-4f45-9708-019B960494DF}">
-                <a14:hiddenLine xmlns="" xmlns:a16="http://schemas.microsoft.com/office/drawing/2014/main" xmlns:p14="http://schemas.microsoft.com/office/powerpoint/2010/main" xmlns:a14="http://schemas.microsoft.com/office/drawing/2010/main" w="9525">
+                <a14:hiddenLine xmlns:a14="http://schemas.microsoft.com/office/drawing/2010/main" xmlns:p14="http://schemas.microsoft.com/office/powerpoint/2010/main" xmlns:a16="http://schemas.microsoft.com/office/drawing/2014/main" xmlns="" w="9525">
                   <a:solidFill>
                     <a:srgbClr val="000000"/>
                   </a:solidFill>

--- a/Presentation_Tweet.pptx
+++ b/Presentation_Tweet.pptx
@@ -2857,23 +2857,31 @@
         <a:bodyPr/>
         <a:lstStyle/>
         <a:p>
+          <a:pPr>
+            <a:lnSpc>
+              <a:spcPct val="100000"/>
+            </a:lnSpc>
+            <a:spcAft>
+              <a:spcPts val="0"/>
+            </a:spcAft>
+          </a:pPr>
           <a:r>
             <a:rPr lang="en-US" sz="2400" dirty="0"/>
             <a:t>Vectorize: </a:t>
           </a:r>
+        </a:p>
+        <a:p>
+          <a:pPr>
+            <a:lnSpc>
+              <a:spcPct val="100000"/>
+            </a:lnSpc>
+            <a:spcAft>
+              <a:spcPts val="0"/>
+            </a:spcAft>
+          </a:pPr>
           <a:r>
             <a:rPr lang="en-US" sz="2400" dirty="0" err="1"/>
-            <a:t>Tfidf</a:t>
-          </a:r>
-          <a:r>
-            <a:rPr lang="en-US" sz="2400" dirty="0"/>
-            <a:t>  </a:t>
-          </a:r>
-        </a:p>
-        <a:p>
-          <a:r>
-            <a:rPr lang="en-US" sz="2400" dirty="0" err="1"/>
-            <a:t>TfidfVectorizer</a:t>
+            <a:t>CountVectorizer</a:t>
           </a:r>
           <a:r>
             <a:rPr lang="en-US" sz="2400" dirty="0"/>
@@ -2897,6 +2905,14 @@
           </a:r>
         </a:p>
         <a:p>
+          <a:pPr>
+            <a:lnSpc>
+              <a:spcPct val="100000"/>
+            </a:lnSpc>
+            <a:spcAft>
+              <a:spcPts val="0"/>
+            </a:spcAft>
+          </a:pPr>
           <a:r>
             <a:rPr lang="en-US" sz="2400" dirty="0" err="1"/>
             <a:t>train_test_split</a:t>
@@ -2904,6 +2920,14 @@
           <a:endParaRPr lang="en-US" sz="2400" dirty="0"/>
         </a:p>
         <a:p>
+          <a:pPr>
+            <a:lnSpc>
+              <a:spcPct val="100000"/>
+            </a:lnSpc>
+            <a:spcAft>
+              <a:spcPts val="0"/>
+            </a:spcAft>
+          </a:pPr>
           <a:r>
             <a:rPr lang="en-US" sz="2400" dirty="0" err="1"/>
             <a:t>Fit_transform</a:t>
@@ -2922,6 +2946,14 @@
           </a:r>
         </a:p>
         <a:p>
+          <a:pPr>
+            <a:lnSpc>
+              <a:spcPct val="100000"/>
+            </a:lnSpc>
+            <a:spcAft>
+              <a:spcPts val="0"/>
+            </a:spcAft>
+          </a:pPr>
           <a:r>
             <a:rPr lang="en-US" sz="2400" dirty="0"/>
             <a:t>Transform(</a:t>
@@ -2933,6 +2965,28 @@
           <a:r>
             <a:rPr lang="en-US" sz="2400" dirty="0"/>
             <a:t>)</a:t>
+          </a:r>
+        </a:p>
+        <a:p>
+          <a:pPr>
+            <a:lnSpc>
+              <a:spcPct val="100000"/>
+            </a:lnSpc>
+            <a:spcAft>
+              <a:spcPts val="0"/>
+            </a:spcAft>
+          </a:pPr>
+          <a:r>
+            <a:rPr lang="en-US" sz="2400" dirty="0"/>
+            <a:t>(Also tried </a:t>
+          </a:r>
+          <a:r>
+            <a:rPr lang="en-US" sz="2400" dirty="0" err="1"/>
+            <a:t>tfidf</a:t>
+          </a:r>
+          <a:r>
+            <a:rPr lang="en-US" sz="2400" dirty="0"/>
+            <a:t>, slightly lower accuracy)</a:t>
           </a:r>
         </a:p>
       </dgm:t>
@@ -3170,7 +3224,7 @@
         <a:p>
           <a:r>
             <a:rPr lang="en-US" dirty="0"/>
-            <a:t>0.50</a:t>
+            <a:t>0.52</a:t>
           </a:r>
         </a:p>
       </dgm:t>
@@ -3243,7 +3297,7 @@
         <a:p>
           <a:r>
             <a:rPr lang="en-US" dirty="0"/>
-            <a:t>0.58</a:t>
+            <a:t>0.60</a:t>
           </a:r>
         </a:p>
       </dgm:t>
@@ -4496,13 +4550,13 @@
         <a:p>
           <a:pPr marL="0" lvl="0" indent="0" algn="ctr" defTabSz="1066800">
             <a:lnSpc>
-              <a:spcPct val="90000"/>
+              <a:spcPct val="100000"/>
             </a:lnSpc>
             <a:spcBef>
               <a:spcPct val="0"/>
             </a:spcBef>
             <a:spcAft>
-              <a:spcPct val="35000"/>
+              <a:spcPts val="0"/>
             </a:spcAft>
             <a:buNone/>
           </a:pPr>
@@ -4510,31 +4564,23 @@
             <a:rPr lang="en-US" sz="2400" kern="1200" dirty="0"/>
             <a:t>Vectorize: </a:t>
           </a:r>
-          <a:r>
-            <a:rPr lang="en-US" sz="2400" kern="1200" dirty="0" err="1"/>
-            <a:t>Tfidf</a:t>
-          </a:r>
-          <a:r>
-            <a:rPr lang="en-US" sz="2400" kern="1200" dirty="0"/>
-            <a:t>  </a:t>
-          </a:r>
         </a:p>
         <a:p>
           <a:pPr marL="0" lvl="0" indent="0" algn="ctr" defTabSz="1066800">
             <a:lnSpc>
-              <a:spcPct val="90000"/>
+              <a:spcPct val="100000"/>
             </a:lnSpc>
             <a:spcBef>
               <a:spcPct val="0"/>
             </a:spcBef>
             <a:spcAft>
-              <a:spcPct val="35000"/>
+              <a:spcPts val="0"/>
             </a:spcAft>
             <a:buNone/>
           </a:pPr>
           <a:r>
             <a:rPr lang="en-US" sz="2400" kern="1200" dirty="0" err="1"/>
-            <a:t>TfidfVectorizer</a:t>
+            <a:t>CountVectorizer</a:t>
           </a:r>
           <a:r>
             <a:rPr lang="en-US" sz="2400" kern="1200" dirty="0"/>
@@ -4560,13 +4606,13 @@
         <a:p>
           <a:pPr marL="0" lvl="0" indent="0" algn="ctr" defTabSz="1066800">
             <a:lnSpc>
-              <a:spcPct val="90000"/>
+              <a:spcPct val="100000"/>
             </a:lnSpc>
             <a:spcBef>
               <a:spcPct val="0"/>
             </a:spcBef>
             <a:spcAft>
-              <a:spcPct val="35000"/>
+              <a:spcPts val="0"/>
             </a:spcAft>
             <a:buNone/>
           </a:pPr>
@@ -4579,13 +4625,13 @@
         <a:p>
           <a:pPr marL="0" lvl="0" indent="0" algn="ctr" defTabSz="1066800">
             <a:lnSpc>
-              <a:spcPct val="90000"/>
+              <a:spcPct val="100000"/>
             </a:lnSpc>
             <a:spcBef>
               <a:spcPct val="0"/>
             </a:spcBef>
             <a:spcAft>
-              <a:spcPct val="35000"/>
+              <a:spcPts val="0"/>
             </a:spcAft>
             <a:buNone/>
           </a:pPr>
@@ -4609,13 +4655,13 @@
         <a:p>
           <a:pPr marL="0" lvl="0" indent="0" algn="ctr" defTabSz="1066800">
             <a:lnSpc>
-              <a:spcPct val="90000"/>
+              <a:spcPct val="100000"/>
             </a:lnSpc>
             <a:spcBef>
               <a:spcPct val="0"/>
             </a:spcBef>
             <a:spcAft>
-              <a:spcPct val="35000"/>
+              <a:spcPts val="0"/>
             </a:spcAft>
             <a:buNone/>
           </a:pPr>
@@ -4630,6 +4676,32 @@
           <a:r>
             <a:rPr lang="en-US" sz="2400" kern="1200" dirty="0"/>
             <a:t>)</a:t>
+          </a:r>
+        </a:p>
+        <a:p>
+          <a:pPr marL="0" lvl="0" indent="0" algn="ctr" defTabSz="1066800">
+            <a:lnSpc>
+              <a:spcPct val="100000"/>
+            </a:lnSpc>
+            <a:spcBef>
+              <a:spcPct val="0"/>
+            </a:spcBef>
+            <a:spcAft>
+              <a:spcPts val="0"/>
+            </a:spcAft>
+            <a:buNone/>
+          </a:pPr>
+          <a:r>
+            <a:rPr lang="en-US" sz="2400" kern="1200" dirty="0"/>
+            <a:t>(Also tried </a:t>
+          </a:r>
+          <a:r>
+            <a:rPr lang="en-US" sz="2400" kern="1200" dirty="0" err="1"/>
+            <a:t>tfidf</a:t>
+          </a:r>
+          <a:r>
+            <a:rPr lang="en-US" sz="2400" kern="1200" dirty="0"/>
+            <a:t>, slightly lower accuracy)</a:t>
           </a:r>
         </a:p>
       </dsp:txBody>
@@ -4954,7 +5026,7 @@
           </a:pPr>
           <a:r>
             <a:rPr lang="en-US" sz="5200" kern="1200" dirty="0"/>
-            <a:t>0.50</a:t>
+            <a:t>0.52</a:t>
           </a:r>
         </a:p>
       </dsp:txBody>
@@ -5111,7 +5183,7 @@
           </a:pPr>
           <a:r>
             <a:rPr lang="en-US" sz="5200" kern="1200" dirty="0"/>
-            <a:t>0.58</a:t>
+            <a:t>0.60</a:t>
           </a:r>
         </a:p>
       </dsp:txBody>
@@ -9868,7 +9940,7 @@
           <a:noFill/>
           <a:extLst>
             <a:ext uri="{909E8E84-426E-40dd-AFC4-6F175D3DCCD1}">
-              <a14:hiddenFill xmlns="" xmlns:a14="http://schemas.microsoft.com/office/drawing/2010/main">
+              <a14:hiddenFill xmlns:a14="http://schemas.microsoft.com/office/drawing/2010/main" xmlns="">
                 <a:solidFill>
                   <a:srgbClr val="FFFFFF"/>
                 </a:solidFill>
@@ -9928,7 +10000,7 @@
             </a:ln>
             <a:extLst>
               <a:ext uri="{91240B29-F687-4f45-9708-019B960494DF}">
-                <a14:hiddenLine xmlns="" xmlns:a14="http://schemas.microsoft.com/office/drawing/2010/main" w="9525">
+                <a14:hiddenLine xmlns:a14="http://schemas.microsoft.com/office/drawing/2010/main" xmlns="" w="9525">
                   <a:solidFill>
                     <a:srgbClr val="000000"/>
                   </a:solidFill>
@@ -10018,7 +10090,7 @@
             </a:ln>
             <a:extLst>
               <a:ext uri="{91240B29-F687-4f45-9708-019B960494DF}">
-                <a14:hiddenLine xmlns="" xmlns:a14="http://schemas.microsoft.com/office/drawing/2010/main" w="9525">
+                <a14:hiddenLine xmlns:a14="http://schemas.microsoft.com/office/drawing/2010/main" xmlns="" w="9525">
                   <a:solidFill>
                     <a:srgbClr val="000000"/>
                   </a:solidFill>
@@ -10108,7 +10180,7 @@
             </a:ln>
             <a:extLst>
               <a:ext uri="{91240B29-F687-4f45-9708-019B960494DF}">
-                <a14:hiddenLine xmlns="" xmlns:a14="http://schemas.microsoft.com/office/drawing/2010/main" w="9525">
+                <a14:hiddenLine xmlns:a14="http://schemas.microsoft.com/office/drawing/2010/main" xmlns="" w="9525">
                   <a:solidFill>
                     <a:srgbClr val="000000"/>
                   </a:solidFill>
@@ -10142,7 +10214,7 @@
             </a:ln>
             <a:extLst>
               <a:ext uri="{91240B29-F687-4f45-9708-019B960494DF}">
-                <a14:hiddenLine xmlns="" xmlns:a14="http://schemas.microsoft.com/office/drawing/2010/main" w="9525">
+                <a14:hiddenLine xmlns:a14="http://schemas.microsoft.com/office/drawing/2010/main" xmlns="" w="9525">
                   <a:solidFill>
                     <a:srgbClr val="000000"/>
                   </a:solidFill>
@@ -10232,7 +10304,7 @@
             </a:ln>
             <a:extLst>
               <a:ext uri="{91240B29-F687-4f45-9708-019B960494DF}">
-                <a14:hiddenLine xmlns="" xmlns:a14="http://schemas.microsoft.com/office/drawing/2010/main" w="9525">
+                <a14:hiddenLine xmlns:a14="http://schemas.microsoft.com/office/drawing/2010/main" xmlns="" w="9525">
                   <a:solidFill>
                     <a:srgbClr val="000000"/>
                   </a:solidFill>
@@ -10294,7 +10366,7 @@
             </a:ln>
             <a:extLst>
               <a:ext uri="{91240B29-F687-4f45-9708-019B960494DF}">
-                <a14:hiddenLine xmlns="" xmlns:a14="http://schemas.microsoft.com/office/drawing/2010/main" w="9525">
+                <a14:hiddenLine xmlns:a14="http://schemas.microsoft.com/office/drawing/2010/main" xmlns="" w="9525">
                   <a:solidFill>
                     <a:srgbClr val="000000"/>
                   </a:solidFill>
@@ -10356,7 +10428,7 @@
             </a:ln>
             <a:extLst>
               <a:ext uri="{91240B29-F687-4f45-9708-019B960494DF}">
-                <a14:hiddenLine xmlns="" xmlns:a14="http://schemas.microsoft.com/office/drawing/2010/main" w="9525">
+                <a14:hiddenLine xmlns:a14="http://schemas.microsoft.com/office/drawing/2010/main" xmlns="" w="9525">
                   <a:solidFill>
                     <a:srgbClr val="000000"/>
                   </a:solidFill>
@@ -10446,7 +10518,7 @@
             </a:ln>
             <a:extLst>
               <a:ext uri="{91240B29-F687-4f45-9708-019B960494DF}">
-                <a14:hiddenLine xmlns="" xmlns:a14="http://schemas.microsoft.com/office/drawing/2010/main" w="9525">
+                <a14:hiddenLine xmlns:a14="http://schemas.microsoft.com/office/drawing/2010/main" xmlns="" w="9525">
                   <a:solidFill>
                     <a:srgbClr val="000000"/>
                   </a:solidFill>
@@ -10508,7 +10580,7 @@
             </a:ln>
             <a:extLst>
               <a:ext uri="{91240B29-F687-4f45-9708-019B960494DF}">
-                <a14:hiddenLine xmlns="" xmlns:a14="http://schemas.microsoft.com/office/drawing/2010/main" w="9525">
+                <a14:hiddenLine xmlns:a14="http://schemas.microsoft.com/office/drawing/2010/main" xmlns="" w="9525">
                   <a:solidFill>
                     <a:srgbClr val="000000"/>
                   </a:solidFill>
@@ -10570,7 +10642,7 @@
             </a:ln>
             <a:extLst>
               <a:ext uri="{91240B29-F687-4f45-9708-019B960494DF}">
-                <a14:hiddenLine xmlns="" xmlns:a14="http://schemas.microsoft.com/office/drawing/2010/main" w="9525">
+                <a14:hiddenLine xmlns:a14="http://schemas.microsoft.com/office/drawing/2010/main" xmlns="" w="9525">
                   <a:solidFill>
                     <a:srgbClr val="000000"/>
                   </a:solidFill>
@@ -10660,7 +10732,7 @@
             </a:ln>
             <a:extLst>
               <a:ext uri="{91240B29-F687-4f45-9708-019B960494DF}">
-                <a14:hiddenLine xmlns="" xmlns:a14="http://schemas.microsoft.com/office/drawing/2010/main" w="9525">
+                <a14:hiddenLine xmlns:a14="http://schemas.microsoft.com/office/drawing/2010/main" xmlns="" w="9525">
                   <a:solidFill>
                     <a:srgbClr val="000000"/>
                   </a:solidFill>
@@ -10750,7 +10822,7 @@
             </a:ln>
             <a:extLst>
               <a:ext uri="{91240B29-F687-4f45-9708-019B960494DF}">
-                <a14:hiddenLine xmlns="" xmlns:a14="http://schemas.microsoft.com/office/drawing/2010/main" w="9525">
+                <a14:hiddenLine xmlns:a14="http://schemas.microsoft.com/office/drawing/2010/main" xmlns="" w="9525">
                   <a:solidFill>
                     <a:srgbClr val="000000"/>
                   </a:solidFill>
@@ -10812,7 +10884,7 @@
             </a:ln>
             <a:extLst>
               <a:ext uri="{91240B29-F687-4f45-9708-019B960494DF}">
-                <a14:hiddenLine xmlns="" xmlns:a14="http://schemas.microsoft.com/office/drawing/2010/main" w="9525">
+                <a14:hiddenLine xmlns:a14="http://schemas.microsoft.com/office/drawing/2010/main" xmlns="" w="9525">
                   <a:solidFill>
                     <a:srgbClr val="000000"/>
                   </a:solidFill>
@@ -10922,7 +10994,7 @@
             </a:ln>
             <a:extLst>
               <a:ext uri="{91240B29-F687-4f45-9708-019B960494DF}">
-                <a14:hiddenLine xmlns="" xmlns:a14="http://schemas.microsoft.com/office/drawing/2010/main" w="9525">
+                <a14:hiddenLine xmlns:a14="http://schemas.microsoft.com/office/drawing/2010/main" xmlns="" w="9525">
                   <a:solidFill>
                     <a:srgbClr val="000000"/>
                   </a:solidFill>
@@ -10984,7 +11056,7 @@
             </a:ln>
             <a:extLst>
               <a:ext uri="{91240B29-F687-4f45-9708-019B960494DF}">
-                <a14:hiddenLine xmlns="" xmlns:a14="http://schemas.microsoft.com/office/drawing/2010/main" w="9525">
+                <a14:hiddenLine xmlns:a14="http://schemas.microsoft.com/office/drawing/2010/main" xmlns="" w="9525">
                   <a:solidFill>
                     <a:srgbClr val="000000"/>
                   </a:solidFill>
@@ -11074,7 +11146,7 @@
             </a:ln>
             <a:extLst>
               <a:ext uri="{91240B29-F687-4f45-9708-019B960494DF}">
-                <a14:hiddenLine xmlns="" xmlns:a14="http://schemas.microsoft.com/office/drawing/2010/main" w="9525">
+                <a14:hiddenLine xmlns:a14="http://schemas.microsoft.com/office/drawing/2010/main" xmlns="" w="9525">
                   <a:solidFill>
                     <a:srgbClr val="000000"/>
                   </a:solidFill>
@@ -11164,7 +11236,7 @@
             </a:ln>
             <a:extLst>
               <a:ext uri="{91240B29-F687-4f45-9708-019B960494DF}">
-                <a14:hiddenLine xmlns="" xmlns:a14="http://schemas.microsoft.com/office/drawing/2010/main" w="9525">
+                <a14:hiddenLine xmlns:a14="http://schemas.microsoft.com/office/drawing/2010/main" xmlns="" w="9525">
                   <a:solidFill>
                     <a:srgbClr val="000000"/>
                   </a:solidFill>
@@ -11226,7 +11298,7 @@
             </a:ln>
             <a:extLst>
               <a:ext uri="{91240B29-F687-4f45-9708-019B960494DF}">
-                <a14:hiddenLine xmlns="" xmlns:a14="http://schemas.microsoft.com/office/drawing/2010/main" w="9525">
+                <a14:hiddenLine xmlns:a14="http://schemas.microsoft.com/office/drawing/2010/main" xmlns="" w="9525">
                   <a:solidFill>
                     <a:srgbClr val="000000"/>
                   </a:solidFill>
@@ -11316,7 +11388,7 @@
             </a:ln>
             <a:extLst>
               <a:ext uri="{91240B29-F687-4f45-9708-019B960494DF}">
-                <a14:hiddenLine xmlns="" xmlns:a14="http://schemas.microsoft.com/office/drawing/2010/main" w="9525">
+                <a14:hiddenLine xmlns:a14="http://schemas.microsoft.com/office/drawing/2010/main" xmlns="" w="9525">
                   <a:solidFill>
                     <a:srgbClr val="000000"/>
                   </a:solidFill>
@@ -11406,7 +11478,7 @@
             </a:ln>
             <a:extLst>
               <a:ext uri="{91240B29-F687-4f45-9708-019B960494DF}">
-                <a14:hiddenLine xmlns="" xmlns:a14="http://schemas.microsoft.com/office/drawing/2010/main" w="9525">
+                <a14:hiddenLine xmlns:a14="http://schemas.microsoft.com/office/drawing/2010/main" xmlns="" w="9525">
                   <a:solidFill>
                     <a:srgbClr val="000000"/>
                   </a:solidFill>
@@ -11462,7 +11534,7 @@
             </a:ln>
             <a:extLst>
               <a:ext uri="{91240B29-F687-4f45-9708-019B960494DF}">
-                <a14:hiddenLine xmlns="" xmlns:a14="http://schemas.microsoft.com/office/drawing/2010/main" w="9525">
+                <a14:hiddenLine xmlns:a14="http://schemas.microsoft.com/office/drawing/2010/main" xmlns="" w="9525">
                   <a:solidFill>
                     <a:srgbClr val="000000"/>
                   </a:solidFill>
@@ -11552,7 +11624,7 @@
             </a:ln>
             <a:extLst>
               <a:ext uri="{91240B29-F687-4f45-9708-019B960494DF}">
-                <a14:hiddenLine xmlns="" xmlns:a14="http://schemas.microsoft.com/office/drawing/2010/main" w="9525">
+                <a14:hiddenLine xmlns:a14="http://schemas.microsoft.com/office/drawing/2010/main" xmlns="" w="9525">
                   <a:solidFill>
                     <a:srgbClr val="000000"/>
                   </a:solidFill>
@@ -11608,7 +11680,7 @@
             </a:ln>
             <a:extLst>
               <a:ext uri="{91240B29-F687-4f45-9708-019B960494DF}">
-                <a14:hiddenLine xmlns="" xmlns:a14="http://schemas.microsoft.com/office/drawing/2010/main" w="9525">
+                <a14:hiddenLine xmlns:a14="http://schemas.microsoft.com/office/drawing/2010/main" xmlns="" w="9525">
                   <a:solidFill>
                     <a:srgbClr val="000000"/>
                   </a:solidFill>
@@ -11698,7 +11770,7 @@
             </a:ln>
             <a:extLst>
               <a:ext uri="{91240B29-F687-4f45-9708-019B960494DF}">
-                <a14:hiddenLine xmlns="" xmlns:a14="http://schemas.microsoft.com/office/drawing/2010/main" w="9525">
+                <a14:hiddenLine xmlns:a14="http://schemas.microsoft.com/office/drawing/2010/main" xmlns="" w="9525">
                   <a:solidFill>
                     <a:srgbClr val="000000"/>
                   </a:solidFill>
@@ -11766,7 +11838,7 @@
             </a:ln>
             <a:extLst>
               <a:ext uri="{91240B29-F687-4f45-9708-019B960494DF}">
-                <a14:hiddenLine xmlns="" xmlns:a14="http://schemas.microsoft.com/office/drawing/2010/main" w="9525">
+                <a14:hiddenLine xmlns:a14="http://schemas.microsoft.com/office/drawing/2010/main" xmlns="" w="9525">
                   <a:solidFill>
                     <a:srgbClr val="000000"/>
                   </a:solidFill>
@@ -11856,7 +11928,7 @@
             </a:ln>
             <a:extLst>
               <a:ext uri="{91240B29-F687-4f45-9708-019B960494DF}">
-                <a14:hiddenLine xmlns="" xmlns:a14="http://schemas.microsoft.com/office/drawing/2010/main" w="9525">
+                <a14:hiddenLine xmlns:a14="http://schemas.microsoft.com/office/drawing/2010/main" xmlns="" w="9525">
                   <a:solidFill>
                     <a:srgbClr val="000000"/>
                   </a:solidFill>
@@ -11924,7 +11996,7 @@
             </a:ln>
             <a:extLst>
               <a:ext uri="{91240B29-F687-4f45-9708-019B960494DF}">
-                <a14:hiddenLine xmlns="" xmlns:a14="http://schemas.microsoft.com/office/drawing/2010/main" w="9525">
+                <a14:hiddenLine xmlns:a14="http://schemas.microsoft.com/office/drawing/2010/main" xmlns="" w="9525">
                   <a:solidFill>
                     <a:srgbClr val="000000"/>
                   </a:solidFill>
@@ -12014,7 +12086,7 @@
             </a:ln>
             <a:extLst>
               <a:ext uri="{91240B29-F687-4f45-9708-019B960494DF}">
-                <a14:hiddenLine xmlns="" xmlns:a14="http://schemas.microsoft.com/office/drawing/2010/main" w="9525">
+                <a14:hiddenLine xmlns:a14="http://schemas.microsoft.com/office/drawing/2010/main" xmlns="" w="9525">
                   <a:solidFill>
                     <a:srgbClr val="000000"/>
                   </a:solidFill>
@@ -12048,7 +12120,7 @@
             </a:ln>
             <a:extLst>
               <a:ext uri="{91240B29-F687-4f45-9708-019B960494DF}">
-                <a14:hiddenLine xmlns="" xmlns:a14="http://schemas.microsoft.com/office/drawing/2010/main" w="9525">
+                <a14:hiddenLine xmlns:a14="http://schemas.microsoft.com/office/drawing/2010/main" xmlns="" w="9525">
                   <a:solidFill>
                     <a:srgbClr val="000000"/>
                   </a:solidFill>
@@ -12138,7 +12210,7 @@
             </a:ln>
             <a:extLst>
               <a:ext uri="{91240B29-F687-4f45-9708-019B960494DF}">
-                <a14:hiddenLine xmlns="" xmlns:a14="http://schemas.microsoft.com/office/drawing/2010/main" w="9525">
+                <a14:hiddenLine xmlns:a14="http://schemas.microsoft.com/office/drawing/2010/main" xmlns="" w="9525">
                   <a:solidFill>
                     <a:srgbClr val="000000"/>
                   </a:solidFill>
@@ -12200,7 +12272,7 @@
             </a:ln>
             <a:extLst>
               <a:ext uri="{91240B29-F687-4f45-9708-019B960494DF}">
-                <a14:hiddenLine xmlns="" xmlns:a14="http://schemas.microsoft.com/office/drawing/2010/main" w="9525">
+                <a14:hiddenLine xmlns:a14="http://schemas.microsoft.com/office/drawing/2010/main" xmlns="" w="9525">
                   <a:solidFill>
                     <a:srgbClr val="000000"/>
                   </a:solidFill>
@@ -12262,7 +12334,7 @@
             </a:ln>
             <a:extLst>
               <a:ext uri="{91240B29-F687-4f45-9708-019B960494DF}">
-                <a14:hiddenLine xmlns="" xmlns:a14="http://schemas.microsoft.com/office/drawing/2010/main" w="9525">
+                <a14:hiddenLine xmlns:a14="http://schemas.microsoft.com/office/drawing/2010/main" xmlns="" w="9525">
                   <a:solidFill>
                     <a:srgbClr val="000000"/>
                   </a:solidFill>
@@ -12352,7 +12424,7 @@
             </a:ln>
             <a:extLst>
               <a:ext uri="{91240B29-F687-4f45-9708-019B960494DF}">
-                <a14:hiddenLine xmlns="" xmlns:a14="http://schemas.microsoft.com/office/drawing/2010/main" w="9525">
+                <a14:hiddenLine xmlns:a14="http://schemas.microsoft.com/office/drawing/2010/main" xmlns="" w="9525">
                   <a:solidFill>
                     <a:srgbClr val="000000"/>
                   </a:solidFill>
@@ -12420,7 +12492,7 @@
             </a:ln>
             <a:extLst>
               <a:ext uri="{91240B29-F687-4f45-9708-019B960494DF}">
-                <a14:hiddenLine xmlns="" xmlns:a14="http://schemas.microsoft.com/office/drawing/2010/main" w="9525">
+                <a14:hiddenLine xmlns:a14="http://schemas.microsoft.com/office/drawing/2010/main" xmlns="" w="9525">
                   <a:solidFill>
                     <a:srgbClr val="000000"/>
                   </a:solidFill>
@@ -12482,7 +12554,7 @@
             </a:ln>
             <a:extLst>
               <a:ext uri="{91240B29-F687-4f45-9708-019B960494DF}">
-                <a14:hiddenLine xmlns="" xmlns:a14="http://schemas.microsoft.com/office/drawing/2010/main" w="9525">
+                <a14:hiddenLine xmlns:a14="http://schemas.microsoft.com/office/drawing/2010/main" xmlns="" w="9525">
                   <a:solidFill>
                     <a:srgbClr val="000000"/>
                   </a:solidFill>
@@ -12572,7 +12644,7 @@
             </a:ln>
             <a:extLst>
               <a:ext uri="{91240B29-F687-4f45-9708-019B960494DF}">
-                <a14:hiddenLine xmlns="" xmlns:a14="http://schemas.microsoft.com/office/drawing/2010/main" w="9525">
+                <a14:hiddenLine xmlns:a14="http://schemas.microsoft.com/office/drawing/2010/main" xmlns="" w="9525">
                   <a:solidFill>
                     <a:srgbClr val="000000"/>
                   </a:solidFill>
@@ -12634,7 +12706,7 @@
             </a:ln>
             <a:extLst>
               <a:ext uri="{91240B29-F687-4f45-9708-019B960494DF}">
-                <a14:hiddenLine xmlns="" xmlns:a14="http://schemas.microsoft.com/office/drawing/2010/main" w="9525">
+                <a14:hiddenLine xmlns:a14="http://schemas.microsoft.com/office/drawing/2010/main" xmlns="" w="9525">
                   <a:solidFill>
                     <a:srgbClr val="000000"/>
                   </a:solidFill>
@@ -12724,7 +12796,7 @@
             </a:ln>
             <a:extLst>
               <a:ext uri="{91240B29-F687-4f45-9708-019B960494DF}">
-                <a14:hiddenLine xmlns="" xmlns:a14="http://schemas.microsoft.com/office/drawing/2010/main" w="9525">
+                <a14:hiddenLine xmlns:a14="http://schemas.microsoft.com/office/drawing/2010/main" xmlns="" w="9525">
                   <a:solidFill>
                     <a:srgbClr val="000000"/>
                   </a:solidFill>
@@ -12786,7 +12858,7 @@
             </a:ln>
             <a:extLst>
               <a:ext uri="{91240B29-F687-4f45-9708-019B960494DF}">
-                <a14:hiddenLine xmlns="" xmlns:a14="http://schemas.microsoft.com/office/drawing/2010/main" w="9525">
+                <a14:hiddenLine xmlns:a14="http://schemas.microsoft.com/office/drawing/2010/main" xmlns="" w="9525">
                   <a:solidFill>
                     <a:srgbClr val="000000"/>
                   </a:solidFill>
@@ -12876,7 +12948,7 @@
             </a:ln>
             <a:extLst>
               <a:ext uri="{91240B29-F687-4f45-9708-019B960494DF}">
-                <a14:hiddenLine xmlns="" xmlns:a14="http://schemas.microsoft.com/office/drawing/2010/main" w="9525">
+                <a14:hiddenLine xmlns:a14="http://schemas.microsoft.com/office/drawing/2010/main" xmlns="" w="9525">
                   <a:solidFill>
                     <a:srgbClr val="000000"/>
                   </a:solidFill>
@@ -12910,7 +12982,7 @@
             </a:ln>
             <a:extLst>
               <a:ext uri="{91240B29-F687-4f45-9708-019B960494DF}">
-                <a14:hiddenLine xmlns="" xmlns:a14="http://schemas.microsoft.com/office/drawing/2010/main" w="9525">
+                <a14:hiddenLine xmlns:a14="http://schemas.microsoft.com/office/drawing/2010/main" xmlns="" w="9525">
                   <a:solidFill>
                     <a:srgbClr val="000000"/>
                   </a:solidFill>
@@ -12975,7 +13047,7 @@
             </a:ln>
             <a:extLst>
               <a:ext uri="{91240B29-F687-4f45-9708-019B960494DF}">
-                <a14:hiddenLine xmlns="" xmlns:a14="http://schemas.microsoft.com/office/drawing/2010/main" w="9525">
+                <a14:hiddenLine xmlns:a14="http://schemas.microsoft.com/office/drawing/2010/main" xmlns="" w="9525">
                   <a:solidFill>
                     <a:srgbClr val="000000"/>
                   </a:solidFill>
@@ -13065,7 +13137,7 @@
             </a:ln>
             <a:extLst>
               <a:ext uri="{91240B29-F687-4f45-9708-019B960494DF}">
-                <a14:hiddenLine xmlns="" xmlns:a14="http://schemas.microsoft.com/office/drawing/2010/main" w="9525">
+                <a14:hiddenLine xmlns:a14="http://schemas.microsoft.com/office/drawing/2010/main" xmlns="" w="9525">
                   <a:solidFill>
                     <a:srgbClr val="000000"/>
                   </a:solidFill>
@@ -13127,7 +13199,7 @@
             </a:ln>
             <a:extLst>
               <a:ext uri="{91240B29-F687-4f45-9708-019B960494DF}">
-                <a14:hiddenLine xmlns="" xmlns:a14="http://schemas.microsoft.com/office/drawing/2010/main" w="9525">
+                <a14:hiddenLine xmlns:a14="http://schemas.microsoft.com/office/drawing/2010/main" xmlns="" w="9525">
                   <a:solidFill>
                     <a:srgbClr val="000000"/>
                   </a:solidFill>
@@ -13217,7 +13289,7 @@
             </a:ln>
             <a:extLst>
               <a:ext uri="{91240B29-F687-4f45-9708-019B960494DF}">
-                <a14:hiddenLine xmlns="" xmlns:a14="http://schemas.microsoft.com/office/drawing/2010/main" w="9525">
+                <a14:hiddenLine xmlns:a14="http://schemas.microsoft.com/office/drawing/2010/main" xmlns="" w="9525">
                   <a:solidFill>
                     <a:srgbClr val="000000"/>
                   </a:solidFill>
@@ -13307,7 +13379,7 @@
             </a:ln>
             <a:extLst>
               <a:ext uri="{91240B29-F687-4f45-9708-019B960494DF}">
-                <a14:hiddenLine xmlns="" xmlns:a14="http://schemas.microsoft.com/office/drawing/2010/main" w="9525">
+                <a14:hiddenLine xmlns:a14="http://schemas.microsoft.com/office/drawing/2010/main" xmlns="" w="9525">
                   <a:solidFill>
                     <a:srgbClr val="000000"/>
                   </a:solidFill>
@@ -13372,7 +13444,7 @@
             </a:ln>
             <a:extLst>
               <a:ext uri="{91240B29-F687-4f45-9708-019B960494DF}">
-                <a14:hiddenLine xmlns="" xmlns:a14="http://schemas.microsoft.com/office/drawing/2010/main" w="9525">
+                <a14:hiddenLine xmlns:a14="http://schemas.microsoft.com/office/drawing/2010/main" xmlns="" w="9525">
                   <a:solidFill>
                     <a:srgbClr val="000000"/>
                   </a:solidFill>
@@ -13434,7 +13506,7 @@
             </a:ln>
             <a:extLst>
               <a:ext uri="{91240B29-F687-4f45-9708-019B960494DF}">
-                <a14:hiddenLine xmlns="" xmlns:a14="http://schemas.microsoft.com/office/drawing/2010/main" w="9525">
+                <a14:hiddenLine xmlns:a14="http://schemas.microsoft.com/office/drawing/2010/main" xmlns="" w="9525">
                   <a:solidFill>
                     <a:srgbClr val="000000"/>
                   </a:solidFill>
@@ -13524,7 +13596,7 @@
             </a:ln>
             <a:extLst>
               <a:ext uri="{91240B29-F687-4f45-9708-019B960494DF}">
-                <a14:hiddenLine xmlns="" xmlns:a14="http://schemas.microsoft.com/office/drawing/2010/main" w="9525">
+                <a14:hiddenLine xmlns:a14="http://schemas.microsoft.com/office/drawing/2010/main" xmlns="" w="9525">
                   <a:solidFill>
                     <a:srgbClr val="000000"/>
                   </a:solidFill>
@@ -13614,7 +13686,7 @@
             </a:ln>
             <a:extLst>
               <a:ext uri="{91240B29-F687-4f45-9708-019B960494DF}">
-                <a14:hiddenLine xmlns="" xmlns:a14="http://schemas.microsoft.com/office/drawing/2010/main" w="9525">
+                <a14:hiddenLine xmlns:a14="http://schemas.microsoft.com/office/drawing/2010/main" xmlns="" w="9525">
                   <a:solidFill>
                     <a:srgbClr val="000000"/>
                   </a:solidFill>
@@ -13676,7 +13748,7 @@
             </a:ln>
             <a:extLst>
               <a:ext uri="{91240B29-F687-4f45-9708-019B960494DF}">
-                <a14:hiddenLine xmlns="" xmlns:a14="http://schemas.microsoft.com/office/drawing/2010/main" w="9525">
+                <a14:hiddenLine xmlns:a14="http://schemas.microsoft.com/office/drawing/2010/main" xmlns="" w="9525">
                   <a:solidFill>
                     <a:srgbClr val="000000"/>
                   </a:solidFill>
@@ -13796,7 +13868,7 @@
             </a:ln>
             <a:extLst>
               <a:ext uri="{91240B29-F687-4f45-9708-019B960494DF}">
-                <a14:hiddenLine xmlns="" xmlns:a14="http://schemas.microsoft.com/office/drawing/2010/main" w="9525">
+                <a14:hiddenLine xmlns:a14="http://schemas.microsoft.com/office/drawing/2010/main" xmlns="" w="9525">
                   <a:solidFill>
                     <a:srgbClr val="000000"/>
                   </a:solidFill>
@@ -13864,7 +13936,7 @@
             </a:ln>
             <a:extLst>
               <a:ext uri="{91240B29-F687-4f45-9708-019B960494DF}">
-                <a14:hiddenLine xmlns="" xmlns:a14="http://schemas.microsoft.com/office/drawing/2010/main" w="9525">
+                <a14:hiddenLine xmlns:a14="http://schemas.microsoft.com/office/drawing/2010/main" xmlns="" w="9525">
                   <a:solidFill>
                     <a:srgbClr val="000000"/>
                   </a:solidFill>
@@ -13954,7 +14026,7 @@
             </a:ln>
             <a:extLst>
               <a:ext uri="{91240B29-F687-4f45-9708-019B960494DF}">
-                <a14:hiddenLine xmlns="" xmlns:a14="http://schemas.microsoft.com/office/drawing/2010/main" w="9525">
+                <a14:hiddenLine xmlns:a14="http://schemas.microsoft.com/office/drawing/2010/main" xmlns="" w="9525">
                   <a:solidFill>
                     <a:srgbClr val="000000"/>
                   </a:solidFill>
@@ -14094,7 +14166,7 @@
           <a:p>
             <a:fld id="{48A87A34-81AB-432B-8DAE-1953F412C126}" type="datetimeFigureOut">
               <a:rPr lang="en-US" dirty="0"/>
-              <a:t>11/13/21</a:t>
+              <a:t>12/29/21</a:t>
             </a:fld>
             <a:endParaRPr lang="en-US" dirty="0"/>
           </a:p>
@@ -14356,7 +14428,7 @@
           <a:p>
             <a:fld id="{48A87A34-81AB-432B-8DAE-1953F412C126}" type="datetimeFigureOut">
               <a:rPr lang="en-US" dirty="0"/>
-              <a:t>11/13/21</a:t>
+              <a:t>12/29/21</a:t>
             </a:fld>
             <a:endParaRPr lang="en-US" dirty="0"/>
           </a:p>
@@ -14547,7 +14619,7 @@
           <a:p>
             <a:fld id="{48A87A34-81AB-432B-8DAE-1953F412C126}" type="datetimeFigureOut">
               <a:rPr lang="en-US" dirty="0"/>
-              <a:t>11/13/21</a:t>
+              <a:t>12/29/21</a:t>
             </a:fld>
             <a:endParaRPr lang="en-US" dirty="0"/>
           </a:p>
@@ -14805,7 +14877,7 @@
           <a:p>
             <a:fld id="{48A87A34-81AB-432B-8DAE-1953F412C126}" type="datetimeFigureOut">
               <a:rPr lang="en-US" dirty="0"/>
-              <a:t>11/13/21</a:t>
+              <a:t>12/29/21</a:t>
             </a:fld>
             <a:endParaRPr lang="en-US" dirty="0"/>
           </a:p>
@@ -15234,7 +15306,7 @@
           <a:p>
             <a:fld id="{48A87A34-81AB-432B-8DAE-1953F412C126}" type="datetimeFigureOut">
               <a:rPr lang="en-US" dirty="0"/>
-              <a:t>11/13/21</a:t>
+              <a:t>12/29/21</a:t>
             </a:fld>
             <a:endParaRPr lang="en-US" dirty="0"/>
           </a:p>
@@ -15775,7 +15847,7 @@
           <a:p>
             <a:fld id="{48A87A34-81AB-432B-8DAE-1953F412C126}" type="datetimeFigureOut">
               <a:rPr lang="en-US" dirty="0"/>
-              <a:t>11/13/21</a:t>
+              <a:t>12/29/21</a:t>
             </a:fld>
             <a:endParaRPr lang="en-US" dirty="0"/>
           </a:p>
@@ -16490,7 +16562,7 @@
           <a:p>
             <a:fld id="{48A87A34-81AB-432B-8DAE-1953F412C126}" type="datetimeFigureOut">
               <a:rPr lang="en-US" dirty="0"/>
-              <a:t>11/13/21</a:t>
+              <a:t>12/29/21</a:t>
             </a:fld>
             <a:endParaRPr lang="en-US" dirty="0"/>
           </a:p>
@@ -16655,7 +16727,7 @@
           <a:p>
             <a:fld id="{48A87A34-81AB-432B-8DAE-1953F412C126}" type="datetimeFigureOut">
               <a:rPr lang="en-US" dirty="0"/>
-              <a:t>11/13/21</a:t>
+              <a:t>12/29/21</a:t>
             </a:fld>
             <a:endParaRPr lang="en-US" dirty="0"/>
           </a:p>
@@ -16830,7 +16902,7 @@
           <a:p>
             <a:fld id="{48A87A34-81AB-432B-8DAE-1953F412C126}" type="datetimeFigureOut">
               <a:rPr lang="en-US" dirty="0"/>
-              <a:t>11/13/21</a:t>
+              <a:t>12/29/21</a:t>
             </a:fld>
             <a:endParaRPr lang="en-US" dirty="0"/>
           </a:p>
@@ -16995,7 +17067,7 @@
           <a:p>
             <a:fld id="{48A87A34-81AB-432B-8DAE-1953F412C126}" type="datetimeFigureOut">
               <a:rPr lang="en-US" dirty="0"/>
-              <a:t>11/13/21</a:t>
+              <a:t>12/29/21</a:t>
             </a:fld>
             <a:endParaRPr lang="en-US" dirty="0"/>
           </a:p>
@@ -17240,7 +17312,7 @@
           <a:p>
             <a:fld id="{48A87A34-81AB-432B-8DAE-1953F412C126}" type="datetimeFigureOut">
               <a:rPr lang="en-US" dirty="0"/>
-              <a:t>11/13/21</a:t>
+              <a:t>12/29/21</a:t>
             </a:fld>
             <a:endParaRPr lang="en-US" dirty="0"/>
           </a:p>
@@ -17467,7 +17539,7 @@
           <a:p>
             <a:fld id="{48A87A34-81AB-432B-8DAE-1953F412C126}" type="datetimeFigureOut">
               <a:rPr lang="en-US" dirty="0"/>
-              <a:t>11/13/21</a:t>
+              <a:t>12/29/21</a:t>
             </a:fld>
             <a:endParaRPr lang="en-US" dirty="0"/>
           </a:p>
@@ -17843,7 +17915,7 @@
           <a:p>
             <a:fld id="{48A87A34-81AB-432B-8DAE-1953F412C126}" type="datetimeFigureOut">
               <a:rPr lang="en-US" dirty="0"/>
-              <a:t>11/13/21</a:t>
+              <a:t>12/29/21</a:t>
             </a:fld>
             <a:endParaRPr lang="en-US" dirty="0"/>
           </a:p>
@@ -17956,7 +18028,7 @@
           <a:p>
             <a:fld id="{48A87A34-81AB-432B-8DAE-1953F412C126}" type="datetimeFigureOut">
               <a:rPr lang="en-US" dirty="0"/>
-              <a:t>11/13/21</a:t>
+              <a:t>12/29/21</a:t>
             </a:fld>
             <a:endParaRPr lang="en-US" dirty="0"/>
           </a:p>
@@ -18046,7 +18118,7 @@
           <a:p>
             <a:fld id="{48A87A34-81AB-432B-8DAE-1953F412C126}" type="datetimeFigureOut">
               <a:rPr lang="en-US" dirty="0"/>
-              <a:t>11/13/21</a:t>
+              <a:t>12/29/21</a:t>
             </a:fld>
             <a:endParaRPr lang="en-US" dirty="0"/>
           </a:p>
@@ -18290,7 +18362,7 @@
           <a:p>
             <a:fld id="{48A87A34-81AB-432B-8DAE-1953F412C126}" type="datetimeFigureOut">
               <a:rPr lang="en-US" dirty="0"/>
-              <a:t>11/13/21</a:t>
+              <a:t>12/29/21</a:t>
             </a:fld>
             <a:endParaRPr lang="en-US" dirty="0"/>
           </a:p>
@@ -18565,7 +18637,7 @@
           <a:p>
             <a:fld id="{48A87A34-81AB-432B-8DAE-1953F412C126}" type="datetimeFigureOut">
               <a:rPr lang="en-US" dirty="0"/>
-              <a:t>11/13/21</a:t>
+              <a:t>12/29/21</a:t>
             </a:fld>
             <a:endParaRPr lang="en-US" dirty="0"/>
           </a:p>
@@ -18676,7 +18748,7 @@
           <a:noFill/>
           <a:extLst>
             <a:ext uri="{909E8E84-426E-40dd-AFC4-6F175D3DCCD1}">
-              <a14:hiddenFill xmlns="" xmlns:a14="http://schemas.microsoft.com/office/drawing/2010/main">
+              <a14:hiddenFill xmlns:a14="http://schemas.microsoft.com/office/drawing/2010/main" xmlns="">
                 <a:solidFill>
                   <a:srgbClr val="FFFFFF"/>
                 </a:solidFill>
@@ -18750,7 +18822,7 @@
               </a:ln>
               <a:extLst>
                 <a:ext uri="{91240B29-F687-4f45-9708-019B960494DF}">
-                  <a14:hiddenLine xmlns="" xmlns:a14="http://schemas.microsoft.com/office/drawing/2010/main" w="9525">
+                  <a14:hiddenLine xmlns:a14="http://schemas.microsoft.com/office/drawing/2010/main" xmlns="" w="9525">
                     <a:solidFill>
                       <a:srgbClr val="000000"/>
                     </a:solidFill>
@@ -18840,7 +18912,7 @@
               </a:ln>
               <a:extLst>
                 <a:ext uri="{91240B29-F687-4f45-9708-019B960494DF}">
-                  <a14:hiddenLine xmlns="" xmlns:a14="http://schemas.microsoft.com/office/drawing/2010/main" w="9525">
+                  <a14:hiddenLine xmlns:a14="http://schemas.microsoft.com/office/drawing/2010/main" xmlns="" w="9525">
                     <a:solidFill>
                       <a:srgbClr val="000000"/>
                     </a:solidFill>
@@ -18930,7 +19002,7 @@
               </a:ln>
               <a:extLst>
                 <a:ext uri="{91240B29-F687-4f45-9708-019B960494DF}">
-                  <a14:hiddenLine xmlns="" xmlns:a14="http://schemas.microsoft.com/office/drawing/2010/main" w="9525">
+                  <a14:hiddenLine xmlns:a14="http://schemas.microsoft.com/office/drawing/2010/main" xmlns="" w="9525">
                     <a:solidFill>
                       <a:srgbClr val="000000"/>
                     </a:solidFill>
@@ -18992,7 +19064,7 @@
               </a:ln>
               <a:extLst>
                 <a:ext uri="{91240B29-F687-4f45-9708-019B960494DF}">
-                  <a14:hiddenLine xmlns="" xmlns:a14="http://schemas.microsoft.com/office/drawing/2010/main" w="9525">
+                  <a14:hiddenLine xmlns:a14="http://schemas.microsoft.com/office/drawing/2010/main" xmlns="" w="9525">
                     <a:solidFill>
                       <a:srgbClr val="000000"/>
                     </a:solidFill>
@@ -19082,7 +19154,7 @@
               </a:ln>
               <a:extLst>
                 <a:ext uri="{91240B29-F687-4f45-9708-019B960494DF}">
-                  <a14:hiddenLine xmlns="" xmlns:a14="http://schemas.microsoft.com/office/drawing/2010/main" w="9525">
+                  <a14:hiddenLine xmlns:a14="http://schemas.microsoft.com/office/drawing/2010/main" xmlns="" w="9525">
                     <a:solidFill>
                       <a:srgbClr val="000000"/>
                     </a:solidFill>
@@ -19144,7 +19216,7 @@
               </a:ln>
               <a:extLst>
                 <a:ext uri="{91240B29-F687-4f45-9708-019B960494DF}">
-                  <a14:hiddenLine xmlns="" xmlns:a14="http://schemas.microsoft.com/office/drawing/2010/main" w="9525">
+                  <a14:hiddenLine xmlns:a14="http://schemas.microsoft.com/office/drawing/2010/main" xmlns="" w="9525">
                     <a:solidFill>
                       <a:srgbClr val="000000"/>
                     </a:solidFill>
@@ -19206,7 +19278,7 @@
               </a:ln>
               <a:extLst>
                 <a:ext uri="{91240B29-F687-4f45-9708-019B960494DF}">
-                  <a14:hiddenLine xmlns="" xmlns:a14="http://schemas.microsoft.com/office/drawing/2010/main" w="9525">
+                  <a14:hiddenLine xmlns:a14="http://schemas.microsoft.com/office/drawing/2010/main" xmlns="" w="9525">
                     <a:solidFill>
                       <a:srgbClr val="000000"/>
                     </a:solidFill>
@@ -19296,7 +19368,7 @@
               </a:ln>
               <a:extLst>
                 <a:ext uri="{91240B29-F687-4f45-9708-019B960494DF}">
-                  <a14:hiddenLine xmlns="" xmlns:a14="http://schemas.microsoft.com/office/drawing/2010/main" w="9525">
+                  <a14:hiddenLine xmlns:a14="http://schemas.microsoft.com/office/drawing/2010/main" xmlns="" w="9525">
                     <a:solidFill>
                       <a:srgbClr val="000000"/>
                     </a:solidFill>
@@ -19386,7 +19458,7 @@
               </a:ln>
               <a:extLst>
                 <a:ext uri="{91240B29-F687-4f45-9708-019B960494DF}">
-                  <a14:hiddenLine xmlns="" xmlns:a14="http://schemas.microsoft.com/office/drawing/2010/main" w="9525">
+                  <a14:hiddenLine xmlns:a14="http://schemas.microsoft.com/office/drawing/2010/main" xmlns="" w="9525">
                     <a:solidFill>
                       <a:srgbClr val="000000"/>
                     </a:solidFill>
@@ -19448,7 +19520,7 @@
               </a:ln>
               <a:extLst>
                 <a:ext uri="{91240B29-F687-4f45-9708-019B960494DF}">
-                  <a14:hiddenLine xmlns="" xmlns:a14="http://schemas.microsoft.com/office/drawing/2010/main" w="9525">
+                  <a14:hiddenLine xmlns:a14="http://schemas.microsoft.com/office/drawing/2010/main" xmlns="" w="9525">
                     <a:solidFill>
                       <a:srgbClr val="000000"/>
                     </a:solidFill>
@@ -19558,7 +19630,7 @@
               </a:ln>
               <a:extLst>
                 <a:ext uri="{91240B29-F687-4f45-9708-019B960494DF}">
-                  <a14:hiddenLine xmlns="" xmlns:a14="http://schemas.microsoft.com/office/drawing/2010/main" w="9525">
+                  <a14:hiddenLine xmlns:a14="http://schemas.microsoft.com/office/drawing/2010/main" xmlns="" w="9525">
                     <a:solidFill>
                       <a:srgbClr val="000000"/>
                     </a:solidFill>
@@ -19642,7 +19714,7 @@
               </a:ln>
               <a:extLst>
                 <a:ext uri="{91240B29-F687-4f45-9708-019B960494DF}">
-                  <a14:hiddenLine xmlns="" xmlns:a14="http://schemas.microsoft.com/office/drawing/2010/main" w="9525">
+                  <a14:hiddenLine xmlns:a14="http://schemas.microsoft.com/office/drawing/2010/main" xmlns="" w="9525">
                     <a:solidFill>
                       <a:srgbClr val="000000"/>
                     </a:solidFill>
@@ -19704,7 +19776,7 @@
               </a:ln>
               <a:extLst>
                 <a:ext uri="{91240B29-F687-4f45-9708-019B960494DF}">
-                  <a14:hiddenLine xmlns="" xmlns:a14="http://schemas.microsoft.com/office/drawing/2010/main" w="9525">
+                  <a14:hiddenLine xmlns:a14="http://schemas.microsoft.com/office/drawing/2010/main" xmlns="" w="9525">
                     <a:solidFill>
                       <a:srgbClr val="000000"/>
                     </a:solidFill>
@@ -19766,7 +19838,7 @@
               </a:ln>
               <a:extLst>
                 <a:ext uri="{91240B29-F687-4f45-9708-019B960494DF}">
-                  <a14:hiddenLine xmlns="" xmlns:a14="http://schemas.microsoft.com/office/drawing/2010/main" w="9525">
+                  <a14:hiddenLine xmlns:a14="http://schemas.microsoft.com/office/drawing/2010/main" xmlns="" w="9525">
                     <a:solidFill>
                       <a:srgbClr val="000000"/>
                     </a:solidFill>
@@ -19856,7 +19928,7 @@
               </a:ln>
               <a:extLst>
                 <a:ext uri="{91240B29-F687-4f45-9708-019B960494DF}">
-                  <a14:hiddenLine xmlns="" xmlns:a14="http://schemas.microsoft.com/office/drawing/2010/main" w="9525">
+                  <a14:hiddenLine xmlns:a14="http://schemas.microsoft.com/office/drawing/2010/main" xmlns="" w="9525">
                     <a:solidFill>
                       <a:srgbClr val="000000"/>
                     </a:solidFill>
@@ -19890,7 +19962,7 @@
               </a:ln>
               <a:extLst>
                 <a:ext uri="{91240B29-F687-4f45-9708-019B960494DF}">
-                  <a14:hiddenLine xmlns="" xmlns:a14="http://schemas.microsoft.com/office/drawing/2010/main" w="9525">
+                  <a14:hiddenLine xmlns:a14="http://schemas.microsoft.com/office/drawing/2010/main" xmlns="" w="9525">
                     <a:solidFill>
                       <a:srgbClr val="000000"/>
                     </a:solidFill>
@@ -19955,7 +20027,7 @@
               </a:ln>
               <a:extLst>
                 <a:ext uri="{91240B29-F687-4f45-9708-019B960494DF}">
-                  <a14:hiddenLine xmlns="" xmlns:a14="http://schemas.microsoft.com/office/drawing/2010/main" w="9525">
+                  <a14:hiddenLine xmlns:a14="http://schemas.microsoft.com/office/drawing/2010/main" xmlns="" w="9525">
                     <a:solidFill>
                       <a:srgbClr val="000000"/>
                     </a:solidFill>
@@ -20045,7 +20117,7 @@
               </a:ln>
               <a:extLst>
                 <a:ext uri="{91240B29-F687-4f45-9708-019B960494DF}">
-                  <a14:hiddenLine xmlns="" xmlns:a14="http://schemas.microsoft.com/office/drawing/2010/main" w="9525">
+                  <a14:hiddenLine xmlns:a14="http://schemas.microsoft.com/office/drawing/2010/main" xmlns="" w="9525">
                     <a:solidFill>
                       <a:srgbClr val="000000"/>
                     </a:solidFill>
@@ -20107,7 +20179,7 @@
               </a:ln>
               <a:extLst>
                 <a:ext uri="{91240B29-F687-4f45-9708-019B960494DF}">
-                  <a14:hiddenLine xmlns="" xmlns:a14="http://schemas.microsoft.com/office/drawing/2010/main" w="9525">
+                  <a14:hiddenLine xmlns:a14="http://schemas.microsoft.com/office/drawing/2010/main" xmlns="" w="9525">
                     <a:solidFill>
                       <a:srgbClr val="000000"/>
                     </a:solidFill>
@@ -20197,7 +20269,7 @@
               </a:ln>
               <a:extLst>
                 <a:ext uri="{91240B29-F687-4f45-9708-019B960494DF}">
-                  <a14:hiddenLine xmlns="" xmlns:a14="http://schemas.microsoft.com/office/drawing/2010/main" w="9525">
+                  <a14:hiddenLine xmlns:a14="http://schemas.microsoft.com/office/drawing/2010/main" xmlns="" w="9525">
                     <a:solidFill>
                       <a:srgbClr val="000000"/>
                     </a:solidFill>
@@ -20262,7 +20334,7 @@
               </a:ln>
               <a:extLst>
                 <a:ext uri="{91240B29-F687-4f45-9708-019B960494DF}">
-                  <a14:hiddenLine xmlns="" xmlns:a14="http://schemas.microsoft.com/office/drawing/2010/main" w="9525">
+                  <a14:hiddenLine xmlns:a14="http://schemas.microsoft.com/office/drawing/2010/main" xmlns="" w="9525">
                     <a:solidFill>
                       <a:srgbClr val="000000"/>
                     </a:solidFill>
@@ -20324,7 +20396,7 @@
               </a:ln>
               <a:extLst>
                 <a:ext uri="{91240B29-F687-4f45-9708-019B960494DF}">
-                  <a14:hiddenLine xmlns="" xmlns:a14="http://schemas.microsoft.com/office/drawing/2010/main" w="9525">
+                  <a14:hiddenLine xmlns:a14="http://schemas.microsoft.com/office/drawing/2010/main" xmlns="" w="9525">
                     <a:solidFill>
                       <a:srgbClr val="000000"/>
                     </a:solidFill>
@@ -20414,7 +20486,7 @@
               </a:ln>
               <a:extLst>
                 <a:ext uri="{91240B29-F687-4f45-9708-019B960494DF}">
-                  <a14:hiddenLine xmlns="" xmlns:a14="http://schemas.microsoft.com/office/drawing/2010/main" w="9525">
+                  <a14:hiddenLine xmlns:a14="http://schemas.microsoft.com/office/drawing/2010/main" xmlns="" w="9525">
                     <a:solidFill>
                       <a:srgbClr val="000000"/>
                     </a:solidFill>
@@ -20504,7 +20576,7 @@
               </a:ln>
               <a:extLst>
                 <a:ext uri="{91240B29-F687-4f45-9708-019B960494DF}">
-                  <a14:hiddenLine xmlns="" xmlns:a14="http://schemas.microsoft.com/office/drawing/2010/main" w="9525">
+                  <a14:hiddenLine xmlns:a14="http://schemas.microsoft.com/office/drawing/2010/main" xmlns="" w="9525">
                     <a:solidFill>
                       <a:srgbClr val="000000"/>
                     </a:solidFill>
@@ -20569,7 +20641,7 @@
               </a:ln>
               <a:extLst>
                 <a:ext uri="{91240B29-F687-4f45-9708-019B960494DF}">
-                  <a14:hiddenLine xmlns="" xmlns:a14="http://schemas.microsoft.com/office/drawing/2010/main" w="9525">
+                  <a14:hiddenLine xmlns:a14="http://schemas.microsoft.com/office/drawing/2010/main" xmlns="" w="9525">
                     <a:solidFill>
                       <a:srgbClr val="000000"/>
                     </a:solidFill>
@@ -20689,7 +20761,7 @@
               </a:ln>
               <a:extLst>
                 <a:ext uri="{91240B29-F687-4f45-9708-019B960494DF}">
-                  <a14:hiddenLine xmlns="" xmlns:a14="http://schemas.microsoft.com/office/drawing/2010/main" w="9525">
+                  <a14:hiddenLine xmlns:a14="http://schemas.microsoft.com/office/drawing/2010/main" xmlns="" w="9525">
                     <a:solidFill>
                       <a:srgbClr val="000000"/>
                     </a:solidFill>
@@ -20787,7 +20859,7 @@
               </a:ln>
               <a:extLst>
                 <a:ext uri="{91240B29-F687-4f45-9708-019B960494DF}">
-                  <a14:hiddenLine xmlns="" xmlns:a14="http://schemas.microsoft.com/office/drawing/2010/main" w="9525">
+                  <a14:hiddenLine xmlns:a14="http://schemas.microsoft.com/office/drawing/2010/main" xmlns="" w="9525">
                     <a:solidFill>
                       <a:srgbClr val="000000"/>
                     </a:solidFill>
@@ -20902,7 +20974,7 @@
               </a:ln>
               <a:extLst>
                 <a:ext uri="{91240B29-F687-4f45-9708-019B960494DF}">
-                  <a14:hiddenLine xmlns="" xmlns:a14="http://schemas.microsoft.com/office/drawing/2010/main" w="9525">
+                  <a14:hiddenLine xmlns:a14="http://schemas.microsoft.com/office/drawing/2010/main" xmlns="" w="9525">
                     <a:solidFill>
                       <a:srgbClr val="000000"/>
                     </a:solidFill>
@@ -20992,7 +21064,7 @@
               </a:ln>
               <a:extLst>
                 <a:ext uri="{91240B29-F687-4f45-9708-019B960494DF}">
-                  <a14:hiddenLine xmlns="" xmlns:a14="http://schemas.microsoft.com/office/drawing/2010/main" w="9525">
+                  <a14:hiddenLine xmlns:a14="http://schemas.microsoft.com/office/drawing/2010/main" xmlns="" w="9525">
                     <a:solidFill>
                       <a:srgbClr val="000000"/>
                     </a:solidFill>
@@ -21057,7 +21129,7 @@
               </a:ln>
               <a:extLst>
                 <a:ext uri="{91240B29-F687-4f45-9708-019B960494DF}">
-                  <a14:hiddenLine xmlns="" xmlns:a14="http://schemas.microsoft.com/office/drawing/2010/main" w="9525">
+                  <a14:hiddenLine xmlns:a14="http://schemas.microsoft.com/office/drawing/2010/main" xmlns="" w="9525">
                     <a:solidFill>
                       <a:srgbClr val="000000"/>
                     </a:solidFill>
@@ -21147,7 +21219,7 @@
               </a:ln>
               <a:extLst>
                 <a:ext uri="{91240B29-F687-4f45-9708-019B960494DF}">
-                  <a14:hiddenLine xmlns="" xmlns:a14="http://schemas.microsoft.com/office/drawing/2010/main" w="9525">
+                  <a14:hiddenLine xmlns:a14="http://schemas.microsoft.com/office/drawing/2010/main" xmlns="" w="9525">
                     <a:solidFill>
                       <a:srgbClr val="000000"/>
                     </a:solidFill>
@@ -21215,7 +21287,7 @@
               </a:ln>
               <a:extLst>
                 <a:ext uri="{91240B29-F687-4f45-9708-019B960494DF}">
-                  <a14:hiddenLine xmlns="" xmlns:a14="http://schemas.microsoft.com/office/drawing/2010/main" w="9525">
+                  <a14:hiddenLine xmlns:a14="http://schemas.microsoft.com/office/drawing/2010/main" xmlns="" w="9525">
                     <a:solidFill>
                       <a:srgbClr val="000000"/>
                     </a:solidFill>
@@ -21305,7 +21377,7 @@
               </a:ln>
               <a:extLst>
                 <a:ext uri="{91240B29-F687-4f45-9708-019B960494DF}">
-                  <a14:hiddenLine xmlns="" xmlns:a14="http://schemas.microsoft.com/office/drawing/2010/main" w="9525">
+                  <a14:hiddenLine xmlns:a14="http://schemas.microsoft.com/office/drawing/2010/main" xmlns="" w="9525">
                     <a:solidFill>
                       <a:srgbClr val="000000"/>
                     </a:solidFill>
@@ -21373,7 +21445,7 @@
               </a:ln>
               <a:extLst>
                 <a:ext uri="{91240B29-F687-4f45-9708-019B960494DF}">
-                  <a14:hiddenLine xmlns="" xmlns:a14="http://schemas.microsoft.com/office/drawing/2010/main" w="9525">
+                  <a14:hiddenLine xmlns:a14="http://schemas.microsoft.com/office/drawing/2010/main" xmlns="" w="9525">
                     <a:solidFill>
                       <a:srgbClr val="000000"/>
                     </a:solidFill>
@@ -21463,7 +21535,7 @@
               </a:ln>
               <a:extLst>
                 <a:ext uri="{91240B29-F687-4f45-9708-019B960494DF}">
-                  <a14:hiddenLine xmlns="" xmlns:a14="http://schemas.microsoft.com/office/drawing/2010/main" w="9525">
+                  <a14:hiddenLine xmlns:a14="http://schemas.microsoft.com/office/drawing/2010/main" xmlns="" w="9525">
                     <a:solidFill>
                       <a:srgbClr val="000000"/>
                     </a:solidFill>
@@ -21497,7 +21569,7 @@
               </a:ln>
               <a:extLst>
                 <a:ext uri="{91240B29-F687-4f45-9708-019B960494DF}">
-                  <a14:hiddenLine xmlns="" xmlns:a14="http://schemas.microsoft.com/office/drawing/2010/main" w="9525">
+                  <a14:hiddenLine xmlns:a14="http://schemas.microsoft.com/office/drawing/2010/main" xmlns="" w="9525">
                     <a:solidFill>
                       <a:srgbClr val="000000"/>
                     </a:solidFill>
@@ -21638,7 +21710,7 @@
             <a:fld id="{48A87A34-81AB-432B-8DAE-1953F412C126}" type="datetimeFigureOut">
               <a:rPr lang="en-US" dirty="0"/>
               <a:pPr/>
-              <a:t>11/13/21</a:t>
+              <a:t>12/29/21</a:t>
             </a:fld>
             <a:endParaRPr lang="en-US" dirty="0"/>
           </a:p>
@@ -22240,7 +22312,7 @@
           <p:nvPr>
             <p:extLst>
               <p:ext uri="{D42A27DB-BD31-4B8C-83A1-F6EECF244321}">
-                <p14:modId xmlns:p14="http://schemas.microsoft.com/office/powerpoint/2010/main" val="833524485"/>
+                <p14:modId xmlns:p14="http://schemas.microsoft.com/office/powerpoint/2010/main" val="2725806060"/>
               </p:ext>
             </p:extLst>
           </p:nvPr>
@@ -22403,7 +22475,7 @@
                     <a:p>
                       <a:r>
                         <a:rPr lang="en-US" sz="2400" dirty="0"/>
-                        <a:t>0.72</a:t>
+                        <a:t>0.66</a:t>
                       </a:r>
                     </a:p>
                   </a:txBody>
@@ -22415,9 +22487,50 @@
                     <a:lstStyle/>
                     <a:p>
                       <a:r>
-                        <a:rPr lang="en-US" sz="2400" dirty="0"/>
-                        <a:t>0.57</a:t>
+                        <a:rPr kumimoji="0" lang="en-US" sz="2400" b="0" i="0" u="none" strike="noStrike" kern="1200" cap="none" spc="0" normalizeH="0" baseline="0" noProof="0" dirty="0">
+                          <a:ln>
+                            <a:noFill/>
+                          </a:ln>
+                          <a:solidFill>
+                            <a:prstClr val="black"/>
+                          </a:solidFill>
+                          <a:effectLst/>
+                          <a:uLnTx/>
+                          <a:uFillTx/>
+                          <a:latin typeface="Tw Cen MT" panose="020B0602020104020603"/>
+                          <a:ea typeface="+mn-ea"/>
+                          <a:cs typeface="+mn-cs"/>
+                        </a:rPr>
+                        <a:t>0.66</a:t>
                       </a:r>
+                      <a:endParaRPr lang="en-US" sz="2400" dirty="0"/>
+                    </a:p>
+                  </a:txBody>
+                  <a:tcPr anchor="ctr"/>
+                </a:tc>
+                <a:tc>
+                  <a:txBody>
+                    <a:bodyPr/>
+                    <a:lstStyle/>
+                    <a:p>
+                      <a:r>
+                        <a:rPr kumimoji="0" lang="en-US" sz="2400" b="0" i="0" u="none" strike="noStrike" kern="1200" cap="none" spc="0" normalizeH="0" baseline="0" noProof="0" dirty="0">
+                          <a:ln>
+                            <a:noFill/>
+                          </a:ln>
+                          <a:solidFill>
+                            <a:prstClr val="black"/>
+                          </a:solidFill>
+                          <a:effectLst/>
+                          <a:uLnTx/>
+                          <a:uFillTx/>
+                          <a:latin typeface="Tw Cen MT" panose="020B0602020104020603"/>
+                          <a:ea typeface="+mn-ea"/>
+                          <a:cs typeface="+mn-cs"/>
+                        </a:rPr>
+                        <a:t>0.66</a:t>
+                      </a:r>
+                      <a:endParaRPr lang="en-US" sz="2400" dirty="0"/>
                     </a:p>
                   </a:txBody>
                   <a:tcPr anchor="ctr"/>
@@ -22429,20 +22542,7 @@
                     <a:p>
                       <a:r>
                         <a:rPr lang="en-US" sz="2400" dirty="0"/>
-                        <a:t>0.64</a:t>
-                      </a:r>
-                    </a:p>
-                  </a:txBody>
-                  <a:tcPr anchor="ctr"/>
-                </a:tc>
-                <a:tc>
-                  <a:txBody>
-                    <a:bodyPr/>
-                    <a:lstStyle/>
-                    <a:p>
-                      <a:r>
-                        <a:rPr lang="en-US" sz="2400" dirty="0"/>
-                        <a:t>1342</a:t>
+                        <a:t>790</a:t>
                       </a:r>
                     </a:p>
                   </a:txBody>
@@ -22492,7 +22592,7 @@
                     <a:p>
                       <a:r>
                         <a:rPr lang="en-US" sz="2400" dirty="0"/>
-                        <a:t>0.56</a:t>
+                        <a:t>0.61</a:t>
                       </a:r>
                     </a:p>
                   </a:txBody>
@@ -22518,7 +22618,7 @@
                     <a:p>
                       <a:r>
                         <a:rPr lang="en-US" sz="2400" dirty="0"/>
-                        <a:t>0.59</a:t>
+                        <a:t>0.61</a:t>
                       </a:r>
                     </a:p>
                   </a:txBody>
@@ -22531,7 +22631,7 @@
                     <a:p>
                       <a:r>
                         <a:rPr lang="en-US" sz="2400" dirty="0"/>
-                        <a:t>2466 </a:t>
+                        <a:t>1516</a:t>
                       </a:r>
                     </a:p>
                   </a:txBody>
@@ -22564,7 +22664,7 @@
                     <a:p>
                       <a:r>
                         <a:rPr lang="en-US" sz="2400" dirty="0"/>
-                        <a:t>0.68</a:t>
+                        <a:t>0.75</a:t>
                       </a:r>
                     </a:p>
                   </a:txBody>
@@ -22577,7 +22677,7 @@
                     <a:p>
                       <a:r>
                         <a:rPr lang="en-US" sz="2400" dirty="0"/>
-                        <a:t>0.69</a:t>
+                        <a:t>0.75</a:t>
                       </a:r>
                     </a:p>
                   </a:txBody>
@@ -22590,7 +22690,7 @@
                     <a:p>
                       <a:r>
                         <a:rPr lang="en-US" sz="2400" dirty="0"/>
-                        <a:t>0.69</a:t>
+                        <a:t>0.75</a:t>
                       </a:r>
                     </a:p>
                   </a:txBody>
@@ -22602,9 +22702,23 @@
                     <a:lstStyle/>
                     <a:p>
                       <a:r>
-                        <a:rPr lang="en-US" sz="2400" dirty="0"/>
-                        <a:t>1939 </a:t>
+                        <a:rPr kumimoji="0" lang="en-US" sz="2400" b="0" i="0" u="none" strike="noStrike" kern="1200" cap="none" spc="0" normalizeH="0" baseline="0" noProof="0" dirty="0">
+                          <a:ln>
+                            <a:noFill/>
+                          </a:ln>
+                          <a:solidFill>
+                            <a:prstClr val="black"/>
+                          </a:solidFill>
+                          <a:effectLst/>
+                          <a:uLnTx/>
+                          <a:uFillTx/>
+                          <a:latin typeface="Tw Cen MT" panose="020B0602020104020603"/>
+                          <a:ea typeface="+mn-ea"/>
+                          <a:cs typeface="+mn-cs"/>
+                        </a:rPr>
+                        <a:t>1176</a:t>
                       </a:r>
+                      <a:endParaRPr lang="en-US" sz="2400" dirty="0"/>
                     </a:p>
                   </a:txBody>
                   <a:tcPr anchor="ctr"/>
@@ -22636,7 +22750,7 @@
                     <a:p>
                       <a:r>
                         <a:rPr lang="en-US" sz="2400" dirty="0"/>
-                        <a:t>0.58</a:t>
+                        <a:t>0.65</a:t>
                       </a:r>
                     </a:p>
                   </a:txBody>
@@ -22649,7 +22763,7 @@
                     <a:p>
                       <a:r>
                         <a:rPr lang="en-US" sz="2400" dirty="0"/>
-                        <a:t>0.67</a:t>
+                        <a:t>0.63</a:t>
                       </a:r>
                     </a:p>
                   </a:txBody>
@@ -22662,7 +22776,7 @@
                     <a:p>
                       <a:r>
                         <a:rPr lang="en-US" sz="2400" dirty="0"/>
-                        <a:t>0.62</a:t>
+                        <a:t>0.64</a:t>
                       </a:r>
                     </a:p>
                   </a:txBody>
@@ -22675,7 +22789,7 @@
                     <a:p>
                       <a:r>
                         <a:rPr lang="en-US" sz="2400" dirty="0"/>
-                        <a:t>2869 </a:t>
+                        <a:t>1687</a:t>
                       </a:r>
                     </a:p>
                   </a:txBody>
@@ -22694,8 +22808,22 @@
                     <a:lstStyle/>
                     <a:p>
                       <a:r>
+                        <a:rPr lang="en-US" sz="2400"/>
+                        <a:t>Extremely Positive </a:t>
+                      </a:r>
+                      <a:endParaRPr lang="en-US" sz="2400" dirty="0"/>
+                    </a:p>
+                  </a:txBody>
+                  <a:tcPr anchor="ctr"/>
+                </a:tc>
+                <a:tc>
+                  <a:txBody>
+                    <a:bodyPr/>
+                    <a:lstStyle/>
+                    <a:p>
+                      <a:r>
                         <a:rPr lang="en-US" sz="2400" dirty="0"/>
-                        <a:t>Extremely Positive </a:t>
+                        <a:t>0.70</a:t>
                       </a:r>
                     </a:p>
                   </a:txBody>
@@ -22707,9 +22835,50 @@
                     <a:lstStyle/>
                     <a:p>
                       <a:r>
-                        <a:rPr lang="en-US" sz="2400" dirty="0"/>
-                        <a:t>0.77</a:t>
+                        <a:rPr kumimoji="0" lang="en-US" sz="2400" b="0" i="0" u="none" strike="noStrike" kern="1200" cap="none" spc="0" normalizeH="0" baseline="0" noProof="0" dirty="0">
+                          <a:ln>
+                            <a:noFill/>
+                          </a:ln>
+                          <a:solidFill>
+                            <a:prstClr val="black"/>
+                          </a:solidFill>
+                          <a:effectLst/>
+                          <a:uLnTx/>
+                          <a:uFillTx/>
+                          <a:latin typeface="Tw Cen MT" panose="020B0602020104020603"/>
+                          <a:ea typeface="+mn-ea"/>
+                          <a:cs typeface="+mn-cs"/>
+                        </a:rPr>
+                        <a:t>0.70</a:t>
                       </a:r>
+                      <a:endParaRPr lang="en-US" sz="2400" dirty="0"/>
+                    </a:p>
+                  </a:txBody>
+                  <a:tcPr anchor="ctr"/>
+                </a:tc>
+                <a:tc>
+                  <a:txBody>
+                    <a:bodyPr/>
+                    <a:lstStyle/>
+                    <a:p>
+                      <a:r>
+                        <a:rPr kumimoji="0" lang="en-US" sz="2400" b="0" i="0" u="none" strike="noStrike" kern="1200" cap="none" spc="0" normalizeH="0" baseline="0" noProof="0" dirty="0">
+                          <a:ln>
+                            <a:noFill/>
+                          </a:ln>
+                          <a:solidFill>
+                            <a:prstClr val="black"/>
+                          </a:solidFill>
+                          <a:effectLst/>
+                          <a:uLnTx/>
+                          <a:uFillTx/>
+                          <a:latin typeface="Tw Cen MT" panose="020B0602020104020603"/>
+                          <a:ea typeface="+mn-ea"/>
+                          <a:cs typeface="+mn-cs"/>
+                        </a:rPr>
+                        <a:t>0.70</a:t>
+                      </a:r>
+                      <a:endParaRPr lang="en-US" sz="2400" dirty="0"/>
                     </a:p>
                   </a:txBody>
                   <a:tcPr anchor="ctr"/>
@@ -22721,33 +22890,7 @@
                     <a:p>
                       <a:r>
                         <a:rPr lang="en-US" sz="2400" dirty="0"/>
-                        <a:t>0.57</a:t>
-                      </a:r>
-                    </a:p>
-                  </a:txBody>
-                  <a:tcPr anchor="ctr"/>
-                </a:tc>
-                <a:tc>
-                  <a:txBody>
-                    <a:bodyPr/>
-                    <a:lstStyle/>
-                    <a:p>
-                      <a:r>
-                        <a:rPr lang="en-US" sz="2400" dirty="0"/>
-                        <a:t>0.65</a:t>
-                      </a:r>
-                    </a:p>
-                  </a:txBody>
-                  <a:tcPr anchor="ctr"/>
-                </a:tc>
-                <a:tc>
-                  <a:txBody>
-                    <a:bodyPr/>
-                    <a:lstStyle/>
-                    <a:p>
-                      <a:r>
-                        <a:rPr lang="en-US" sz="2400" dirty="0"/>
-                        <a:t>1674 </a:t>
+                        <a:t>1005</a:t>
                       </a:r>
                     </a:p>
                   </a:txBody>
@@ -22778,7 +22921,7 @@
                     <a:bodyPr/>
                     <a:lstStyle/>
                     <a:p>
-                      <a:endParaRPr lang="en-US" sz="2400"/>
+                      <a:endParaRPr lang="en-US" sz="2400" dirty="0"/>
                     </a:p>
                   </a:txBody>
                   <a:tcPr anchor="ctr"/>
@@ -22804,7 +22947,7 @@
                             <a:srgbClr val="FF0000"/>
                           </a:solidFill>
                         </a:rPr>
-                        <a:t>0.63</a:t>
+                        <a:t>0.67</a:t>
                       </a:r>
                     </a:p>
                   </a:txBody>
@@ -22817,7 +22960,7 @@
                     <a:p>
                       <a:r>
                         <a:rPr lang="en-US" sz="2400" dirty="0"/>
-                        <a:t>10290</a:t>
+                        <a:t>6174</a:t>
                       </a:r>
                     </a:p>
                   </a:txBody>
@@ -22850,7 +22993,7 @@
                     <a:p>
                       <a:r>
                         <a:rPr lang="en-US" sz="2400" dirty="0"/>
-                        <a:t>0.66</a:t>
+                        <a:t>0.67</a:t>
                       </a:r>
                     </a:p>
                   </a:txBody>
@@ -22863,7 +23006,7 @@
                     <a:p>
                       <a:r>
                         <a:rPr lang="en-US" sz="2400" dirty="0"/>
-                        <a:t>0.62</a:t>
+                        <a:t>0.67</a:t>
                       </a:r>
                     </a:p>
                   </a:txBody>
@@ -22876,7 +23019,7 @@
                     <a:p>
                       <a:r>
                         <a:rPr lang="en-US" sz="2400" dirty="0"/>
-                        <a:t>0.64</a:t>
+                        <a:t>0.67</a:t>
                       </a:r>
                     </a:p>
                   </a:txBody>
@@ -22887,9 +23030,26 @@
                     <a:bodyPr/>
                     <a:lstStyle/>
                     <a:p>
+                      <a:pPr marL="0" marR="0" lvl="0" indent="0" algn="l" defTabSz="914400" rtl="0" eaLnBrk="1" fontAlgn="auto" latinLnBrk="0" hangingPunct="1">
+                        <a:lnSpc>
+                          <a:spcPct val="100000"/>
+                        </a:lnSpc>
+                        <a:spcBef>
+                          <a:spcPts val="0"/>
+                        </a:spcBef>
+                        <a:spcAft>
+                          <a:spcPts val="0"/>
+                        </a:spcAft>
+                        <a:buClrTx/>
+                        <a:buSzTx/>
+                        <a:buFontTx/>
+                        <a:buNone/>
+                        <a:tabLst/>
+                        <a:defRPr/>
+                      </a:pPr>
                       <a:r>
                         <a:rPr lang="en-US" sz="2400" dirty="0"/>
-                        <a:t>10290 </a:t>
+                        <a:t>6174 </a:t>
                       </a:r>
                     </a:p>
                   </a:txBody>
@@ -22922,7 +23082,7 @@
                     <a:p>
                       <a:r>
                         <a:rPr lang="en-US" sz="2400" dirty="0"/>
-                        <a:t>0.64</a:t>
+                        <a:t>0.67</a:t>
                       </a:r>
                     </a:p>
                   </a:txBody>
@@ -22935,7 +23095,7 @@
                     <a:p>
                       <a:r>
                         <a:rPr lang="en-US" sz="2400" dirty="0"/>
-                        <a:t>0.63</a:t>
+                        <a:t>0.67</a:t>
                       </a:r>
                     </a:p>
                   </a:txBody>
@@ -22948,7 +23108,7 @@
                     <a:p>
                       <a:r>
                         <a:rPr lang="en-US" sz="2400" dirty="0"/>
-                        <a:t>0.63</a:t>
+                        <a:t>0.67</a:t>
                       </a:r>
                     </a:p>
                   </a:txBody>
@@ -22961,7 +23121,7 @@
                     <a:p>
                       <a:r>
                         <a:rPr lang="en-US" sz="2400" dirty="0"/>
-                        <a:t>10290</a:t>
+                        <a:t>6174</a:t>
                       </a:r>
                     </a:p>
                   </a:txBody>
@@ -23056,96 +23216,6 @@
           </a:p>
         </p:txBody>
       </p:sp>
-      <p:pic>
-        <p:nvPicPr>
-          <p:cNvPr id="2050" name="Picture 2">
-            <a:extLst>
-              <a:ext uri="{FF2B5EF4-FFF2-40B4-BE49-F238E27FC236}">
-                <a16:creationId xmlns:a16="http://schemas.microsoft.com/office/drawing/2014/main" id="{DFAF1056-C585-F24C-AC07-F3042E6AF85B}"/>
-              </a:ext>
-            </a:extLst>
-          </p:cNvPr>
-          <p:cNvPicPr>
-            <a:picLocks noChangeAspect="1" noChangeArrowheads="1"/>
-          </p:cNvPicPr>
-          <p:nvPr/>
-        </p:nvPicPr>
-        <p:blipFill rotWithShape="1">
-          <a:blip r:embed="rId2">
-            <a:extLst>
-              <a:ext uri="{28A0092B-C50C-407E-A947-70E740481C1C}">
-                <a14:useLocalDpi xmlns:a14="http://schemas.microsoft.com/office/drawing/2010/main" val="0"/>
-              </a:ext>
-            </a:extLst>
-          </a:blip>
-          <a:srcRect l="29396" t="5369" b="33418"/>
-          <a:stretch/>
-        </p:blipFill>
-        <p:spPr bwMode="auto">
-          <a:xfrm>
-            <a:off x="3657599" y="2145328"/>
-            <a:ext cx="3685319" cy="2853091"/>
-          </a:xfrm>
-          <a:prstGeom prst="rect">
-            <a:avLst/>
-          </a:prstGeom>
-          <a:noFill/>
-          <a:extLst>
-            <a:ext uri="{909E8E84-426E-40DD-AFC4-6F175D3DCCD1}">
-              <a14:hiddenFill xmlns:a14="http://schemas.microsoft.com/office/drawing/2010/main">
-                <a:solidFill>
-                  <a:srgbClr val="FFFFFF"/>
-                </a:solidFill>
-              </a14:hiddenFill>
-            </a:ext>
-          </a:extLst>
-        </p:spPr>
-      </p:pic>
-      <p:pic>
-        <p:nvPicPr>
-          <p:cNvPr id="2052" name="Picture 4">
-            <a:extLst>
-              <a:ext uri="{FF2B5EF4-FFF2-40B4-BE49-F238E27FC236}">
-                <a16:creationId xmlns:a16="http://schemas.microsoft.com/office/drawing/2014/main" id="{2AF55870-DB3B-D64F-B45F-49AADCA8F76E}"/>
-              </a:ext>
-            </a:extLst>
-          </p:cNvPr>
-          <p:cNvPicPr>
-            <a:picLocks noChangeAspect="1" noChangeArrowheads="1"/>
-          </p:cNvPicPr>
-          <p:nvPr/>
-        </p:nvPicPr>
-        <p:blipFill rotWithShape="1">
-          <a:blip r:embed="rId3">
-            <a:extLst>
-              <a:ext uri="{28A0092B-C50C-407E-A947-70E740481C1C}">
-                <a14:useLocalDpi xmlns:a14="http://schemas.microsoft.com/office/drawing/2010/main" val="0"/>
-              </a:ext>
-            </a:extLst>
-          </a:blip>
-          <a:srcRect l="30513" t="5370" b="33417"/>
-          <a:stretch/>
-        </p:blipFill>
-        <p:spPr bwMode="auto">
-          <a:xfrm>
-            <a:off x="7508631" y="2145328"/>
-            <a:ext cx="3538779" cy="2853091"/>
-          </a:xfrm>
-          <a:prstGeom prst="rect">
-            <a:avLst/>
-          </a:prstGeom>
-          <a:noFill/>
-          <a:extLst>
-            <a:ext uri="{909E8E84-426E-40DD-AFC4-6F175D3DCCD1}">
-              <a14:hiddenFill xmlns:a14="http://schemas.microsoft.com/office/drawing/2010/main">
-                <a:solidFill>
-                  <a:srgbClr val="FFFFFF"/>
-                </a:solidFill>
-              </a14:hiddenFill>
-            </a:ext>
-          </a:extLst>
-        </p:spPr>
-      </p:pic>
       <p:sp>
         <p:nvSpPr>
           <p:cNvPr id="3" name="TextBox 2">
@@ -23897,6 +23967,96 @@
           </a:p>
         </p:txBody>
       </p:sp>
+      <p:pic>
+        <p:nvPicPr>
+          <p:cNvPr id="1026" name="Picture 2">
+            <a:extLst>
+              <a:ext uri="{FF2B5EF4-FFF2-40B4-BE49-F238E27FC236}">
+                <a16:creationId xmlns:a16="http://schemas.microsoft.com/office/drawing/2014/main" id="{5BCA43DC-6BED-CD47-AD20-EF8FB8477EAB}"/>
+              </a:ext>
+            </a:extLst>
+          </p:cNvPr>
+          <p:cNvPicPr>
+            <a:picLocks noChangeAspect="1" noChangeArrowheads="1"/>
+          </p:cNvPicPr>
+          <p:nvPr/>
+        </p:nvPicPr>
+        <p:blipFill rotWithShape="1">
+          <a:blip r:embed="rId2">
+            <a:extLst>
+              <a:ext uri="{28A0092B-C50C-407E-A947-70E740481C1C}">
+                <a14:useLocalDpi xmlns:a14="http://schemas.microsoft.com/office/drawing/2010/main" val="0"/>
+              </a:ext>
+            </a:extLst>
+          </a:blip>
+          <a:srcRect l="29365" t="5603" r="25" b="33183"/>
+          <a:stretch/>
+        </p:blipFill>
+        <p:spPr bwMode="auto">
+          <a:xfrm>
+            <a:off x="3628657" y="2146025"/>
+            <a:ext cx="3685615" cy="2853091"/>
+          </a:xfrm>
+          <a:prstGeom prst="rect">
+            <a:avLst/>
+          </a:prstGeom>
+          <a:noFill/>
+          <a:extLst>
+            <a:ext uri="{909E8E84-426E-40DD-AFC4-6F175D3DCCD1}">
+              <a14:hiddenFill xmlns:a14="http://schemas.microsoft.com/office/drawing/2010/main">
+                <a:solidFill>
+                  <a:srgbClr val="FFFFFF"/>
+                </a:solidFill>
+              </a14:hiddenFill>
+            </a:ext>
+          </a:extLst>
+        </p:spPr>
+      </p:pic>
+      <p:pic>
+        <p:nvPicPr>
+          <p:cNvPr id="1028" name="Picture 4">
+            <a:extLst>
+              <a:ext uri="{FF2B5EF4-FFF2-40B4-BE49-F238E27FC236}">
+                <a16:creationId xmlns:a16="http://schemas.microsoft.com/office/drawing/2014/main" id="{4BC8AF82-7773-9348-90AA-8F9FD54D50B9}"/>
+              </a:ext>
+            </a:extLst>
+          </p:cNvPr>
+          <p:cNvPicPr>
+            <a:picLocks noChangeAspect="1" noChangeArrowheads="1"/>
+          </p:cNvPicPr>
+          <p:nvPr/>
+        </p:nvPicPr>
+        <p:blipFill rotWithShape="1">
+          <a:blip r:embed="rId3">
+            <a:extLst>
+              <a:ext uri="{28A0092B-C50C-407E-A947-70E740481C1C}">
+                <a14:useLocalDpi xmlns:a14="http://schemas.microsoft.com/office/drawing/2010/main" val="0"/>
+              </a:ext>
+            </a:extLst>
+          </a:blip>
+          <a:srcRect l="30942" t="5063" b="33723"/>
+          <a:stretch/>
+        </p:blipFill>
+        <p:spPr bwMode="auto">
+          <a:xfrm>
+            <a:off x="7529978" y="2146025"/>
+            <a:ext cx="3516923" cy="2853091"/>
+          </a:xfrm>
+          <a:prstGeom prst="rect">
+            <a:avLst/>
+          </a:prstGeom>
+          <a:noFill/>
+          <a:extLst>
+            <a:ext uri="{909E8E84-426E-40DD-AFC4-6F175D3DCCD1}">
+              <a14:hiddenFill xmlns:a14="http://schemas.microsoft.com/office/drawing/2010/main">
+                <a:solidFill>
+                  <a:srgbClr val="FFFFFF"/>
+                </a:solidFill>
+              </a14:hiddenFill>
+            </a:ext>
+          </a:extLst>
+        </p:spPr>
+      </p:pic>
     </p:spTree>
     <p:extLst>
       <p:ext uri="{BB962C8B-B14F-4D97-AF65-F5344CB8AC3E}">
@@ -23999,7 +24159,7 @@
           <a:noFill/>
           <a:extLst>
             <a:ext uri="{909E8E84-426E-40dd-AFC4-6F175D3DCCD1}">
-              <a14:hiddenFill xmlns:a14="http://schemas.microsoft.com/office/drawing/2010/main" xmlns:p14="http://schemas.microsoft.com/office/powerpoint/2010/main" xmlns:a16="http://schemas.microsoft.com/office/drawing/2014/main" xmlns="">
+              <a14:hiddenFill xmlns="" xmlns:a16="http://schemas.microsoft.com/office/drawing/2014/main" xmlns:p14="http://schemas.microsoft.com/office/powerpoint/2010/main" xmlns:a14="http://schemas.microsoft.com/office/drawing/2010/main">
                 <a:solidFill>
                   <a:srgbClr val="FFFFFF"/>
                 </a:solidFill>
@@ -24091,7 +24251,7 @@
             </a:ln>
             <a:extLst>
               <a:ext uri="{91240B29-F687-4f45-9708-019B960494DF}">
-                <a14:hiddenLine xmlns:a14="http://schemas.microsoft.com/office/drawing/2010/main" xmlns:p14="http://schemas.microsoft.com/office/powerpoint/2010/main" xmlns:a16="http://schemas.microsoft.com/office/drawing/2014/main" xmlns="" w="9525">
+                <a14:hiddenLine xmlns="" xmlns:a16="http://schemas.microsoft.com/office/drawing/2014/main" xmlns:p14="http://schemas.microsoft.com/office/powerpoint/2010/main" xmlns:a14="http://schemas.microsoft.com/office/drawing/2010/main" w="9525">
                   <a:solidFill>
                     <a:srgbClr val="000000"/>
                   </a:solidFill>
@@ -24196,7 +24356,7 @@
             </a:ln>
             <a:extLst>
               <a:ext uri="{91240B29-F687-4f45-9708-019B960494DF}">
-                <a14:hiddenLine xmlns:a14="http://schemas.microsoft.com/office/drawing/2010/main" xmlns:p14="http://schemas.microsoft.com/office/powerpoint/2010/main" xmlns:a16="http://schemas.microsoft.com/office/drawing/2014/main" xmlns="" w="9525">
+                <a14:hiddenLine xmlns="" xmlns:a16="http://schemas.microsoft.com/office/drawing/2014/main" xmlns:p14="http://schemas.microsoft.com/office/powerpoint/2010/main" xmlns:a14="http://schemas.microsoft.com/office/drawing/2010/main" w="9525">
                   <a:solidFill>
                     <a:srgbClr val="000000"/>
                   </a:solidFill>
@@ -24301,7 +24461,7 @@
             </a:ln>
             <a:extLst>
               <a:ext uri="{91240B29-F687-4f45-9708-019B960494DF}">
-                <a14:hiddenLine xmlns:a14="http://schemas.microsoft.com/office/drawing/2010/main" xmlns:p14="http://schemas.microsoft.com/office/powerpoint/2010/main" xmlns:a16="http://schemas.microsoft.com/office/drawing/2014/main" xmlns="" w="9525">
+                <a14:hiddenLine xmlns="" xmlns:a16="http://schemas.microsoft.com/office/drawing/2014/main" xmlns:p14="http://schemas.microsoft.com/office/powerpoint/2010/main" xmlns:a14="http://schemas.microsoft.com/office/drawing/2010/main" w="9525">
                   <a:solidFill>
                     <a:srgbClr val="000000"/>
                   </a:solidFill>
@@ -24350,7 +24510,7 @@
             </a:ln>
             <a:extLst>
               <a:ext uri="{91240B29-F687-4f45-9708-019B960494DF}">
-                <a14:hiddenLine xmlns:a14="http://schemas.microsoft.com/office/drawing/2010/main" xmlns:p14="http://schemas.microsoft.com/office/powerpoint/2010/main" xmlns:a16="http://schemas.microsoft.com/office/drawing/2014/main" xmlns="" w="9525">
+                <a14:hiddenLine xmlns="" xmlns:a16="http://schemas.microsoft.com/office/drawing/2014/main" xmlns:p14="http://schemas.microsoft.com/office/powerpoint/2010/main" xmlns:a14="http://schemas.microsoft.com/office/drawing/2010/main" w="9525">
                   <a:solidFill>
                     <a:srgbClr val="000000"/>
                   </a:solidFill>
@@ -24455,7 +24615,7 @@
             </a:ln>
             <a:extLst>
               <a:ext uri="{91240B29-F687-4f45-9708-019B960494DF}">
-                <a14:hiddenLine xmlns:a14="http://schemas.microsoft.com/office/drawing/2010/main" xmlns:p14="http://schemas.microsoft.com/office/powerpoint/2010/main" xmlns:a16="http://schemas.microsoft.com/office/drawing/2014/main" xmlns="" w="9525">
+                <a14:hiddenLine xmlns="" xmlns:a16="http://schemas.microsoft.com/office/drawing/2014/main" xmlns:p14="http://schemas.microsoft.com/office/powerpoint/2010/main" xmlns:a14="http://schemas.microsoft.com/office/drawing/2010/main" w="9525">
                   <a:solidFill>
                     <a:srgbClr val="000000"/>
                   </a:solidFill>
@@ -24532,7 +24692,7 @@
             </a:ln>
             <a:extLst>
               <a:ext uri="{91240B29-F687-4f45-9708-019B960494DF}">
-                <a14:hiddenLine xmlns:a14="http://schemas.microsoft.com/office/drawing/2010/main" xmlns:p14="http://schemas.microsoft.com/office/powerpoint/2010/main" xmlns:a16="http://schemas.microsoft.com/office/drawing/2014/main" xmlns="" w="9525">
+                <a14:hiddenLine xmlns="" xmlns:a16="http://schemas.microsoft.com/office/drawing/2014/main" xmlns:p14="http://schemas.microsoft.com/office/powerpoint/2010/main" xmlns:a14="http://schemas.microsoft.com/office/drawing/2010/main" w="9525">
                   <a:solidFill>
                     <a:srgbClr val="000000"/>
                   </a:solidFill>
@@ -24609,7 +24769,7 @@
             </a:ln>
             <a:extLst>
               <a:ext uri="{91240B29-F687-4f45-9708-019B960494DF}">
-                <a14:hiddenLine xmlns:a14="http://schemas.microsoft.com/office/drawing/2010/main" xmlns:p14="http://schemas.microsoft.com/office/powerpoint/2010/main" xmlns:a16="http://schemas.microsoft.com/office/drawing/2014/main" xmlns="" w="9525">
+                <a14:hiddenLine xmlns="" xmlns:a16="http://schemas.microsoft.com/office/drawing/2014/main" xmlns:p14="http://schemas.microsoft.com/office/powerpoint/2010/main" xmlns:a14="http://schemas.microsoft.com/office/drawing/2010/main" w="9525">
                   <a:solidFill>
                     <a:srgbClr val="000000"/>
                   </a:solidFill>
@@ -24714,7 +24874,7 @@
             </a:ln>
             <a:extLst>
               <a:ext uri="{91240B29-F687-4f45-9708-019B960494DF}">
-                <a14:hiddenLine xmlns:a14="http://schemas.microsoft.com/office/drawing/2010/main" xmlns:p14="http://schemas.microsoft.com/office/powerpoint/2010/main" xmlns:a16="http://schemas.microsoft.com/office/drawing/2014/main" xmlns="" w="9525">
+                <a14:hiddenLine xmlns="" xmlns:a16="http://schemas.microsoft.com/office/drawing/2014/main" xmlns:p14="http://schemas.microsoft.com/office/powerpoint/2010/main" xmlns:a14="http://schemas.microsoft.com/office/drawing/2010/main" w="9525">
                   <a:solidFill>
                     <a:srgbClr val="000000"/>
                   </a:solidFill>
@@ -24791,7 +24951,7 @@
             </a:ln>
             <a:extLst>
               <a:ext uri="{91240B29-F687-4f45-9708-019B960494DF}">
-                <a14:hiddenLine xmlns:a14="http://schemas.microsoft.com/office/drawing/2010/main" xmlns:p14="http://schemas.microsoft.com/office/powerpoint/2010/main" xmlns:a16="http://schemas.microsoft.com/office/drawing/2014/main" xmlns="" w="9525">
+                <a14:hiddenLine xmlns="" xmlns:a16="http://schemas.microsoft.com/office/drawing/2014/main" xmlns:p14="http://schemas.microsoft.com/office/powerpoint/2010/main" xmlns:a14="http://schemas.microsoft.com/office/drawing/2010/main" w="9525">
                   <a:solidFill>
                     <a:srgbClr val="000000"/>
                   </a:solidFill>
@@ -24868,7 +25028,7 @@
             </a:ln>
             <a:extLst>
               <a:ext uri="{91240B29-F687-4f45-9708-019B960494DF}">
-                <a14:hiddenLine xmlns:a14="http://schemas.microsoft.com/office/drawing/2010/main" xmlns:p14="http://schemas.microsoft.com/office/powerpoint/2010/main" xmlns:a16="http://schemas.microsoft.com/office/drawing/2014/main" xmlns="" w="9525">
+                <a14:hiddenLine xmlns="" xmlns:a16="http://schemas.microsoft.com/office/drawing/2014/main" xmlns:p14="http://schemas.microsoft.com/office/powerpoint/2010/main" xmlns:a14="http://schemas.microsoft.com/office/drawing/2010/main" w="9525">
                   <a:solidFill>
                     <a:srgbClr val="000000"/>
                   </a:solidFill>
@@ -24973,7 +25133,7 @@
             </a:ln>
             <a:extLst>
               <a:ext uri="{91240B29-F687-4f45-9708-019B960494DF}">
-                <a14:hiddenLine xmlns:a14="http://schemas.microsoft.com/office/drawing/2010/main" xmlns:p14="http://schemas.microsoft.com/office/powerpoint/2010/main" xmlns:a16="http://schemas.microsoft.com/office/drawing/2014/main" xmlns="" w="9525">
+                <a14:hiddenLine xmlns="" xmlns:a16="http://schemas.microsoft.com/office/drawing/2014/main" xmlns:p14="http://schemas.microsoft.com/office/powerpoint/2010/main" xmlns:a14="http://schemas.microsoft.com/office/drawing/2010/main" w="9525">
                   <a:solidFill>
                     <a:srgbClr val="000000"/>
                   </a:solidFill>
@@ -25078,7 +25238,7 @@
             </a:ln>
             <a:extLst>
               <a:ext uri="{91240B29-F687-4f45-9708-019B960494DF}">
-                <a14:hiddenLine xmlns:a14="http://schemas.microsoft.com/office/drawing/2010/main" xmlns:p14="http://schemas.microsoft.com/office/powerpoint/2010/main" xmlns:a16="http://schemas.microsoft.com/office/drawing/2014/main" xmlns="" w="9525">
+                <a14:hiddenLine xmlns="" xmlns:a16="http://schemas.microsoft.com/office/drawing/2014/main" xmlns:p14="http://schemas.microsoft.com/office/powerpoint/2010/main" xmlns:a14="http://schemas.microsoft.com/office/drawing/2010/main" w="9525">
                   <a:solidFill>
                     <a:srgbClr val="000000"/>
                   </a:solidFill>
@@ -25155,7 +25315,7 @@
             </a:ln>
             <a:extLst>
               <a:ext uri="{91240B29-F687-4f45-9708-019B960494DF}">
-                <a14:hiddenLine xmlns:a14="http://schemas.microsoft.com/office/drawing/2010/main" xmlns:p14="http://schemas.microsoft.com/office/powerpoint/2010/main" xmlns:a16="http://schemas.microsoft.com/office/drawing/2014/main" xmlns="" w="9525">
+                <a14:hiddenLine xmlns="" xmlns:a16="http://schemas.microsoft.com/office/drawing/2014/main" xmlns:p14="http://schemas.microsoft.com/office/powerpoint/2010/main" xmlns:a14="http://schemas.microsoft.com/office/drawing/2010/main" w="9525">
                   <a:solidFill>
                     <a:srgbClr val="000000"/>
                   </a:solidFill>
@@ -25280,7 +25440,7 @@
             </a:ln>
             <a:extLst>
               <a:ext uri="{91240B29-F687-4f45-9708-019B960494DF}">
-                <a14:hiddenLine xmlns:a14="http://schemas.microsoft.com/office/drawing/2010/main" xmlns:p14="http://schemas.microsoft.com/office/powerpoint/2010/main" xmlns:a16="http://schemas.microsoft.com/office/drawing/2014/main" xmlns="" w="9525">
+                <a14:hiddenLine xmlns="" xmlns:a16="http://schemas.microsoft.com/office/drawing/2014/main" xmlns:p14="http://schemas.microsoft.com/office/powerpoint/2010/main" xmlns:a14="http://schemas.microsoft.com/office/drawing/2010/main" w="9525">
                   <a:solidFill>
                     <a:srgbClr val="000000"/>
                   </a:solidFill>
@@ -25357,7 +25517,7 @@
             </a:ln>
             <a:extLst>
               <a:ext uri="{91240B29-F687-4f45-9708-019B960494DF}">
-                <a14:hiddenLine xmlns:a14="http://schemas.microsoft.com/office/drawing/2010/main" xmlns:p14="http://schemas.microsoft.com/office/powerpoint/2010/main" xmlns:a16="http://schemas.microsoft.com/office/drawing/2014/main" xmlns="" w="9525">
+                <a14:hiddenLine xmlns="" xmlns:a16="http://schemas.microsoft.com/office/drawing/2014/main" xmlns:p14="http://schemas.microsoft.com/office/powerpoint/2010/main" xmlns:a14="http://schemas.microsoft.com/office/drawing/2010/main" w="9525">
                   <a:solidFill>
                     <a:srgbClr val="000000"/>
                   </a:solidFill>
@@ -25462,7 +25622,7 @@
             </a:ln>
             <a:extLst>
               <a:ext uri="{91240B29-F687-4f45-9708-019B960494DF}">
-                <a14:hiddenLine xmlns:a14="http://schemas.microsoft.com/office/drawing/2010/main" xmlns:p14="http://schemas.microsoft.com/office/powerpoint/2010/main" xmlns:a16="http://schemas.microsoft.com/office/drawing/2014/main" xmlns="" w="9525">
+                <a14:hiddenLine xmlns="" xmlns:a16="http://schemas.microsoft.com/office/drawing/2014/main" xmlns:p14="http://schemas.microsoft.com/office/powerpoint/2010/main" xmlns:a14="http://schemas.microsoft.com/office/drawing/2010/main" w="9525">
                   <a:solidFill>
                     <a:srgbClr val="000000"/>
                   </a:solidFill>
@@ -25567,7 +25727,7 @@
             </a:ln>
             <a:extLst>
               <a:ext uri="{91240B29-F687-4f45-9708-019B960494DF}">
-                <a14:hiddenLine xmlns:a14="http://schemas.microsoft.com/office/drawing/2010/main" xmlns:p14="http://schemas.microsoft.com/office/powerpoint/2010/main" xmlns:a16="http://schemas.microsoft.com/office/drawing/2014/main" xmlns="" w="9525">
+                <a14:hiddenLine xmlns="" xmlns:a16="http://schemas.microsoft.com/office/drawing/2014/main" xmlns:p14="http://schemas.microsoft.com/office/powerpoint/2010/main" xmlns:a14="http://schemas.microsoft.com/office/drawing/2010/main" w="9525">
                   <a:solidFill>
                     <a:srgbClr val="000000"/>
                   </a:solidFill>
@@ -25644,7 +25804,7 @@
             </a:ln>
             <a:extLst>
               <a:ext uri="{91240B29-F687-4f45-9708-019B960494DF}">
-                <a14:hiddenLine xmlns:a14="http://schemas.microsoft.com/office/drawing/2010/main" xmlns:p14="http://schemas.microsoft.com/office/powerpoint/2010/main" xmlns:a16="http://schemas.microsoft.com/office/drawing/2014/main" xmlns="" w="9525">
+                <a14:hiddenLine xmlns="" xmlns:a16="http://schemas.microsoft.com/office/drawing/2014/main" xmlns:p14="http://schemas.microsoft.com/office/powerpoint/2010/main" xmlns:a14="http://schemas.microsoft.com/office/drawing/2010/main" w="9525">
                   <a:solidFill>
                     <a:srgbClr val="000000"/>
                   </a:solidFill>
@@ -25749,7 +25909,7 @@
             </a:ln>
             <a:extLst>
               <a:ext uri="{91240B29-F687-4f45-9708-019B960494DF}">
-                <a14:hiddenLine xmlns:a14="http://schemas.microsoft.com/office/drawing/2010/main" xmlns:p14="http://schemas.microsoft.com/office/powerpoint/2010/main" xmlns:a16="http://schemas.microsoft.com/office/drawing/2014/main" xmlns="" w="9525">
+                <a14:hiddenLine xmlns="" xmlns:a16="http://schemas.microsoft.com/office/drawing/2014/main" xmlns:p14="http://schemas.microsoft.com/office/powerpoint/2010/main" xmlns:a14="http://schemas.microsoft.com/office/drawing/2010/main" w="9525">
                   <a:solidFill>
                     <a:srgbClr val="000000"/>
                   </a:solidFill>
@@ -25854,7 +26014,7 @@
             </a:ln>
             <a:extLst>
               <a:ext uri="{91240B29-F687-4f45-9708-019B960494DF}">
-                <a14:hiddenLine xmlns:a14="http://schemas.microsoft.com/office/drawing/2010/main" xmlns:p14="http://schemas.microsoft.com/office/powerpoint/2010/main" xmlns:a16="http://schemas.microsoft.com/office/drawing/2014/main" xmlns="" w="9525">
+                <a14:hiddenLine xmlns="" xmlns:a16="http://schemas.microsoft.com/office/drawing/2014/main" xmlns:p14="http://schemas.microsoft.com/office/powerpoint/2010/main" xmlns:a14="http://schemas.microsoft.com/office/drawing/2010/main" w="9525">
                   <a:solidFill>
                     <a:srgbClr val="000000"/>
                   </a:solidFill>
@@ -25925,7 +26085,7 @@
             </a:ln>
             <a:extLst>
               <a:ext uri="{91240B29-F687-4f45-9708-019B960494DF}">
-                <a14:hiddenLine xmlns:a14="http://schemas.microsoft.com/office/drawing/2010/main" xmlns:p14="http://schemas.microsoft.com/office/powerpoint/2010/main" xmlns:a16="http://schemas.microsoft.com/office/drawing/2014/main" xmlns="" w="9525">
+                <a14:hiddenLine xmlns="" xmlns:a16="http://schemas.microsoft.com/office/drawing/2014/main" xmlns:p14="http://schemas.microsoft.com/office/powerpoint/2010/main" xmlns:a14="http://schemas.microsoft.com/office/drawing/2010/main" w="9525">
                   <a:solidFill>
                     <a:srgbClr val="000000"/>
                   </a:solidFill>
@@ -26030,7 +26190,7 @@
             </a:ln>
             <a:extLst>
               <a:ext uri="{91240B29-F687-4f45-9708-019B960494DF}">
-                <a14:hiddenLine xmlns:a14="http://schemas.microsoft.com/office/drawing/2010/main" xmlns:p14="http://schemas.microsoft.com/office/powerpoint/2010/main" xmlns:a16="http://schemas.microsoft.com/office/drawing/2014/main" xmlns="" w="9525">
+                <a14:hiddenLine xmlns="" xmlns:a16="http://schemas.microsoft.com/office/drawing/2014/main" xmlns:p14="http://schemas.microsoft.com/office/powerpoint/2010/main" xmlns:a14="http://schemas.microsoft.com/office/drawing/2010/main" w="9525">
                   <a:solidFill>
                     <a:srgbClr val="000000"/>
                   </a:solidFill>
@@ -26101,7 +26261,7 @@
             </a:ln>
             <a:extLst>
               <a:ext uri="{91240B29-F687-4f45-9708-019B960494DF}">
-                <a14:hiddenLine xmlns:a14="http://schemas.microsoft.com/office/drawing/2010/main" xmlns:p14="http://schemas.microsoft.com/office/powerpoint/2010/main" xmlns:a16="http://schemas.microsoft.com/office/drawing/2014/main" xmlns="" w="9525">
+                <a14:hiddenLine xmlns="" xmlns:a16="http://schemas.microsoft.com/office/drawing/2014/main" xmlns:p14="http://schemas.microsoft.com/office/powerpoint/2010/main" xmlns:a14="http://schemas.microsoft.com/office/drawing/2010/main" w="9525">
                   <a:solidFill>
                     <a:srgbClr val="000000"/>
                   </a:solidFill>
@@ -26206,7 +26366,7 @@
             </a:ln>
             <a:extLst>
               <a:ext uri="{91240B29-F687-4f45-9708-019B960494DF}">
-                <a14:hiddenLine xmlns:a14="http://schemas.microsoft.com/office/drawing/2010/main" xmlns:p14="http://schemas.microsoft.com/office/powerpoint/2010/main" xmlns:a16="http://schemas.microsoft.com/office/drawing/2014/main" xmlns="" w="9525">
+                <a14:hiddenLine xmlns="" xmlns:a16="http://schemas.microsoft.com/office/drawing/2014/main" xmlns:p14="http://schemas.microsoft.com/office/powerpoint/2010/main" xmlns:a14="http://schemas.microsoft.com/office/drawing/2010/main" w="9525">
                   <a:solidFill>
                     <a:srgbClr val="000000"/>
                   </a:solidFill>
@@ -26289,7 +26449,7 @@
             </a:ln>
             <a:extLst>
               <a:ext uri="{91240B29-F687-4f45-9708-019B960494DF}">
-                <a14:hiddenLine xmlns:a14="http://schemas.microsoft.com/office/drawing/2010/main" xmlns:p14="http://schemas.microsoft.com/office/powerpoint/2010/main" xmlns:a16="http://schemas.microsoft.com/office/drawing/2014/main" xmlns="" w="9525">
+                <a14:hiddenLine xmlns="" xmlns:a16="http://schemas.microsoft.com/office/drawing/2014/main" xmlns:p14="http://schemas.microsoft.com/office/powerpoint/2010/main" xmlns:a14="http://schemas.microsoft.com/office/drawing/2010/main" w="9525">
                   <a:solidFill>
                     <a:srgbClr val="000000"/>
                   </a:solidFill>
@@ -26394,7 +26554,7 @@
             </a:ln>
             <a:extLst>
               <a:ext uri="{91240B29-F687-4f45-9708-019B960494DF}">
-                <a14:hiddenLine xmlns:a14="http://schemas.microsoft.com/office/drawing/2010/main" xmlns:p14="http://schemas.microsoft.com/office/powerpoint/2010/main" xmlns:a16="http://schemas.microsoft.com/office/drawing/2014/main" xmlns="" w="9525">
+                <a14:hiddenLine xmlns="" xmlns:a16="http://schemas.microsoft.com/office/drawing/2014/main" xmlns:p14="http://schemas.microsoft.com/office/powerpoint/2010/main" xmlns:a14="http://schemas.microsoft.com/office/drawing/2010/main" w="9525">
                   <a:solidFill>
                     <a:srgbClr val="000000"/>
                   </a:solidFill>
@@ -26477,7 +26637,7 @@
             </a:ln>
             <a:extLst>
               <a:ext uri="{91240B29-F687-4f45-9708-019B960494DF}">
-                <a14:hiddenLine xmlns:a14="http://schemas.microsoft.com/office/drawing/2010/main" xmlns:p14="http://schemas.microsoft.com/office/powerpoint/2010/main" xmlns:a16="http://schemas.microsoft.com/office/drawing/2014/main" xmlns="" w="9525">
+                <a14:hiddenLine xmlns="" xmlns:a16="http://schemas.microsoft.com/office/drawing/2014/main" xmlns:p14="http://schemas.microsoft.com/office/powerpoint/2010/main" xmlns:a14="http://schemas.microsoft.com/office/drawing/2010/main" w="9525">
                   <a:solidFill>
                     <a:srgbClr val="000000"/>
                   </a:solidFill>
@@ -26582,7 +26742,7 @@
             </a:ln>
             <a:extLst>
               <a:ext uri="{91240B29-F687-4f45-9708-019B960494DF}">
-                <a14:hiddenLine xmlns:a14="http://schemas.microsoft.com/office/drawing/2010/main" xmlns:p14="http://schemas.microsoft.com/office/powerpoint/2010/main" xmlns:a16="http://schemas.microsoft.com/office/drawing/2014/main" xmlns="" w="9525">
+                <a14:hiddenLine xmlns="" xmlns:a16="http://schemas.microsoft.com/office/drawing/2014/main" xmlns:p14="http://schemas.microsoft.com/office/powerpoint/2010/main" xmlns:a14="http://schemas.microsoft.com/office/drawing/2010/main" w="9525">
                   <a:solidFill>
                     <a:srgbClr val="000000"/>
                   </a:solidFill>
@@ -26631,7 +26791,7 @@
             </a:ln>
             <a:extLst>
               <a:ext uri="{91240B29-F687-4f45-9708-019B960494DF}">
-                <a14:hiddenLine xmlns:a14="http://schemas.microsoft.com/office/drawing/2010/main" xmlns:p14="http://schemas.microsoft.com/office/powerpoint/2010/main" xmlns:a16="http://schemas.microsoft.com/office/drawing/2014/main" xmlns="" w="9525">
+                <a14:hiddenLine xmlns="" xmlns:a16="http://schemas.microsoft.com/office/drawing/2014/main" xmlns:p14="http://schemas.microsoft.com/office/powerpoint/2010/main" xmlns:a14="http://schemas.microsoft.com/office/drawing/2010/main" w="9525">
                   <a:solidFill>
                     <a:srgbClr val="000000"/>
                   </a:solidFill>
@@ -26736,7 +26896,7 @@
             </a:ln>
             <a:extLst>
               <a:ext uri="{91240B29-F687-4f45-9708-019B960494DF}">
-                <a14:hiddenLine xmlns:a14="http://schemas.microsoft.com/office/drawing/2010/main" xmlns:p14="http://schemas.microsoft.com/office/powerpoint/2010/main" xmlns:a16="http://schemas.microsoft.com/office/drawing/2014/main" xmlns="" w="9525">
+                <a14:hiddenLine xmlns="" xmlns:a16="http://schemas.microsoft.com/office/drawing/2014/main" xmlns:p14="http://schemas.microsoft.com/office/powerpoint/2010/main" xmlns:a14="http://schemas.microsoft.com/office/drawing/2010/main" w="9525">
                   <a:solidFill>
                     <a:srgbClr val="000000"/>
                   </a:solidFill>
@@ -26813,7 +26973,7 @@
             </a:ln>
             <a:extLst>
               <a:ext uri="{91240B29-F687-4f45-9708-019B960494DF}">
-                <a14:hiddenLine xmlns:a14="http://schemas.microsoft.com/office/drawing/2010/main" xmlns:p14="http://schemas.microsoft.com/office/powerpoint/2010/main" xmlns:a16="http://schemas.microsoft.com/office/drawing/2014/main" xmlns="" w="9525">
+                <a14:hiddenLine xmlns="" xmlns:a16="http://schemas.microsoft.com/office/drawing/2014/main" xmlns:p14="http://schemas.microsoft.com/office/powerpoint/2010/main" xmlns:a14="http://schemas.microsoft.com/office/drawing/2010/main" w="9525">
                   <a:solidFill>
                     <a:srgbClr val="000000"/>
                   </a:solidFill>
@@ -26890,7 +27050,7 @@
             </a:ln>
             <a:extLst>
               <a:ext uri="{91240B29-F687-4f45-9708-019B960494DF}">
-                <a14:hiddenLine xmlns:a14="http://schemas.microsoft.com/office/drawing/2010/main" xmlns:p14="http://schemas.microsoft.com/office/powerpoint/2010/main" xmlns:a16="http://schemas.microsoft.com/office/drawing/2014/main" xmlns="" w="9525">
+                <a14:hiddenLine xmlns="" xmlns:a16="http://schemas.microsoft.com/office/drawing/2014/main" xmlns:p14="http://schemas.microsoft.com/office/powerpoint/2010/main" xmlns:a14="http://schemas.microsoft.com/office/drawing/2010/main" w="9525">
                   <a:solidFill>
                     <a:srgbClr val="000000"/>
                   </a:solidFill>
@@ -26995,7 +27155,7 @@
             </a:ln>
             <a:extLst>
               <a:ext uri="{91240B29-F687-4f45-9708-019B960494DF}">
-                <a14:hiddenLine xmlns:a14="http://schemas.microsoft.com/office/drawing/2010/main" xmlns:p14="http://schemas.microsoft.com/office/powerpoint/2010/main" xmlns:a16="http://schemas.microsoft.com/office/drawing/2014/main" xmlns="" w="9525">
+                <a14:hiddenLine xmlns="" xmlns:a16="http://schemas.microsoft.com/office/drawing/2014/main" xmlns:p14="http://schemas.microsoft.com/office/powerpoint/2010/main" xmlns:a14="http://schemas.microsoft.com/office/drawing/2010/main" w="9525">
                   <a:solidFill>
                     <a:srgbClr val="000000"/>
                   </a:solidFill>
@@ -27078,7 +27238,7 @@
             </a:ln>
             <a:extLst>
               <a:ext uri="{91240B29-F687-4f45-9708-019B960494DF}">
-                <a14:hiddenLine xmlns:a14="http://schemas.microsoft.com/office/drawing/2010/main" xmlns:p14="http://schemas.microsoft.com/office/powerpoint/2010/main" xmlns:a16="http://schemas.microsoft.com/office/drawing/2014/main" xmlns="" w="9525">
+                <a14:hiddenLine xmlns="" xmlns:a16="http://schemas.microsoft.com/office/drawing/2014/main" xmlns:p14="http://schemas.microsoft.com/office/powerpoint/2010/main" xmlns:a14="http://schemas.microsoft.com/office/drawing/2010/main" w="9525">
                   <a:solidFill>
                     <a:srgbClr val="000000"/>
                   </a:solidFill>
@@ -27155,7 +27315,7 @@
             </a:ln>
             <a:extLst>
               <a:ext uri="{91240B29-F687-4f45-9708-019B960494DF}">
-                <a14:hiddenLine xmlns:a14="http://schemas.microsoft.com/office/drawing/2010/main" xmlns:p14="http://schemas.microsoft.com/office/powerpoint/2010/main" xmlns:a16="http://schemas.microsoft.com/office/drawing/2014/main" xmlns="" w="9525">
+                <a14:hiddenLine xmlns="" xmlns:a16="http://schemas.microsoft.com/office/drawing/2014/main" xmlns:p14="http://schemas.microsoft.com/office/powerpoint/2010/main" xmlns:a14="http://schemas.microsoft.com/office/drawing/2010/main" w="9525">
                   <a:solidFill>
                     <a:srgbClr val="000000"/>
                   </a:solidFill>
@@ -27260,7 +27420,7 @@
             </a:ln>
             <a:extLst>
               <a:ext uri="{91240B29-F687-4f45-9708-019B960494DF}">
-                <a14:hiddenLine xmlns:a14="http://schemas.microsoft.com/office/drawing/2010/main" xmlns:p14="http://schemas.microsoft.com/office/powerpoint/2010/main" xmlns:a16="http://schemas.microsoft.com/office/drawing/2014/main" xmlns="" w="9525">
+                <a14:hiddenLine xmlns="" xmlns:a16="http://schemas.microsoft.com/office/drawing/2014/main" xmlns:p14="http://schemas.microsoft.com/office/powerpoint/2010/main" xmlns:a14="http://schemas.microsoft.com/office/drawing/2010/main" w="9525">
                   <a:solidFill>
                     <a:srgbClr val="000000"/>
                   </a:solidFill>
@@ -27337,7 +27497,7 @@
             </a:ln>
             <a:extLst>
               <a:ext uri="{91240B29-F687-4f45-9708-019B960494DF}">
-                <a14:hiddenLine xmlns:a14="http://schemas.microsoft.com/office/drawing/2010/main" xmlns:p14="http://schemas.microsoft.com/office/powerpoint/2010/main" xmlns:a16="http://schemas.microsoft.com/office/drawing/2014/main" xmlns="" w="9525">
+                <a14:hiddenLine xmlns="" xmlns:a16="http://schemas.microsoft.com/office/drawing/2014/main" xmlns:p14="http://schemas.microsoft.com/office/powerpoint/2010/main" xmlns:a14="http://schemas.microsoft.com/office/drawing/2010/main" w="9525">
                   <a:solidFill>
                     <a:srgbClr val="000000"/>
                   </a:solidFill>
@@ -27442,7 +27602,7 @@
             </a:ln>
             <a:extLst>
               <a:ext uri="{91240B29-F687-4f45-9708-019B960494DF}">
-                <a14:hiddenLine xmlns:a14="http://schemas.microsoft.com/office/drawing/2010/main" xmlns:p14="http://schemas.microsoft.com/office/powerpoint/2010/main" xmlns:a16="http://schemas.microsoft.com/office/drawing/2014/main" xmlns="" w="9525">
+                <a14:hiddenLine xmlns="" xmlns:a16="http://schemas.microsoft.com/office/drawing/2014/main" xmlns:p14="http://schemas.microsoft.com/office/powerpoint/2010/main" xmlns:a14="http://schemas.microsoft.com/office/drawing/2010/main" w="9525">
                   <a:solidFill>
                     <a:srgbClr val="000000"/>
                   </a:solidFill>
@@ -27519,7 +27679,7 @@
             </a:ln>
             <a:extLst>
               <a:ext uri="{91240B29-F687-4f45-9708-019B960494DF}">
-                <a14:hiddenLine xmlns:a14="http://schemas.microsoft.com/office/drawing/2010/main" xmlns:p14="http://schemas.microsoft.com/office/powerpoint/2010/main" xmlns:a16="http://schemas.microsoft.com/office/drawing/2014/main" xmlns="" w="9525">
+                <a14:hiddenLine xmlns="" xmlns:a16="http://schemas.microsoft.com/office/drawing/2014/main" xmlns:p14="http://schemas.microsoft.com/office/powerpoint/2010/main" xmlns:a14="http://schemas.microsoft.com/office/drawing/2010/main" w="9525">
                   <a:solidFill>
                     <a:srgbClr val="000000"/>
                   </a:solidFill>
@@ -27624,7 +27784,7 @@
             </a:ln>
             <a:extLst>
               <a:ext uri="{91240B29-F687-4f45-9708-019B960494DF}">
-                <a14:hiddenLine xmlns:a14="http://schemas.microsoft.com/office/drawing/2010/main" xmlns:p14="http://schemas.microsoft.com/office/powerpoint/2010/main" xmlns:a16="http://schemas.microsoft.com/office/drawing/2014/main" xmlns="" w="9525">
+                <a14:hiddenLine xmlns="" xmlns:a16="http://schemas.microsoft.com/office/drawing/2014/main" xmlns:p14="http://schemas.microsoft.com/office/powerpoint/2010/main" xmlns:a14="http://schemas.microsoft.com/office/drawing/2010/main" w="9525">
                   <a:solidFill>
                     <a:srgbClr val="000000"/>
                   </a:solidFill>
@@ -27673,7 +27833,7 @@
             </a:ln>
             <a:extLst>
               <a:ext uri="{91240B29-F687-4f45-9708-019B960494DF}">
-                <a14:hiddenLine xmlns:a14="http://schemas.microsoft.com/office/drawing/2010/main" xmlns:p14="http://schemas.microsoft.com/office/powerpoint/2010/main" xmlns:a16="http://schemas.microsoft.com/office/drawing/2014/main" xmlns="" w="9525">
+                <a14:hiddenLine xmlns="" xmlns:a16="http://schemas.microsoft.com/office/drawing/2014/main" xmlns:p14="http://schemas.microsoft.com/office/powerpoint/2010/main" xmlns:a14="http://schemas.microsoft.com/office/drawing/2010/main" w="9525">
                   <a:solidFill>
                     <a:srgbClr val="000000"/>
                   </a:solidFill>
@@ -27753,7 +27913,7 @@
             </a:ln>
             <a:extLst>
               <a:ext uri="{91240B29-F687-4f45-9708-019B960494DF}">
-                <a14:hiddenLine xmlns:a14="http://schemas.microsoft.com/office/drawing/2010/main" xmlns:p14="http://schemas.microsoft.com/office/powerpoint/2010/main" xmlns:a16="http://schemas.microsoft.com/office/drawing/2014/main" xmlns="" w="9525">
+                <a14:hiddenLine xmlns="" xmlns:a16="http://schemas.microsoft.com/office/drawing/2014/main" xmlns:p14="http://schemas.microsoft.com/office/powerpoint/2010/main" xmlns:a14="http://schemas.microsoft.com/office/drawing/2010/main" w="9525">
                   <a:solidFill>
                     <a:srgbClr val="000000"/>
                   </a:solidFill>
@@ -27858,7 +28018,7 @@
             </a:ln>
             <a:extLst>
               <a:ext uri="{91240B29-F687-4f45-9708-019B960494DF}">
-                <a14:hiddenLine xmlns:a14="http://schemas.microsoft.com/office/drawing/2010/main" xmlns:p14="http://schemas.microsoft.com/office/powerpoint/2010/main" xmlns:a16="http://schemas.microsoft.com/office/drawing/2014/main" xmlns="" w="9525">
+                <a14:hiddenLine xmlns="" xmlns:a16="http://schemas.microsoft.com/office/drawing/2014/main" xmlns:p14="http://schemas.microsoft.com/office/powerpoint/2010/main" xmlns:a14="http://schemas.microsoft.com/office/drawing/2010/main" w="9525">
                   <a:solidFill>
                     <a:srgbClr val="000000"/>
                   </a:solidFill>
@@ -27935,7 +28095,7 @@
             </a:ln>
             <a:extLst>
               <a:ext uri="{91240B29-F687-4f45-9708-019B960494DF}">
-                <a14:hiddenLine xmlns:a14="http://schemas.microsoft.com/office/drawing/2010/main" xmlns:p14="http://schemas.microsoft.com/office/powerpoint/2010/main" xmlns:a16="http://schemas.microsoft.com/office/drawing/2014/main" xmlns="" w="9525">
+                <a14:hiddenLine xmlns="" xmlns:a16="http://schemas.microsoft.com/office/drawing/2014/main" xmlns:p14="http://schemas.microsoft.com/office/powerpoint/2010/main" xmlns:a14="http://schemas.microsoft.com/office/drawing/2010/main" w="9525">
                   <a:solidFill>
                     <a:srgbClr val="000000"/>
                   </a:solidFill>
@@ -28040,7 +28200,7 @@
             </a:ln>
             <a:extLst>
               <a:ext uri="{91240B29-F687-4f45-9708-019B960494DF}">
-                <a14:hiddenLine xmlns:a14="http://schemas.microsoft.com/office/drawing/2010/main" xmlns:p14="http://schemas.microsoft.com/office/powerpoint/2010/main" xmlns:a16="http://schemas.microsoft.com/office/drawing/2014/main" xmlns="" w="9525">
+                <a14:hiddenLine xmlns="" xmlns:a16="http://schemas.microsoft.com/office/drawing/2014/main" xmlns:p14="http://schemas.microsoft.com/office/powerpoint/2010/main" xmlns:a14="http://schemas.microsoft.com/office/drawing/2010/main" w="9525">
                   <a:solidFill>
                     <a:srgbClr val="000000"/>
                   </a:solidFill>
@@ -28145,7 +28305,7 @@
             </a:ln>
             <a:extLst>
               <a:ext uri="{91240B29-F687-4f45-9708-019B960494DF}">
-                <a14:hiddenLine xmlns:a14="http://schemas.microsoft.com/office/drawing/2010/main" xmlns:p14="http://schemas.microsoft.com/office/powerpoint/2010/main" xmlns:a16="http://schemas.microsoft.com/office/drawing/2014/main" xmlns="" w="9525">
+                <a14:hiddenLine xmlns="" xmlns:a16="http://schemas.microsoft.com/office/drawing/2014/main" xmlns:p14="http://schemas.microsoft.com/office/powerpoint/2010/main" xmlns:a14="http://schemas.microsoft.com/office/drawing/2010/main" w="9525">
                   <a:solidFill>
                     <a:srgbClr val="000000"/>
                   </a:solidFill>
@@ -28225,7 +28385,7 @@
             </a:ln>
             <a:extLst>
               <a:ext uri="{91240B29-F687-4f45-9708-019B960494DF}">
-                <a14:hiddenLine xmlns:a14="http://schemas.microsoft.com/office/drawing/2010/main" xmlns:p14="http://schemas.microsoft.com/office/powerpoint/2010/main" xmlns:a16="http://schemas.microsoft.com/office/drawing/2014/main" xmlns="" w="9525">
+                <a14:hiddenLine xmlns="" xmlns:a16="http://schemas.microsoft.com/office/drawing/2014/main" xmlns:p14="http://schemas.microsoft.com/office/powerpoint/2010/main" xmlns:a14="http://schemas.microsoft.com/office/drawing/2010/main" w="9525">
                   <a:solidFill>
                     <a:srgbClr val="000000"/>
                   </a:solidFill>
@@ -28302,7 +28462,7 @@
             </a:ln>
             <a:extLst>
               <a:ext uri="{91240B29-F687-4f45-9708-019B960494DF}">
-                <a14:hiddenLine xmlns:a14="http://schemas.microsoft.com/office/drawing/2010/main" xmlns:p14="http://schemas.microsoft.com/office/powerpoint/2010/main" xmlns:a16="http://schemas.microsoft.com/office/drawing/2014/main" xmlns="" w="9525">
+                <a14:hiddenLine xmlns="" xmlns:a16="http://schemas.microsoft.com/office/drawing/2014/main" xmlns:p14="http://schemas.microsoft.com/office/powerpoint/2010/main" xmlns:a14="http://schemas.microsoft.com/office/drawing/2010/main" w="9525">
                   <a:solidFill>
                     <a:srgbClr val="000000"/>
                   </a:solidFill>
@@ -28407,7 +28567,7 @@
             </a:ln>
             <a:extLst>
               <a:ext uri="{91240B29-F687-4f45-9708-019B960494DF}">
-                <a14:hiddenLine xmlns:a14="http://schemas.microsoft.com/office/drawing/2010/main" xmlns:p14="http://schemas.microsoft.com/office/powerpoint/2010/main" xmlns:a16="http://schemas.microsoft.com/office/drawing/2014/main" xmlns="" w="9525">
+                <a14:hiddenLine xmlns="" xmlns:a16="http://schemas.microsoft.com/office/drawing/2014/main" xmlns:p14="http://schemas.microsoft.com/office/powerpoint/2010/main" xmlns:a14="http://schemas.microsoft.com/office/drawing/2010/main" w="9525">
                   <a:solidFill>
                     <a:srgbClr val="000000"/>
                   </a:solidFill>
@@ -28512,7 +28672,7 @@
             </a:ln>
             <a:extLst>
               <a:ext uri="{91240B29-F687-4f45-9708-019B960494DF}">
-                <a14:hiddenLine xmlns:a14="http://schemas.microsoft.com/office/drawing/2010/main" xmlns:p14="http://schemas.microsoft.com/office/powerpoint/2010/main" xmlns:a16="http://schemas.microsoft.com/office/drawing/2014/main" xmlns="" w="9525">
+                <a14:hiddenLine xmlns="" xmlns:a16="http://schemas.microsoft.com/office/drawing/2014/main" xmlns:p14="http://schemas.microsoft.com/office/powerpoint/2010/main" xmlns:a14="http://schemas.microsoft.com/office/drawing/2010/main" w="9525">
                   <a:solidFill>
                     <a:srgbClr val="000000"/>
                   </a:solidFill>
@@ -28589,7 +28749,7 @@
             </a:ln>
             <a:extLst>
               <a:ext uri="{91240B29-F687-4f45-9708-019B960494DF}">
-                <a14:hiddenLine xmlns:a14="http://schemas.microsoft.com/office/drawing/2010/main" xmlns:p14="http://schemas.microsoft.com/office/powerpoint/2010/main" xmlns:a16="http://schemas.microsoft.com/office/drawing/2014/main" xmlns="" w="9525">
+                <a14:hiddenLine xmlns="" xmlns:a16="http://schemas.microsoft.com/office/drawing/2014/main" xmlns:p14="http://schemas.microsoft.com/office/powerpoint/2010/main" xmlns:a14="http://schemas.microsoft.com/office/drawing/2010/main" w="9525">
                   <a:solidFill>
                     <a:srgbClr val="000000"/>
                   </a:solidFill>
@@ -28724,7 +28884,7 @@
             </a:ln>
             <a:extLst>
               <a:ext uri="{91240B29-F687-4f45-9708-019B960494DF}">
-                <a14:hiddenLine xmlns:a14="http://schemas.microsoft.com/office/drawing/2010/main" xmlns:p14="http://schemas.microsoft.com/office/powerpoint/2010/main" xmlns:a16="http://schemas.microsoft.com/office/drawing/2014/main" xmlns="" w="9525">
+                <a14:hiddenLine xmlns="" xmlns:a16="http://schemas.microsoft.com/office/drawing/2014/main" xmlns:p14="http://schemas.microsoft.com/office/powerpoint/2010/main" xmlns:a14="http://schemas.microsoft.com/office/drawing/2010/main" w="9525">
                   <a:solidFill>
                     <a:srgbClr val="000000"/>
                   </a:solidFill>
@@ -28807,7 +28967,7 @@
             </a:ln>
             <a:extLst>
               <a:ext uri="{91240B29-F687-4f45-9708-019B960494DF}">
-                <a14:hiddenLine xmlns:a14="http://schemas.microsoft.com/office/drawing/2010/main" xmlns:p14="http://schemas.microsoft.com/office/powerpoint/2010/main" xmlns:a16="http://schemas.microsoft.com/office/drawing/2014/main" xmlns="" w="9525">
+                <a14:hiddenLine xmlns="" xmlns:a16="http://schemas.microsoft.com/office/drawing/2014/main" xmlns:p14="http://schemas.microsoft.com/office/powerpoint/2010/main" xmlns:a14="http://schemas.microsoft.com/office/drawing/2010/main" w="9525">
                   <a:solidFill>
                     <a:srgbClr val="000000"/>
                   </a:solidFill>
@@ -28912,7 +29072,7 @@
             </a:ln>
             <a:extLst>
               <a:ext uri="{91240B29-F687-4f45-9708-019B960494DF}">
-                <a14:hiddenLine xmlns:a14="http://schemas.microsoft.com/office/drawing/2010/main" xmlns:p14="http://schemas.microsoft.com/office/powerpoint/2010/main" xmlns:a16="http://schemas.microsoft.com/office/drawing/2014/main" xmlns="" w="9525">
+                <a14:hiddenLine xmlns="" xmlns:a16="http://schemas.microsoft.com/office/drawing/2014/main" xmlns:p14="http://schemas.microsoft.com/office/powerpoint/2010/main" xmlns:a14="http://schemas.microsoft.com/office/drawing/2010/main" w="9525">
                   <a:solidFill>
                     <a:srgbClr val="000000"/>
                   </a:solidFill>
@@ -28975,9 +29135,9 @@
         <p:grpSpPr>
           <a:xfrm>
             <a:off x="1214150" y="1778078"/>
-            <a:ext cx="9097222" cy="4584213"/>
+            <a:ext cx="8928720" cy="4435949"/>
             <a:chOff x="1607850" y="1778078"/>
-            <a:chExt cx="9097222" cy="4584213"/>
+            <a:chExt cx="8928720" cy="4435949"/>
           </a:xfrm>
         </p:grpSpPr>
         <p:grpSp>
@@ -28994,71 +29154,12 @@
           </p:nvGrpSpPr>
           <p:grpSpPr>
             <a:xfrm>
-              <a:off x="1607850" y="2300288"/>
-              <a:ext cx="9097222" cy="4062003"/>
-              <a:chOff x="1607850" y="2236788"/>
-              <a:chExt cx="9394038" cy="4125503"/>
+              <a:off x="1607850" y="2352230"/>
+              <a:ext cx="8928720" cy="3861797"/>
+              <a:chOff x="1607850" y="2289542"/>
+              <a:chExt cx="9220036" cy="3922169"/>
             </a:xfrm>
           </p:grpSpPr>
-          <p:pic>
-            <p:nvPicPr>
-              <p:cNvPr id="3074" name="Picture 2">
-                <a:extLst>
-                  <a:ext uri="{FF2B5EF4-FFF2-40B4-BE49-F238E27FC236}">
-                    <a16:creationId xmlns:a16="http://schemas.microsoft.com/office/drawing/2014/main" id="{4D2084A0-4F89-4C46-A7EE-082D7A6A1A4B}"/>
-                  </a:ext>
-                </a:extLst>
-              </p:cNvPr>
-              <p:cNvPicPr>
-                <a:picLocks noChangeAspect="1" noChangeArrowheads="1"/>
-              </p:cNvPicPr>
-              <p:nvPr/>
-            </p:nvPicPr>
-            <p:blipFill rotWithShape="1">
-              <a:blip r:embed="rId4">
-                <a:extLst>
-                  <a:ext uri="{28A0092B-C50C-407E-A947-70E740481C1C}">
-                    <a14:useLocalDpi xmlns:a14="http://schemas.microsoft.com/office/drawing/2010/main" val="0"/>
-                  </a:ext>
-                </a:extLst>
-              </a:blip>
-              <a:srcRect l="3415" t="-1" r="-404" b="31371"/>
-              <a:stretch/>
-            </p:blipFill>
-            <p:spPr bwMode="auto">
-              <a:xfrm>
-                <a:off x="6534267" y="2236788"/>
-                <a:ext cx="4467621" cy="2705100"/>
-              </a:xfrm>
-              <a:prstGeom prst="round2DiagRect">
-                <a:avLst>
-                  <a:gd name="adj1" fmla="val 5608"/>
-                  <a:gd name="adj2" fmla="val 0"/>
-                </a:avLst>
-              </a:prstGeom>
-              <a:noFill/>
-              <a:ln w="19050" cap="sq">
-                <a:noFill/>
-                <a:miter lim="800000"/>
-              </a:ln>
-              <a:effectLst>
-                <a:outerShdw blurRad="88900" dist="38100" dir="5400000" algn="t" rotWithShape="0">
-                  <a:prstClr val="black">
-                    <a:alpha val="40000"/>
-                  </a:prstClr>
-                </a:outerShdw>
-              </a:effectLst>
-              <a:extLst>
-                <a:ext uri="{909E8E84-426E-40DD-AFC4-6F175D3DCCD1}">
-                  <a14:hiddenFill xmlns:a14="http://schemas.microsoft.com/office/drawing/2010/main">
-                    <a:solidFill>
-                      <a:srgbClr val="FFFFFF"/>
-                    </a:solidFill>
-                  </a14:hiddenFill>
-                </a:ext>
-              </a:extLst>
-            </p:spPr>
-          </p:pic>
           <p:pic>
             <p:nvPicPr>
               <p:cNvPr id="3076" name="Picture 4">
@@ -29074,7 +29175,7 @@
               <p:nvPr/>
             </p:nvPicPr>
             <p:blipFill rotWithShape="1">
-              <a:blip r:embed="rId5">
+              <a:blip r:embed="rId4">
                 <a:extLst>
                   <a:ext uri="{28A0092B-C50C-407E-A947-70E740481C1C}">
                     <a14:useLocalDpi xmlns:a14="http://schemas.microsoft.com/office/drawing/2010/main" val="0"/>
@@ -29132,10 +29233,10 @@
             </p:nvGrpSpPr>
             <p:grpSpPr>
               <a:xfrm rot="16200000">
-                <a:off x="3992514" y="3976187"/>
-                <a:ext cx="1319977" cy="3452229"/>
-                <a:chOff x="2356618" y="1449888"/>
-                <a:chExt cx="1319977" cy="3452229"/>
+                <a:off x="3992521" y="3825586"/>
+                <a:ext cx="1319977" cy="3452232"/>
+                <a:chOff x="2507226" y="1449885"/>
+                <a:chExt cx="1319977" cy="3452232"/>
               </a:xfrm>
             </p:grpSpPr>
             <p:sp>
@@ -29152,7 +29253,7 @@
               </p:nvSpPr>
               <p:spPr>
                 <a:xfrm>
-                  <a:off x="2356618" y="1449888"/>
+                  <a:off x="2507226" y="1449885"/>
                   <a:ext cx="1319977" cy="369332"/>
                 </a:xfrm>
                 <a:prstGeom prst="rect">
@@ -29192,7 +29293,7 @@
               </p:nvSpPr>
               <p:spPr>
                 <a:xfrm>
-                  <a:off x="2648365" y="2220613"/>
+                  <a:off x="2798972" y="2220611"/>
                   <a:ext cx="1028230" cy="369332"/>
                 </a:xfrm>
                 <a:prstGeom prst="rect">
@@ -29232,7 +29333,7 @@
               </p:nvSpPr>
               <p:spPr>
                 <a:xfrm>
-                  <a:off x="2526985" y="4532785"/>
+                  <a:off x="2677585" y="4532785"/>
                   <a:ext cx="1149610" cy="369332"/>
                 </a:xfrm>
                 <a:prstGeom prst="rect">
@@ -29272,7 +29373,7 @@
               </p:nvSpPr>
               <p:spPr>
                 <a:xfrm>
-                  <a:off x="2818731" y="3762061"/>
+                  <a:off x="2969337" y="3762059"/>
                   <a:ext cx="857864" cy="369332"/>
                 </a:xfrm>
                 <a:prstGeom prst="rect">
@@ -29312,7 +29413,7 @@
               </p:nvSpPr>
               <p:spPr>
                 <a:xfrm>
-                  <a:off x="2806485" y="2991337"/>
+                  <a:off x="2957093" y="2991335"/>
                   <a:ext cx="870110" cy="369332"/>
                 </a:xfrm>
                 <a:prstGeom prst="rect">
@@ -29392,10 +29493,10 @@
             </p:nvGrpSpPr>
             <p:grpSpPr>
               <a:xfrm rot="16200000">
-                <a:off x="8263142" y="3976188"/>
-                <a:ext cx="1319977" cy="3452229"/>
-                <a:chOff x="2356618" y="1449888"/>
-                <a:chExt cx="1319977" cy="3452229"/>
+                <a:off x="8441781" y="3825607"/>
+                <a:ext cx="1319985" cy="3452224"/>
+                <a:chOff x="2507211" y="1628520"/>
+                <a:chExt cx="1319985" cy="3452224"/>
               </a:xfrm>
             </p:grpSpPr>
             <p:sp>
@@ -29412,7 +29513,7 @@
               </p:nvSpPr>
               <p:spPr>
                 <a:xfrm>
-                  <a:off x="2356618" y="1449888"/>
+                  <a:off x="2507211" y="1628520"/>
                   <a:ext cx="1319977" cy="369332"/>
                 </a:xfrm>
                 <a:prstGeom prst="rect">
@@ -29452,8 +29553,8 @@
               </p:nvSpPr>
               <p:spPr>
                 <a:xfrm>
-                  <a:off x="2648365" y="2220613"/>
-                  <a:ext cx="1028230" cy="369332"/>
+                  <a:off x="2798961" y="2399248"/>
+                  <a:ext cx="1028230" cy="369331"/>
                 </a:xfrm>
                 <a:prstGeom prst="rect">
                   <a:avLst/>
@@ -29492,8 +29593,8 @@
               </p:nvSpPr>
               <p:spPr>
                 <a:xfrm>
-                  <a:off x="2526985" y="4532785"/>
-                  <a:ext cx="1149610" cy="369332"/>
+                  <a:off x="2677586" y="4711413"/>
+                  <a:ext cx="1149610" cy="369331"/>
                 </a:xfrm>
                 <a:prstGeom prst="rect">
                   <a:avLst/>
@@ -29532,8 +29633,8 @@
               </p:nvSpPr>
               <p:spPr>
                 <a:xfrm>
-                  <a:off x="2818731" y="3762061"/>
-                  <a:ext cx="857864" cy="369332"/>
+                  <a:off x="2969330" y="3940692"/>
+                  <a:ext cx="857864" cy="369331"/>
                 </a:xfrm>
                 <a:prstGeom prst="rect">
                   <a:avLst/>
@@ -29572,8 +29673,8 @@
               </p:nvSpPr>
               <p:spPr>
                 <a:xfrm>
-                  <a:off x="2806485" y="2991337"/>
-                  <a:ext cx="870110" cy="369332"/>
+                  <a:off x="2957083" y="3169967"/>
+                  <a:ext cx="870110" cy="369331"/>
                 </a:xfrm>
                 <a:prstGeom prst="rect">
                   <a:avLst/>
@@ -29679,6 +29780,51 @@
           </p:txBody>
         </p:sp>
       </p:grpSp>
+      <p:pic>
+        <p:nvPicPr>
+          <p:cNvPr id="2050" name="Picture 2">
+            <a:extLst>
+              <a:ext uri="{FF2B5EF4-FFF2-40B4-BE49-F238E27FC236}">
+                <a16:creationId xmlns:a16="http://schemas.microsoft.com/office/drawing/2014/main" id="{E7344898-FD58-6B4E-8922-C79BF06BE2BC}"/>
+              </a:ext>
+            </a:extLst>
+          </p:cNvPr>
+          <p:cNvPicPr>
+            <a:picLocks noChangeAspect="1" noChangeArrowheads="1"/>
+          </p:cNvPicPr>
+          <p:nvPr/>
+        </p:nvPicPr>
+        <p:blipFill rotWithShape="1">
+          <a:blip r:embed="rId5">
+            <a:extLst>
+              <a:ext uri="{28A0092B-C50C-407E-A947-70E740481C1C}">
+                <a14:useLocalDpi xmlns:a14="http://schemas.microsoft.com/office/drawing/2010/main" val="0"/>
+              </a:ext>
+            </a:extLst>
+          </a:blip>
+          <a:srcRect l="4743" t="5191" r="-1088" b="35498"/>
+          <a:stretch/>
+        </p:blipFill>
+        <p:spPr bwMode="auto">
+          <a:xfrm>
+            <a:off x="6098334" y="2401596"/>
+            <a:ext cx="4383830" cy="2560135"/>
+          </a:xfrm>
+          <a:prstGeom prst="rect">
+            <a:avLst/>
+          </a:prstGeom>
+          <a:noFill/>
+          <a:extLst>
+            <a:ext uri="{909E8E84-426E-40DD-AFC4-6F175D3DCCD1}">
+              <a14:hiddenFill xmlns:a14="http://schemas.microsoft.com/office/drawing/2010/main">
+                <a:solidFill>
+                  <a:srgbClr val="FFFFFF"/>
+                </a:solidFill>
+              </a14:hiddenFill>
+            </a:ext>
+          </a:extLst>
+        </p:spPr>
+      </p:pic>
     </p:spTree>
     <p:extLst>
       <p:ext uri="{BB962C8B-B14F-4D97-AF65-F5344CB8AC3E}">
@@ -30058,7 +30204,7 @@
           <a:noFill/>
           <a:extLst>
             <a:ext uri="{909E8E84-426E-40dd-AFC4-6F175D3DCCD1}">
-              <a14:hiddenFill xmlns:a14="http://schemas.microsoft.com/office/drawing/2010/main" xmlns:p14="http://schemas.microsoft.com/office/powerpoint/2010/main" xmlns:a16="http://schemas.microsoft.com/office/drawing/2014/main" xmlns="">
+              <a14:hiddenFill xmlns="" xmlns:a16="http://schemas.microsoft.com/office/drawing/2014/main" xmlns:p14="http://schemas.microsoft.com/office/powerpoint/2010/main" xmlns:a14="http://schemas.microsoft.com/office/drawing/2010/main">
                 <a:solidFill>
                   <a:srgbClr val="FFFFFF"/>
                 </a:solidFill>
@@ -30317,7 +30463,7 @@
             </a:ln>
             <a:extLst>
               <a:ext uri="{91240B29-F687-4f45-9708-019B960494DF}">
-                <a14:hiddenLine xmlns:a14="http://schemas.microsoft.com/office/drawing/2010/main" xmlns:p14="http://schemas.microsoft.com/office/powerpoint/2010/main" xmlns:a16="http://schemas.microsoft.com/office/drawing/2014/main" xmlns="" w="9525">
+                <a14:hiddenLine xmlns="" xmlns:a16="http://schemas.microsoft.com/office/drawing/2014/main" xmlns:p14="http://schemas.microsoft.com/office/powerpoint/2010/main" xmlns:a14="http://schemas.microsoft.com/office/drawing/2010/main" w="9525">
                   <a:solidFill>
                     <a:srgbClr val="000000"/>
                   </a:solidFill>
@@ -30422,7 +30568,7 @@
             </a:ln>
             <a:extLst>
               <a:ext uri="{91240B29-F687-4f45-9708-019B960494DF}">
-                <a14:hiddenLine xmlns:a14="http://schemas.microsoft.com/office/drawing/2010/main" xmlns:p14="http://schemas.microsoft.com/office/powerpoint/2010/main" xmlns:a16="http://schemas.microsoft.com/office/drawing/2014/main" xmlns="" w="9525">
+                <a14:hiddenLine xmlns="" xmlns:a16="http://schemas.microsoft.com/office/drawing/2014/main" xmlns:p14="http://schemas.microsoft.com/office/powerpoint/2010/main" xmlns:a14="http://schemas.microsoft.com/office/drawing/2010/main" w="9525">
                   <a:solidFill>
                     <a:srgbClr val="000000"/>
                   </a:solidFill>
@@ -30527,7 +30673,7 @@
             </a:ln>
             <a:extLst>
               <a:ext uri="{91240B29-F687-4f45-9708-019B960494DF}">
-                <a14:hiddenLine xmlns:a14="http://schemas.microsoft.com/office/drawing/2010/main" xmlns:p14="http://schemas.microsoft.com/office/powerpoint/2010/main" xmlns:a16="http://schemas.microsoft.com/office/drawing/2014/main" xmlns="" w="9525">
+                <a14:hiddenLine xmlns="" xmlns:a16="http://schemas.microsoft.com/office/drawing/2014/main" xmlns:p14="http://schemas.microsoft.com/office/powerpoint/2010/main" xmlns:a14="http://schemas.microsoft.com/office/drawing/2010/main" w="9525">
                   <a:solidFill>
                     <a:srgbClr val="000000"/>
                   </a:solidFill>
@@ -30604,7 +30750,7 @@
             </a:ln>
             <a:extLst>
               <a:ext uri="{91240B29-F687-4f45-9708-019B960494DF}">
-                <a14:hiddenLine xmlns:a14="http://schemas.microsoft.com/office/drawing/2010/main" xmlns:p14="http://schemas.microsoft.com/office/powerpoint/2010/main" xmlns:a16="http://schemas.microsoft.com/office/drawing/2014/main" xmlns="" w="9525">
+                <a14:hiddenLine xmlns="" xmlns:a16="http://schemas.microsoft.com/office/drawing/2014/main" xmlns:p14="http://schemas.microsoft.com/office/powerpoint/2010/main" xmlns:a14="http://schemas.microsoft.com/office/drawing/2010/main" w="9525">
                   <a:solidFill>
                     <a:srgbClr val="000000"/>
                   </a:solidFill>
@@ -30709,7 +30855,7 @@
             </a:ln>
             <a:extLst>
               <a:ext uri="{91240B29-F687-4f45-9708-019B960494DF}">
-                <a14:hiddenLine xmlns:a14="http://schemas.microsoft.com/office/drawing/2010/main" xmlns:p14="http://schemas.microsoft.com/office/powerpoint/2010/main" xmlns:a16="http://schemas.microsoft.com/office/drawing/2014/main" xmlns="" w="9525">
+                <a14:hiddenLine xmlns="" xmlns:a16="http://schemas.microsoft.com/office/drawing/2014/main" xmlns:p14="http://schemas.microsoft.com/office/powerpoint/2010/main" xmlns:a14="http://schemas.microsoft.com/office/drawing/2010/main" w="9525">
                   <a:solidFill>
                     <a:srgbClr val="000000"/>
                   </a:solidFill>
@@ -30786,7 +30932,7 @@
             </a:ln>
             <a:extLst>
               <a:ext uri="{91240B29-F687-4f45-9708-019B960494DF}">
-                <a14:hiddenLine xmlns:a14="http://schemas.microsoft.com/office/drawing/2010/main" xmlns:p14="http://schemas.microsoft.com/office/powerpoint/2010/main" xmlns:a16="http://schemas.microsoft.com/office/drawing/2014/main" xmlns="" w="9525">
+                <a14:hiddenLine xmlns="" xmlns:a16="http://schemas.microsoft.com/office/drawing/2014/main" xmlns:p14="http://schemas.microsoft.com/office/powerpoint/2010/main" xmlns:a14="http://schemas.microsoft.com/office/drawing/2010/main" w="9525">
                   <a:solidFill>
                     <a:srgbClr val="000000"/>
                   </a:solidFill>
@@ -30863,7 +31009,7 @@
             </a:ln>
             <a:extLst>
               <a:ext uri="{91240B29-F687-4f45-9708-019B960494DF}">
-                <a14:hiddenLine xmlns:a14="http://schemas.microsoft.com/office/drawing/2010/main" xmlns:p14="http://schemas.microsoft.com/office/powerpoint/2010/main" xmlns:a16="http://schemas.microsoft.com/office/drawing/2014/main" xmlns="" w="9525">
+                <a14:hiddenLine xmlns="" xmlns:a16="http://schemas.microsoft.com/office/drawing/2014/main" xmlns:p14="http://schemas.microsoft.com/office/powerpoint/2010/main" xmlns:a14="http://schemas.microsoft.com/office/drawing/2010/main" w="9525">
                   <a:solidFill>
                     <a:srgbClr val="000000"/>
                   </a:solidFill>
@@ -30968,7 +31114,7 @@
             </a:ln>
             <a:extLst>
               <a:ext uri="{91240B29-F687-4f45-9708-019B960494DF}">
-                <a14:hiddenLine xmlns:a14="http://schemas.microsoft.com/office/drawing/2010/main" xmlns:p14="http://schemas.microsoft.com/office/powerpoint/2010/main" xmlns:a16="http://schemas.microsoft.com/office/drawing/2014/main" xmlns="" w="9525">
+                <a14:hiddenLine xmlns="" xmlns:a16="http://schemas.microsoft.com/office/drawing/2014/main" xmlns:p14="http://schemas.microsoft.com/office/powerpoint/2010/main" xmlns:a14="http://schemas.microsoft.com/office/drawing/2010/main" w="9525">
                   <a:solidFill>
                     <a:srgbClr val="000000"/>
                   </a:solidFill>
@@ -31073,7 +31219,7 @@
             </a:ln>
             <a:extLst>
               <a:ext uri="{91240B29-F687-4f45-9708-019B960494DF}">
-                <a14:hiddenLine xmlns:a14="http://schemas.microsoft.com/office/drawing/2010/main" xmlns:p14="http://schemas.microsoft.com/office/powerpoint/2010/main" xmlns:a16="http://schemas.microsoft.com/office/drawing/2014/main" xmlns="" w="9525">
+                <a14:hiddenLine xmlns="" xmlns:a16="http://schemas.microsoft.com/office/drawing/2014/main" xmlns:p14="http://schemas.microsoft.com/office/powerpoint/2010/main" xmlns:a14="http://schemas.microsoft.com/office/drawing/2010/main" w="9525">
                   <a:solidFill>
                     <a:srgbClr val="000000"/>
                   </a:solidFill>
@@ -31150,7 +31296,7 @@
             </a:ln>
             <a:extLst>
               <a:ext uri="{91240B29-F687-4f45-9708-019B960494DF}">
-                <a14:hiddenLine xmlns:a14="http://schemas.microsoft.com/office/drawing/2010/main" xmlns:p14="http://schemas.microsoft.com/office/powerpoint/2010/main" xmlns:a16="http://schemas.microsoft.com/office/drawing/2014/main" xmlns="" w="9525">
+                <a14:hiddenLine xmlns="" xmlns:a16="http://schemas.microsoft.com/office/drawing/2014/main" xmlns:p14="http://schemas.microsoft.com/office/powerpoint/2010/main" xmlns:a14="http://schemas.microsoft.com/office/drawing/2010/main" w="9525">
                   <a:solidFill>
                     <a:srgbClr val="000000"/>
                   </a:solidFill>
@@ -31275,7 +31421,7 @@
             </a:ln>
             <a:extLst>
               <a:ext uri="{91240B29-F687-4f45-9708-019B960494DF}">
-                <a14:hiddenLine xmlns:a14="http://schemas.microsoft.com/office/drawing/2010/main" xmlns:p14="http://schemas.microsoft.com/office/powerpoint/2010/main" xmlns:a16="http://schemas.microsoft.com/office/drawing/2014/main" xmlns="" w="9525">
+                <a14:hiddenLine xmlns="" xmlns:a16="http://schemas.microsoft.com/office/drawing/2014/main" xmlns:p14="http://schemas.microsoft.com/office/powerpoint/2010/main" xmlns:a14="http://schemas.microsoft.com/office/drawing/2010/main" w="9525">
                   <a:solidFill>
                     <a:srgbClr val="000000"/>
                   </a:solidFill>
@@ -31389,7 +31535,7 @@
             </a:ln>
             <a:extLst>
               <a:ext uri="{91240B29-F687-4f45-9708-019B960494DF}">
-                <a14:hiddenLine xmlns:a14="http://schemas.microsoft.com/office/drawing/2010/main" xmlns:p14="http://schemas.microsoft.com/office/powerpoint/2010/main" xmlns:a16="http://schemas.microsoft.com/office/drawing/2014/main" xmlns="" w="9525">
+                <a14:hiddenLine xmlns="" xmlns:a16="http://schemas.microsoft.com/office/drawing/2014/main" xmlns:p14="http://schemas.microsoft.com/office/powerpoint/2010/main" xmlns:a14="http://schemas.microsoft.com/office/drawing/2010/main" w="9525">
                   <a:solidFill>
                     <a:srgbClr val="000000"/>
                   </a:solidFill>
@@ -31466,7 +31612,7 @@
             </a:ln>
             <a:extLst>
               <a:ext uri="{91240B29-F687-4f45-9708-019B960494DF}">
-                <a14:hiddenLine xmlns:a14="http://schemas.microsoft.com/office/drawing/2010/main" xmlns:p14="http://schemas.microsoft.com/office/powerpoint/2010/main" xmlns:a16="http://schemas.microsoft.com/office/drawing/2014/main" xmlns="" w="9525">
+                <a14:hiddenLine xmlns="" xmlns:a16="http://schemas.microsoft.com/office/drawing/2014/main" xmlns:p14="http://schemas.microsoft.com/office/powerpoint/2010/main" xmlns:a14="http://schemas.microsoft.com/office/drawing/2010/main" w="9525">
                   <a:solidFill>
                     <a:srgbClr val="000000"/>
                   </a:solidFill>
@@ -31543,7 +31689,7 @@
             </a:ln>
             <a:extLst>
               <a:ext uri="{91240B29-F687-4f45-9708-019B960494DF}">
-                <a14:hiddenLine xmlns:a14="http://schemas.microsoft.com/office/drawing/2010/main" xmlns:p14="http://schemas.microsoft.com/office/powerpoint/2010/main" xmlns:a16="http://schemas.microsoft.com/office/drawing/2014/main" xmlns="" w="9525">
+                <a14:hiddenLine xmlns="" xmlns:a16="http://schemas.microsoft.com/office/drawing/2014/main" xmlns:p14="http://schemas.microsoft.com/office/powerpoint/2010/main" xmlns:a14="http://schemas.microsoft.com/office/drawing/2010/main" w="9525">
                   <a:solidFill>
                     <a:srgbClr val="000000"/>
                   </a:solidFill>
@@ -31648,7 +31794,7 @@
             </a:ln>
             <a:extLst>
               <a:ext uri="{91240B29-F687-4f45-9708-019B960494DF}">
-                <a14:hiddenLine xmlns:a14="http://schemas.microsoft.com/office/drawing/2010/main" xmlns:p14="http://schemas.microsoft.com/office/powerpoint/2010/main" xmlns:a16="http://schemas.microsoft.com/office/drawing/2014/main" xmlns="" w="9525">
+                <a14:hiddenLine xmlns="" xmlns:a16="http://schemas.microsoft.com/office/drawing/2014/main" xmlns:p14="http://schemas.microsoft.com/office/powerpoint/2010/main" xmlns:a14="http://schemas.microsoft.com/office/drawing/2010/main" w="9525">
                   <a:solidFill>
                     <a:srgbClr val="000000"/>
                   </a:solidFill>
@@ -31697,7 +31843,7 @@
             </a:ln>
             <a:extLst>
               <a:ext uri="{91240B29-F687-4f45-9708-019B960494DF}">
-                <a14:hiddenLine xmlns:a14="http://schemas.microsoft.com/office/drawing/2010/main" xmlns:p14="http://schemas.microsoft.com/office/powerpoint/2010/main" xmlns:a16="http://schemas.microsoft.com/office/drawing/2014/main" xmlns="" w="9525">
+                <a14:hiddenLine xmlns="" xmlns:a16="http://schemas.microsoft.com/office/drawing/2014/main" xmlns:p14="http://schemas.microsoft.com/office/powerpoint/2010/main" xmlns:a14="http://schemas.microsoft.com/office/drawing/2010/main" w="9525">
                   <a:solidFill>
                     <a:srgbClr val="000000"/>
                   </a:solidFill>
@@ -31777,7 +31923,7 @@
             </a:ln>
             <a:extLst>
               <a:ext uri="{91240B29-F687-4f45-9708-019B960494DF}">
-                <a14:hiddenLine xmlns:a14="http://schemas.microsoft.com/office/drawing/2010/main" xmlns:p14="http://schemas.microsoft.com/office/powerpoint/2010/main" xmlns:a16="http://schemas.microsoft.com/office/drawing/2014/main" xmlns="" w="9525">
+                <a14:hiddenLine xmlns="" xmlns:a16="http://schemas.microsoft.com/office/drawing/2014/main" xmlns:p14="http://schemas.microsoft.com/office/powerpoint/2010/main" xmlns:a14="http://schemas.microsoft.com/office/drawing/2010/main" w="9525">
                   <a:solidFill>
                     <a:srgbClr val="000000"/>
                   </a:solidFill>
@@ -31882,7 +32028,7 @@
             </a:ln>
             <a:extLst>
               <a:ext uri="{91240B29-F687-4f45-9708-019B960494DF}">
-                <a14:hiddenLine xmlns:a14="http://schemas.microsoft.com/office/drawing/2010/main" xmlns:p14="http://schemas.microsoft.com/office/powerpoint/2010/main" xmlns:a16="http://schemas.microsoft.com/office/drawing/2014/main" xmlns="" w="9525">
+                <a14:hiddenLine xmlns="" xmlns:a16="http://schemas.microsoft.com/office/drawing/2014/main" xmlns:p14="http://schemas.microsoft.com/office/powerpoint/2010/main" xmlns:a14="http://schemas.microsoft.com/office/drawing/2010/main" w="9525">
                   <a:solidFill>
                     <a:srgbClr val="000000"/>
                   </a:solidFill>
@@ -31959,7 +32105,7 @@
             </a:ln>
             <a:extLst>
               <a:ext uri="{91240B29-F687-4f45-9708-019B960494DF}">
-                <a14:hiddenLine xmlns:a14="http://schemas.microsoft.com/office/drawing/2010/main" xmlns:p14="http://schemas.microsoft.com/office/powerpoint/2010/main" xmlns:a16="http://schemas.microsoft.com/office/drawing/2014/main" xmlns="" w="9525">
+                <a14:hiddenLine xmlns="" xmlns:a16="http://schemas.microsoft.com/office/drawing/2014/main" xmlns:p14="http://schemas.microsoft.com/office/powerpoint/2010/main" xmlns:a14="http://schemas.microsoft.com/office/drawing/2010/main" w="9525">
                   <a:solidFill>
                     <a:srgbClr val="000000"/>
                   </a:solidFill>
@@ -32064,7 +32210,7 @@
             </a:ln>
             <a:extLst>
               <a:ext uri="{91240B29-F687-4f45-9708-019B960494DF}">
-                <a14:hiddenLine xmlns:a14="http://schemas.microsoft.com/office/drawing/2010/main" xmlns:p14="http://schemas.microsoft.com/office/powerpoint/2010/main" xmlns:a16="http://schemas.microsoft.com/office/drawing/2014/main" xmlns="" w="9525">
+                <a14:hiddenLine xmlns="" xmlns:a16="http://schemas.microsoft.com/office/drawing/2014/main" xmlns:p14="http://schemas.microsoft.com/office/powerpoint/2010/main" xmlns:a14="http://schemas.microsoft.com/office/drawing/2010/main" w="9525">
                   <a:solidFill>
                     <a:srgbClr val="000000"/>
                   </a:solidFill>
@@ -32144,7 +32290,7 @@
             </a:ln>
             <a:extLst>
               <a:ext uri="{91240B29-F687-4f45-9708-019B960494DF}">
-                <a14:hiddenLine xmlns:a14="http://schemas.microsoft.com/office/drawing/2010/main" xmlns:p14="http://schemas.microsoft.com/office/powerpoint/2010/main" xmlns:a16="http://schemas.microsoft.com/office/drawing/2014/main" xmlns="" w="9525">
+                <a14:hiddenLine xmlns="" xmlns:a16="http://schemas.microsoft.com/office/drawing/2014/main" xmlns:p14="http://schemas.microsoft.com/office/powerpoint/2010/main" xmlns:a14="http://schemas.microsoft.com/office/drawing/2010/main" w="9525">
                   <a:solidFill>
                     <a:srgbClr val="000000"/>
                   </a:solidFill>
@@ -32221,7 +32367,7 @@
             </a:ln>
             <a:extLst>
               <a:ext uri="{91240B29-F687-4f45-9708-019B960494DF}">
-                <a14:hiddenLine xmlns:a14="http://schemas.microsoft.com/office/drawing/2010/main" xmlns:p14="http://schemas.microsoft.com/office/powerpoint/2010/main" xmlns:a16="http://schemas.microsoft.com/office/drawing/2014/main" xmlns="" w="9525">
+                <a14:hiddenLine xmlns="" xmlns:a16="http://schemas.microsoft.com/office/drawing/2014/main" xmlns:p14="http://schemas.microsoft.com/office/powerpoint/2010/main" xmlns:a14="http://schemas.microsoft.com/office/drawing/2010/main" w="9525">
                   <a:solidFill>
                     <a:srgbClr val="000000"/>
                   </a:solidFill>
@@ -32326,7 +32472,7 @@
             </a:ln>
             <a:extLst>
               <a:ext uri="{91240B29-F687-4f45-9708-019B960494DF}">
-                <a14:hiddenLine xmlns:a14="http://schemas.microsoft.com/office/drawing/2010/main" xmlns:p14="http://schemas.microsoft.com/office/powerpoint/2010/main" xmlns:a16="http://schemas.microsoft.com/office/drawing/2014/main" xmlns="" w="9525">
+                <a14:hiddenLine xmlns="" xmlns:a16="http://schemas.microsoft.com/office/drawing/2014/main" xmlns:p14="http://schemas.microsoft.com/office/powerpoint/2010/main" xmlns:a14="http://schemas.microsoft.com/office/drawing/2010/main" w="9525">
                   <a:solidFill>
                     <a:srgbClr val="000000"/>
                   </a:solidFill>
@@ -32431,7 +32577,7 @@
             </a:ln>
             <a:extLst>
               <a:ext uri="{91240B29-F687-4f45-9708-019B960494DF}">
-                <a14:hiddenLine xmlns:a14="http://schemas.microsoft.com/office/drawing/2010/main" xmlns:p14="http://schemas.microsoft.com/office/powerpoint/2010/main" xmlns:a16="http://schemas.microsoft.com/office/drawing/2014/main" xmlns="" w="9525">
+                <a14:hiddenLine xmlns="" xmlns:a16="http://schemas.microsoft.com/office/drawing/2014/main" xmlns:p14="http://schemas.microsoft.com/office/powerpoint/2010/main" xmlns:a14="http://schemas.microsoft.com/office/drawing/2010/main" w="9525">
                   <a:solidFill>
                     <a:srgbClr val="000000"/>
                   </a:solidFill>
@@ -32511,7 +32657,7 @@
             </a:ln>
             <a:extLst>
               <a:ext uri="{91240B29-F687-4f45-9708-019B960494DF}">
-                <a14:hiddenLine xmlns:a14="http://schemas.microsoft.com/office/drawing/2010/main" xmlns:p14="http://schemas.microsoft.com/office/powerpoint/2010/main" xmlns:a16="http://schemas.microsoft.com/office/drawing/2014/main" xmlns="" w="9525">
+                <a14:hiddenLine xmlns="" xmlns:a16="http://schemas.microsoft.com/office/drawing/2014/main" xmlns:p14="http://schemas.microsoft.com/office/powerpoint/2010/main" xmlns:a14="http://schemas.microsoft.com/office/drawing/2010/main" w="9525">
                   <a:solidFill>
                     <a:srgbClr val="000000"/>
                   </a:solidFill>
@@ -32646,7 +32792,7 @@
             </a:ln>
             <a:extLst>
               <a:ext uri="{91240B29-F687-4f45-9708-019B960494DF}">
-                <a14:hiddenLine xmlns:a14="http://schemas.microsoft.com/office/drawing/2010/main" xmlns:p14="http://schemas.microsoft.com/office/powerpoint/2010/main" xmlns:a16="http://schemas.microsoft.com/office/drawing/2014/main" xmlns="" w="9525">
+                <a14:hiddenLine xmlns="" xmlns:a16="http://schemas.microsoft.com/office/drawing/2014/main" xmlns:p14="http://schemas.microsoft.com/office/powerpoint/2010/main" xmlns:a14="http://schemas.microsoft.com/office/drawing/2010/main" w="9525">
                   <a:solidFill>
                     <a:srgbClr val="000000"/>
                   </a:solidFill>
@@ -32948,7 +33094,7 @@
           <a:noFill/>
           <a:extLst>
             <a:ext uri="{909E8E84-426E-40dd-AFC4-6F175D3DCCD1}">
-              <a14:hiddenFill xmlns:a14="http://schemas.microsoft.com/office/drawing/2010/main" xmlns:p14="http://schemas.microsoft.com/office/powerpoint/2010/main" xmlns:a16="http://schemas.microsoft.com/office/drawing/2014/main" xmlns="">
+              <a14:hiddenFill xmlns="" xmlns:a16="http://schemas.microsoft.com/office/drawing/2014/main" xmlns:p14="http://schemas.microsoft.com/office/powerpoint/2010/main" xmlns:a14="http://schemas.microsoft.com/office/drawing/2010/main">
                 <a:solidFill>
                   <a:srgbClr val="FFFFFF"/>
                 </a:solidFill>
@@ -33126,7 +33272,7 @@
             </a:ln>
             <a:extLst>
               <a:ext uri="{91240B29-F687-4f45-9708-019B960494DF}">
-                <a14:hiddenLine xmlns:a14="http://schemas.microsoft.com/office/drawing/2010/main" xmlns:p14="http://schemas.microsoft.com/office/powerpoint/2010/main" xmlns:a16="http://schemas.microsoft.com/office/drawing/2014/main" xmlns="" w="9525">
+                <a14:hiddenLine xmlns="" xmlns:a16="http://schemas.microsoft.com/office/drawing/2014/main" xmlns:p14="http://schemas.microsoft.com/office/powerpoint/2010/main" xmlns:a14="http://schemas.microsoft.com/office/drawing/2010/main" w="9525">
                   <a:solidFill>
                     <a:srgbClr val="000000"/>
                   </a:solidFill>
@@ -33231,7 +33377,7 @@
             </a:ln>
             <a:extLst>
               <a:ext uri="{91240B29-F687-4f45-9708-019B960494DF}">
-                <a14:hiddenLine xmlns:a14="http://schemas.microsoft.com/office/drawing/2010/main" xmlns:p14="http://schemas.microsoft.com/office/powerpoint/2010/main" xmlns:a16="http://schemas.microsoft.com/office/drawing/2014/main" xmlns="" w="9525">
+                <a14:hiddenLine xmlns="" xmlns:a16="http://schemas.microsoft.com/office/drawing/2014/main" xmlns:p14="http://schemas.microsoft.com/office/powerpoint/2010/main" xmlns:a14="http://schemas.microsoft.com/office/drawing/2010/main" w="9525">
                   <a:solidFill>
                     <a:srgbClr val="000000"/>
                   </a:solidFill>
@@ -33336,7 +33482,7 @@
             </a:ln>
             <a:extLst>
               <a:ext uri="{91240B29-F687-4f45-9708-019B960494DF}">
-                <a14:hiddenLine xmlns:a14="http://schemas.microsoft.com/office/drawing/2010/main" xmlns:p14="http://schemas.microsoft.com/office/powerpoint/2010/main" xmlns:a16="http://schemas.microsoft.com/office/drawing/2014/main" xmlns="" w="9525">
+                <a14:hiddenLine xmlns="" xmlns:a16="http://schemas.microsoft.com/office/drawing/2014/main" xmlns:p14="http://schemas.microsoft.com/office/powerpoint/2010/main" xmlns:a14="http://schemas.microsoft.com/office/drawing/2010/main" w="9525">
                   <a:solidFill>
                     <a:srgbClr val="000000"/>
                   </a:solidFill>
@@ -33413,7 +33559,7 @@
             </a:ln>
             <a:extLst>
               <a:ext uri="{91240B29-F687-4f45-9708-019B960494DF}">
-                <a14:hiddenLine xmlns:a14="http://schemas.microsoft.com/office/drawing/2010/main" xmlns:p14="http://schemas.microsoft.com/office/powerpoint/2010/main" xmlns:a16="http://schemas.microsoft.com/office/drawing/2014/main" xmlns="" w="9525">
+                <a14:hiddenLine xmlns="" xmlns:a16="http://schemas.microsoft.com/office/drawing/2014/main" xmlns:p14="http://schemas.microsoft.com/office/powerpoint/2010/main" xmlns:a14="http://schemas.microsoft.com/office/drawing/2010/main" w="9525">
                   <a:solidFill>
                     <a:srgbClr val="000000"/>
                   </a:solidFill>
@@ -33518,7 +33664,7 @@
             </a:ln>
             <a:extLst>
               <a:ext uri="{91240B29-F687-4f45-9708-019B960494DF}">
-                <a14:hiddenLine xmlns:a14="http://schemas.microsoft.com/office/drawing/2010/main" xmlns:p14="http://schemas.microsoft.com/office/powerpoint/2010/main" xmlns:a16="http://schemas.microsoft.com/office/drawing/2014/main" xmlns="" w="9525">
+                <a14:hiddenLine xmlns="" xmlns:a16="http://schemas.microsoft.com/office/drawing/2014/main" xmlns:p14="http://schemas.microsoft.com/office/powerpoint/2010/main" xmlns:a14="http://schemas.microsoft.com/office/drawing/2010/main" w="9525">
                   <a:solidFill>
                     <a:srgbClr val="000000"/>
                   </a:solidFill>
@@ -33595,7 +33741,7 @@
             </a:ln>
             <a:extLst>
               <a:ext uri="{91240B29-F687-4f45-9708-019B960494DF}">
-                <a14:hiddenLine xmlns:a14="http://schemas.microsoft.com/office/drawing/2010/main" xmlns:p14="http://schemas.microsoft.com/office/powerpoint/2010/main" xmlns:a16="http://schemas.microsoft.com/office/drawing/2014/main" xmlns="" w="9525">
+                <a14:hiddenLine xmlns="" xmlns:a16="http://schemas.microsoft.com/office/drawing/2014/main" xmlns:p14="http://schemas.microsoft.com/office/powerpoint/2010/main" xmlns:a14="http://schemas.microsoft.com/office/drawing/2010/main" w="9525">
                   <a:solidFill>
                     <a:srgbClr val="000000"/>
                   </a:solidFill>
@@ -33672,7 +33818,7 @@
             </a:ln>
             <a:extLst>
               <a:ext uri="{91240B29-F687-4f45-9708-019B960494DF}">
-                <a14:hiddenLine xmlns:a14="http://schemas.microsoft.com/office/drawing/2010/main" xmlns:p14="http://schemas.microsoft.com/office/powerpoint/2010/main" xmlns:a16="http://schemas.microsoft.com/office/drawing/2014/main" xmlns="" w="9525">
+                <a14:hiddenLine xmlns="" xmlns:a16="http://schemas.microsoft.com/office/drawing/2014/main" xmlns:p14="http://schemas.microsoft.com/office/powerpoint/2010/main" xmlns:a14="http://schemas.microsoft.com/office/drawing/2010/main" w="9525">
                   <a:solidFill>
                     <a:srgbClr val="000000"/>
                   </a:solidFill>
@@ -33777,7 +33923,7 @@
             </a:ln>
             <a:extLst>
               <a:ext uri="{91240B29-F687-4f45-9708-019B960494DF}">
-                <a14:hiddenLine xmlns:a14="http://schemas.microsoft.com/office/drawing/2010/main" xmlns:p14="http://schemas.microsoft.com/office/powerpoint/2010/main" xmlns:a16="http://schemas.microsoft.com/office/drawing/2014/main" xmlns="" w="9525">
+                <a14:hiddenLine xmlns="" xmlns:a16="http://schemas.microsoft.com/office/drawing/2014/main" xmlns:p14="http://schemas.microsoft.com/office/powerpoint/2010/main" xmlns:a14="http://schemas.microsoft.com/office/drawing/2010/main" w="9525">
                   <a:solidFill>
                     <a:srgbClr val="000000"/>
                   </a:solidFill>
@@ -33882,7 +34028,7 @@
             </a:ln>
             <a:extLst>
               <a:ext uri="{91240B29-F687-4f45-9708-019B960494DF}">
-                <a14:hiddenLine xmlns:a14="http://schemas.microsoft.com/office/drawing/2010/main" xmlns:p14="http://schemas.microsoft.com/office/powerpoint/2010/main" xmlns:a16="http://schemas.microsoft.com/office/drawing/2014/main" xmlns="" w="9525">
+                <a14:hiddenLine xmlns="" xmlns:a16="http://schemas.microsoft.com/office/drawing/2014/main" xmlns:p14="http://schemas.microsoft.com/office/powerpoint/2010/main" xmlns:a14="http://schemas.microsoft.com/office/drawing/2010/main" w="9525">
                   <a:solidFill>
                     <a:srgbClr val="000000"/>
                   </a:solidFill>
@@ -33959,7 +34105,7 @@
             </a:ln>
             <a:extLst>
               <a:ext uri="{91240B29-F687-4f45-9708-019B960494DF}">
-                <a14:hiddenLine xmlns:a14="http://schemas.microsoft.com/office/drawing/2010/main" xmlns:p14="http://schemas.microsoft.com/office/powerpoint/2010/main" xmlns:a16="http://schemas.microsoft.com/office/drawing/2014/main" xmlns="" w="9525">
+                <a14:hiddenLine xmlns="" xmlns:a16="http://schemas.microsoft.com/office/drawing/2014/main" xmlns:p14="http://schemas.microsoft.com/office/powerpoint/2010/main" xmlns:a14="http://schemas.microsoft.com/office/drawing/2010/main" w="9525">
                   <a:solidFill>
                     <a:srgbClr val="000000"/>
                   </a:solidFill>
@@ -34084,7 +34230,7 @@
             </a:ln>
             <a:extLst>
               <a:ext uri="{91240B29-F687-4f45-9708-019B960494DF}">
-                <a14:hiddenLine xmlns:a14="http://schemas.microsoft.com/office/drawing/2010/main" xmlns:p14="http://schemas.microsoft.com/office/powerpoint/2010/main" xmlns:a16="http://schemas.microsoft.com/office/drawing/2014/main" xmlns="" w="9525">
+                <a14:hiddenLine xmlns="" xmlns:a16="http://schemas.microsoft.com/office/drawing/2014/main" xmlns:p14="http://schemas.microsoft.com/office/powerpoint/2010/main" xmlns:a14="http://schemas.microsoft.com/office/drawing/2010/main" w="9525">
                   <a:solidFill>
                     <a:srgbClr val="000000"/>
                   </a:solidFill>
@@ -34198,7 +34344,7 @@
             </a:ln>
             <a:extLst>
               <a:ext uri="{91240B29-F687-4f45-9708-019B960494DF}">
-                <a14:hiddenLine xmlns:a14="http://schemas.microsoft.com/office/drawing/2010/main" xmlns:p14="http://schemas.microsoft.com/office/powerpoint/2010/main" xmlns:a16="http://schemas.microsoft.com/office/drawing/2014/main" xmlns="" w="9525">
+                <a14:hiddenLine xmlns="" xmlns:a16="http://schemas.microsoft.com/office/drawing/2014/main" xmlns:p14="http://schemas.microsoft.com/office/powerpoint/2010/main" xmlns:a14="http://schemas.microsoft.com/office/drawing/2010/main" w="9525">
                   <a:solidFill>
                     <a:srgbClr val="000000"/>
                   </a:solidFill>
@@ -34275,7 +34421,7 @@
             </a:ln>
             <a:extLst>
               <a:ext uri="{91240B29-F687-4f45-9708-019B960494DF}">
-                <a14:hiddenLine xmlns:a14="http://schemas.microsoft.com/office/drawing/2010/main" xmlns:p14="http://schemas.microsoft.com/office/powerpoint/2010/main" xmlns:a16="http://schemas.microsoft.com/office/drawing/2014/main" xmlns="" w="9525">
+                <a14:hiddenLine xmlns="" xmlns:a16="http://schemas.microsoft.com/office/drawing/2014/main" xmlns:p14="http://schemas.microsoft.com/office/powerpoint/2010/main" xmlns:a14="http://schemas.microsoft.com/office/drawing/2010/main" w="9525">
                   <a:solidFill>
                     <a:srgbClr val="000000"/>
                   </a:solidFill>
@@ -34352,7 +34498,7 @@
             </a:ln>
             <a:extLst>
               <a:ext uri="{91240B29-F687-4f45-9708-019B960494DF}">
-                <a14:hiddenLine xmlns:a14="http://schemas.microsoft.com/office/drawing/2010/main" xmlns:p14="http://schemas.microsoft.com/office/powerpoint/2010/main" xmlns:a16="http://schemas.microsoft.com/office/drawing/2014/main" xmlns="" w="9525">
+                <a14:hiddenLine xmlns="" xmlns:a16="http://schemas.microsoft.com/office/drawing/2014/main" xmlns:p14="http://schemas.microsoft.com/office/powerpoint/2010/main" xmlns:a14="http://schemas.microsoft.com/office/drawing/2010/main" w="9525">
                   <a:solidFill>
                     <a:srgbClr val="000000"/>
                   </a:solidFill>
@@ -34457,7 +34603,7 @@
             </a:ln>
             <a:extLst>
               <a:ext uri="{91240B29-F687-4f45-9708-019B960494DF}">
-                <a14:hiddenLine xmlns:a14="http://schemas.microsoft.com/office/drawing/2010/main" xmlns:p14="http://schemas.microsoft.com/office/powerpoint/2010/main" xmlns:a16="http://schemas.microsoft.com/office/drawing/2014/main" xmlns="" w="9525">
+                <a14:hiddenLine xmlns="" xmlns:a16="http://schemas.microsoft.com/office/drawing/2014/main" xmlns:p14="http://schemas.microsoft.com/office/powerpoint/2010/main" xmlns:a14="http://schemas.microsoft.com/office/drawing/2010/main" w="9525">
                   <a:solidFill>
                     <a:srgbClr val="000000"/>
                   </a:solidFill>
@@ -34506,7 +34652,7 @@
             </a:ln>
             <a:extLst>
               <a:ext uri="{91240B29-F687-4f45-9708-019B960494DF}">
-                <a14:hiddenLine xmlns:a14="http://schemas.microsoft.com/office/drawing/2010/main" xmlns:p14="http://schemas.microsoft.com/office/powerpoint/2010/main" xmlns:a16="http://schemas.microsoft.com/office/drawing/2014/main" xmlns="" w="9525">
+                <a14:hiddenLine xmlns="" xmlns:a16="http://schemas.microsoft.com/office/drawing/2014/main" xmlns:p14="http://schemas.microsoft.com/office/powerpoint/2010/main" xmlns:a14="http://schemas.microsoft.com/office/drawing/2010/main" w="9525">
                   <a:solidFill>
                     <a:srgbClr val="000000"/>
                   </a:solidFill>
@@ -34586,7 +34732,7 @@
             </a:ln>
             <a:extLst>
               <a:ext uri="{91240B29-F687-4f45-9708-019B960494DF}">
-                <a14:hiddenLine xmlns:a14="http://schemas.microsoft.com/office/drawing/2010/main" xmlns:p14="http://schemas.microsoft.com/office/powerpoint/2010/main" xmlns:a16="http://schemas.microsoft.com/office/drawing/2014/main" xmlns="" w="9525">
+                <a14:hiddenLine xmlns="" xmlns:a16="http://schemas.microsoft.com/office/drawing/2014/main" xmlns:p14="http://schemas.microsoft.com/office/powerpoint/2010/main" xmlns:a14="http://schemas.microsoft.com/office/drawing/2010/main" w="9525">
                   <a:solidFill>
                     <a:srgbClr val="000000"/>
                   </a:solidFill>
@@ -34691,7 +34837,7 @@
             </a:ln>
             <a:extLst>
               <a:ext uri="{91240B29-F687-4f45-9708-019B960494DF}">
-                <a14:hiddenLine xmlns:a14="http://schemas.microsoft.com/office/drawing/2010/main" xmlns:p14="http://schemas.microsoft.com/office/powerpoint/2010/main" xmlns:a16="http://schemas.microsoft.com/office/drawing/2014/main" xmlns="" w="9525">
+                <a14:hiddenLine xmlns="" xmlns:a16="http://schemas.microsoft.com/office/drawing/2014/main" xmlns:p14="http://schemas.microsoft.com/office/powerpoint/2010/main" xmlns:a14="http://schemas.microsoft.com/office/drawing/2010/main" w="9525">
                   <a:solidFill>
                     <a:srgbClr val="000000"/>
                   </a:solidFill>
@@ -34768,7 +34914,7 @@
             </a:ln>
             <a:extLst>
               <a:ext uri="{91240B29-F687-4f45-9708-019B960494DF}">
-                <a14:hiddenLine xmlns:a14="http://schemas.microsoft.com/office/drawing/2010/main" xmlns:p14="http://schemas.microsoft.com/office/powerpoint/2010/main" xmlns:a16="http://schemas.microsoft.com/office/drawing/2014/main" xmlns="" w="9525">
+                <a14:hiddenLine xmlns="" xmlns:a16="http://schemas.microsoft.com/office/drawing/2014/main" xmlns:p14="http://schemas.microsoft.com/office/powerpoint/2010/main" xmlns:a14="http://schemas.microsoft.com/office/drawing/2010/main" w="9525">
                   <a:solidFill>
                     <a:srgbClr val="000000"/>
                   </a:solidFill>
@@ -34873,7 +35019,7 @@
             </a:ln>
             <a:extLst>
               <a:ext uri="{91240B29-F687-4f45-9708-019B960494DF}">
-                <a14:hiddenLine xmlns:a14="http://schemas.microsoft.com/office/drawing/2010/main" xmlns:p14="http://schemas.microsoft.com/office/powerpoint/2010/main" xmlns:a16="http://schemas.microsoft.com/office/drawing/2014/main" xmlns="" w="9525">
+                <a14:hiddenLine xmlns="" xmlns:a16="http://schemas.microsoft.com/office/drawing/2014/main" xmlns:p14="http://schemas.microsoft.com/office/powerpoint/2010/main" xmlns:a14="http://schemas.microsoft.com/office/drawing/2010/main" w="9525">
                   <a:solidFill>
                     <a:srgbClr val="000000"/>
                   </a:solidFill>
@@ -34953,7 +35099,7 @@
             </a:ln>
             <a:extLst>
               <a:ext uri="{91240B29-F687-4f45-9708-019B960494DF}">
-                <a14:hiddenLine xmlns:a14="http://schemas.microsoft.com/office/drawing/2010/main" xmlns:p14="http://schemas.microsoft.com/office/powerpoint/2010/main" xmlns:a16="http://schemas.microsoft.com/office/drawing/2014/main" xmlns="" w="9525">
+                <a14:hiddenLine xmlns="" xmlns:a16="http://schemas.microsoft.com/office/drawing/2014/main" xmlns:p14="http://schemas.microsoft.com/office/powerpoint/2010/main" xmlns:a14="http://schemas.microsoft.com/office/drawing/2010/main" w="9525">
                   <a:solidFill>
                     <a:srgbClr val="000000"/>
                   </a:solidFill>
@@ -35030,7 +35176,7 @@
             </a:ln>
             <a:extLst>
               <a:ext uri="{91240B29-F687-4f45-9708-019B960494DF}">
-                <a14:hiddenLine xmlns:a14="http://schemas.microsoft.com/office/drawing/2010/main" xmlns:p14="http://schemas.microsoft.com/office/powerpoint/2010/main" xmlns:a16="http://schemas.microsoft.com/office/drawing/2014/main" xmlns="" w="9525">
+                <a14:hiddenLine xmlns="" xmlns:a16="http://schemas.microsoft.com/office/drawing/2014/main" xmlns:p14="http://schemas.microsoft.com/office/powerpoint/2010/main" xmlns:a14="http://schemas.microsoft.com/office/drawing/2010/main" w="9525">
                   <a:solidFill>
                     <a:srgbClr val="000000"/>
                   </a:solidFill>
@@ -35135,7 +35281,7 @@
             </a:ln>
             <a:extLst>
               <a:ext uri="{91240B29-F687-4f45-9708-019B960494DF}">
-                <a14:hiddenLine xmlns:a14="http://schemas.microsoft.com/office/drawing/2010/main" xmlns:p14="http://schemas.microsoft.com/office/powerpoint/2010/main" xmlns:a16="http://schemas.microsoft.com/office/drawing/2014/main" xmlns="" w="9525">
+                <a14:hiddenLine xmlns="" xmlns:a16="http://schemas.microsoft.com/office/drawing/2014/main" xmlns:p14="http://schemas.microsoft.com/office/powerpoint/2010/main" xmlns:a14="http://schemas.microsoft.com/office/drawing/2010/main" w="9525">
                   <a:solidFill>
                     <a:srgbClr val="000000"/>
                   </a:solidFill>
@@ -35240,7 +35386,7 @@
             </a:ln>
             <a:extLst>
               <a:ext uri="{91240B29-F687-4f45-9708-019B960494DF}">
-                <a14:hiddenLine xmlns:a14="http://schemas.microsoft.com/office/drawing/2010/main" xmlns:p14="http://schemas.microsoft.com/office/powerpoint/2010/main" xmlns:a16="http://schemas.microsoft.com/office/drawing/2014/main" xmlns="" w="9525">
+                <a14:hiddenLine xmlns="" xmlns:a16="http://schemas.microsoft.com/office/drawing/2014/main" xmlns:p14="http://schemas.microsoft.com/office/powerpoint/2010/main" xmlns:a14="http://schemas.microsoft.com/office/drawing/2010/main" w="9525">
                   <a:solidFill>
                     <a:srgbClr val="000000"/>
                   </a:solidFill>
@@ -35320,7 +35466,7 @@
             </a:ln>
             <a:extLst>
               <a:ext uri="{91240B29-F687-4f45-9708-019B960494DF}">
-                <a14:hiddenLine xmlns:a14="http://schemas.microsoft.com/office/drawing/2010/main" xmlns:p14="http://schemas.microsoft.com/office/powerpoint/2010/main" xmlns:a16="http://schemas.microsoft.com/office/drawing/2014/main" xmlns="" w="9525">
+                <a14:hiddenLine xmlns="" xmlns:a16="http://schemas.microsoft.com/office/drawing/2014/main" xmlns:p14="http://schemas.microsoft.com/office/powerpoint/2010/main" xmlns:a14="http://schemas.microsoft.com/office/drawing/2010/main" w="9525">
                   <a:solidFill>
                     <a:srgbClr val="000000"/>
                   </a:solidFill>
@@ -35455,7 +35601,7 @@
             </a:ln>
             <a:extLst>
               <a:ext uri="{91240B29-F687-4f45-9708-019B960494DF}">
-                <a14:hiddenLine xmlns:a14="http://schemas.microsoft.com/office/drawing/2010/main" xmlns:p14="http://schemas.microsoft.com/office/powerpoint/2010/main" xmlns:a16="http://schemas.microsoft.com/office/drawing/2014/main" xmlns="" w="9525">
+                <a14:hiddenLine xmlns="" xmlns:a16="http://schemas.microsoft.com/office/drawing/2014/main" xmlns:p14="http://schemas.microsoft.com/office/powerpoint/2010/main" xmlns:a14="http://schemas.microsoft.com/office/drawing/2010/main" w="9525">
                   <a:solidFill>
                     <a:srgbClr val="000000"/>
                   </a:solidFill>
@@ -35481,7 +35627,7 @@
           <p:nvPr>
             <p:extLst>
               <p:ext uri="{D42A27DB-BD31-4B8C-83A1-F6EECF244321}">
-                <p14:modId xmlns:p14="http://schemas.microsoft.com/office/powerpoint/2010/main" val="2849956690"/>
+                <p14:modId xmlns:p14="http://schemas.microsoft.com/office/powerpoint/2010/main" val="2220079740"/>
               </p:ext>
             </p:extLst>
           </p:nvPr>
@@ -35595,7 +35741,7 @@
           <a:p>
             <a:r>
               <a:rPr lang="en-US" sz="6600" dirty="0"/>
-              <a:t>Model Tried: SVC</a:t>
+              <a:t>Model Tried_1: SVC</a:t>
             </a:r>
           </a:p>
         </p:txBody>
@@ -35757,7 +35903,7 @@
           <a:p>
             <a:r>
               <a:rPr lang="en-US" sz="6600" dirty="0"/>
-              <a:t>Model Tried: </a:t>
+              <a:t>Model Tried_2: </a:t>
             </a:r>
             <a:r>
               <a:rPr lang="en-US" sz="6600" dirty="0" err="1"/>
@@ -35928,7 +36074,7 @@
           <a:p>
             <a:r>
               <a:rPr lang="en-US" sz="6600" dirty="0"/>
-              <a:t>Model Tried: </a:t>
+              <a:t>Model Tried_3: </a:t>
             </a:r>
             <a:r>
               <a:rPr lang="en-US" sz="6600" dirty="0" err="1"/>
@@ -36178,7 +36324,7 @@
             <p:ph idx="1"/>
             <p:extLst>
               <p:ext uri="{D42A27DB-BD31-4B8C-83A1-F6EECF244321}">
-                <p14:modId xmlns:p14="http://schemas.microsoft.com/office/powerpoint/2010/main" val="4015311225"/>
+                <p14:modId xmlns:p14="http://schemas.microsoft.com/office/powerpoint/2010/main" val="2240041248"/>
               </p:ext>
             </p:extLst>
           </p:nvPr>
